--- a/results/images/predicted_categories_attendance.pptx
+++ b/results/images/predicted_categories_attendance.pptx
@@ -125,32 +125,41 @@
       <c:style val="2"/>
     </mc:Fallback>
   </mc:AlternateContent>
-  <c:clrMapOvr bg1="lt1" tx1="dk1" bg2="lt2" tx2="dk2" accent1="accent1" accent2="accent2" accent3="accent3" accent4="accent4" accent5="accent5" accent6="accent6" hlink="hlink" folHlink="folHlink"/>
   <c:chart>
     <c:autoTitleDeleted val="1"/>
     <c:plotArea>
-      <c:layout/>
+      <c:layout>
+        <c:manualLayout>
+          <c:layoutTarget val="inner"/>
+          <c:xMode val="edge"/>
+          <c:yMode val="edge"/>
+          <c:x val="0.15573436132983376"/>
+          <c:y val="0.17603771029210571"/>
+          <c:w val="0.79730861767279082"/>
+          <c:h val="0.66180659633273908"/>
+        </c:manualLayout>
+      </c:layout>
       <c:barChart>
         <c:barDir val="col"/>
-        <c:grouping val="clustered"/>
+        <c:grouping val="stacked"/>
         <c:varyColors val="0"/>
         <c:ser>
           <c:idx val="0"/>
           <c:order val="0"/>
           <c:tx>
             <c:strRef>
-              <c:f>'Meet the categories'!$C$5:$D$5</c:f>
+              <c:f>'Meet the categories - New'!$B$23</c:f>
               <c:strCache>
-                <c:ptCount val="2"/>
+                <c:ptCount val="1"/>
                 <c:pt idx="0">
-                  <c:v>Amount</c:v>
+                  <c:v>Choose a Task</c:v>
                 </c:pt>
               </c:strCache>
             </c:strRef>
           </c:tx>
           <c:spPr>
             <a:solidFill>
-              <a:srgbClr val="70AD47"/>
+              <a:schemeClr val="accent1"/>
             </a:solidFill>
             <a:ln>
               <a:noFill/>
@@ -158,31 +167,190 @@
             <a:effectLst/>
           </c:spPr>
           <c:invertIfNegative val="0"/>
+          <c:dLbls>
+            <c:dLbl>
+              <c:idx val="0"/>
+              <c:delete val="1"/>
+              <c:extLst>
+                <c:ext xmlns:c15="http://schemas.microsoft.com/office/drawing/2012/chart" uri="{CE6537A1-D6FC-4f65-9D91-7224C49458BB}"/>
+                <c:ext xmlns:c16="http://schemas.microsoft.com/office/drawing/2014/chart" uri="{C3380CC4-5D6E-409C-BE32-E72D297353CC}">
+                  <c16:uniqueId val="{00000000-1D0F-4A6B-A8EF-726A1B013D78}"/>
+                </c:ext>
+              </c:extLst>
+            </c:dLbl>
+            <c:dLbl>
+              <c:idx val="1"/>
+              <c:delete val="1"/>
+              <c:extLst>
+                <c:ext xmlns:c15="http://schemas.microsoft.com/office/drawing/2012/chart" uri="{CE6537A1-D6FC-4f65-9D91-7224C49458BB}"/>
+                <c:ext xmlns:c16="http://schemas.microsoft.com/office/drawing/2014/chart" uri="{C3380CC4-5D6E-409C-BE32-E72D297353CC}">
+                  <c16:uniqueId val="{00000001-1D0F-4A6B-A8EF-726A1B013D78}"/>
+                </c:ext>
+              </c:extLst>
+            </c:dLbl>
+            <c:dLbl>
+              <c:idx val="2"/>
+              <c:delete val="1"/>
+              <c:extLst>
+                <c:ext xmlns:c15="http://schemas.microsoft.com/office/drawing/2012/chart" uri="{CE6537A1-D6FC-4f65-9D91-7224C49458BB}"/>
+                <c:ext xmlns:c16="http://schemas.microsoft.com/office/drawing/2014/chart" uri="{C3380CC4-5D6E-409C-BE32-E72D297353CC}">
+                  <c16:uniqueId val="{00000002-1D0F-4A6B-A8EF-726A1B013D78}"/>
+                </c:ext>
+              </c:extLst>
+            </c:dLbl>
+            <c:dLbl>
+              <c:idx val="3"/>
+              <c:tx>
+                <c:rich>
+                  <a:bodyPr/>
+                  <a:lstStyle/>
+                  <a:p>
+                    <a:fld id="{863CCD0E-90DE-407F-BCD1-D7566C00E257}" type="CELLRANGE">
+                      <a:rPr lang="en-US"/>
+                      <a:pPr/>
+                      <a:t>[CELLRANGE]</a:t>
+                    </a:fld>
+                    <a:endParaRPr lang="en-US"/>
+                  </a:p>
+                </c:rich>
+              </c:tx>
+              <c:dLblPos val="ctr"/>
+              <c:showLegendKey val="0"/>
+              <c:showVal val="0"/>
+              <c:showCatName val="0"/>
+              <c:showSerName val="0"/>
+              <c:showPercent val="0"/>
+              <c:showBubbleSize val="0"/>
+              <c:extLst>
+                <c:ext xmlns:c15="http://schemas.microsoft.com/office/drawing/2012/chart" uri="{CE6537A1-D6FC-4f65-9D91-7224C49458BB}">
+                  <c15:dlblFieldTable/>
+                  <c15:xForSave val="1"/>
+                  <c15:showDataLabelsRange val="1"/>
+                </c:ext>
+                <c:ext xmlns:c16="http://schemas.microsoft.com/office/drawing/2014/chart" uri="{C3380CC4-5D6E-409C-BE32-E72D297353CC}">
+                  <c16:uniqueId val="{00000003-1D0F-4A6B-A8EF-726A1B013D78}"/>
+                </c:ext>
+              </c:extLst>
+            </c:dLbl>
+            <c:dLbl>
+              <c:idx val="4"/>
+              <c:tx>
+                <c:rich>
+                  <a:bodyPr/>
+                  <a:lstStyle/>
+                  <a:p>
+                    <a:fld id="{808B63E1-7153-4958-897A-552105AD5181}" type="CELLRANGE">
+                      <a:rPr lang="en-US"/>
+                      <a:pPr/>
+                      <a:t>[CELLRANGE]</a:t>
+                    </a:fld>
+                    <a:endParaRPr lang="en-US"/>
+                  </a:p>
+                </c:rich>
+              </c:tx>
+              <c:dLblPos val="ctr"/>
+              <c:showLegendKey val="0"/>
+              <c:showVal val="0"/>
+              <c:showCatName val="0"/>
+              <c:showSerName val="0"/>
+              <c:showPercent val="0"/>
+              <c:showBubbleSize val="0"/>
+              <c:extLst>
+                <c:ext xmlns:c15="http://schemas.microsoft.com/office/drawing/2012/chart" uri="{CE6537A1-D6FC-4f65-9D91-7224C49458BB}">
+                  <c15:dlblFieldTable/>
+                  <c15:xForSave val="1"/>
+                  <c15:showDataLabelsRange val="1"/>
+                </c:ext>
+                <c:ext xmlns:c16="http://schemas.microsoft.com/office/drawing/2014/chart" uri="{C3380CC4-5D6E-409C-BE32-E72D297353CC}">
+                  <c16:uniqueId val="{00000004-1D0F-4A6B-A8EF-726A1B013D78}"/>
+                </c:ext>
+              </c:extLst>
+            </c:dLbl>
+            <c:dLbl>
+              <c:idx val="5"/>
+              <c:delete val="1"/>
+              <c:extLst>
+                <c:ext xmlns:c15="http://schemas.microsoft.com/office/drawing/2012/chart" uri="{CE6537A1-D6FC-4f65-9D91-7224C49458BB}"/>
+                <c:ext xmlns:c16="http://schemas.microsoft.com/office/drawing/2014/chart" uri="{C3380CC4-5D6E-409C-BE32-E72D297353CC}">
+                  <c16:uniqueId val="{00000005-1D0F-4A6B-A8EF-726A1B013D78}"/>
+                </c:ext>
+              </c:extLst>
+            </c:dLbl>
+            <c:spPr>
+              <a:noFill/>
+              <a:ln>
+                <a:noFill/>
+              </a:ln>
+              <a:effectLst/>
+            </c:spPr>
+            <c:txPr>
+              <a:bodyPr rot="0" spcFirstLastPara="1" vertOverflow="ellipsis" vert="horz" wrap="square" anchor="ctr" anchorCtr="1"/>
+              <a:lstStyle/>
+              <a:p>
+                <a:pPr>
+                  <a:defRPr sz="1200" b="0" i="0" u="none" strike="noStrike" kern="1200" baseline="0">
+                    <a:solidFill>
+                      <a:schemeClr val="tx1"/>
+                    </a:solidFill>
+                    <a:latin typeface="+mn-lt"/>
+                    <a:ea typeface="+mn-ea"/>
+                    <a:cs typeface="+mn-cs"/>
+                  </a:defRPr>
+                </a:pPr>
+                <a:endParaRPr lang="en-US"/>
+              </a:p>
+            </c:txPr>
+            <c:dLblPos val="ctr"/>
+            <c:showLegendKey val="0"/>
+            <c:showVal val="0"/>
+            <c:showCatName val="0"/>
+            <c:showSerName val="0"/>
+            <c:showPercent val="0"/>
+            <c:showBubbleSize val="0"/>
+            <c:showLeaderLines val="0"/>
+            <c:extLst>
+              <c:ext xmlns:c15="http://schemas.microsoft.com/office/drawing/2012/chart" uri="{CE6537A1-D6FC-4f65-9D91-7224C49458BB}">
+                <c15:showDataLabelsRange val="1"/>
+                <c15:showLeaderLines val="1"/>
+                <c15:leaderLines>
+                  <c:spPr>
+                    <a:ln w="9525" cap="flat" cmpd="sng" algn="ctr">
+                      <a:solidFill>
+                        <a:schemeClr val="tx1">
+                          <a:lumMod val="35000"/>
+                          <a:lumOff val="65000"/>
+                        </a:schemeClr>
+                      </a:solidFill>
+                      <a:round/>
+                    </a:ln>
+                    <a:effectLst/>
+                  </c:spPr>
+                </c15:leaderLines>
+              </c:ext>
+            </c:extLst>
+          </c:dLbls>
           <c:cat>
             <c:numRef>
-              <c:f>'Meet the categories'!$E$4:$K$4</c:f>
+              <c:f>'Meet the categories - New'!$C$22:$H$22</c:f>
               <c:numCache>
                 <c:formatCode>General</c:formatCode>
-                <c:ptCount val="7"/>
+                <c:ptCount val="6"/>
                 <c:pt idx="0">
-                  <c:v>0</c:v>
+                  <c:v>1</c:v>
                 </c:pt>
                 <c:pt idx="1">
-                  <c:v>1</c:v>
+                  <c:v>2</c:v>
                 </c:pt>
                 <c:pt idx="2">
-                  <c:v>2</c:v>
+                  <c:v>3</c:v>
                 </c:pt>
                 <c:pt idx="3">
-                  <c:v>3</c:v>
+                  <c:v>4</c:v>
                 </c:pt>
                 <c:pt idx="4">
-                  <c:v>4</c:v>
+                  <c:v>5</c:v>
                 </c:pt>
                 <c:pt idx="5">
-                  <c:v>5</c:v>
-                </c:pt>
-                <c:pt idx="6">
                   <c:v>6</c:v>
                 </c:pt>
               </c:numCache>
@@ -190,165 +358,1739 @@
           </c:cat>
           <c:val>
             <c:numRef>
-              <c:f>'Meet the categories'!$E$5:$K$5</c:f>
+              <c:f>'Meet the categories - New'!$C$23:$H$23</c:f>
               <c:numCache>
-                <c:formatCode>General</c:formatCode>
-                <c:ptCount val="7"/>
+                <c:formatCode>0</c:formatCode>
+                <c:ptCount val="6"/>
                 <c:pt idx="0">
-                  <c:v>14</c:v>
+                  <c:v>0</c:v>
                 </c:pt>
                 <c:pt idx="1">
-                  <c:v>165</c:v>
-                </c:pt>
-                <c:pt idx="2" formatCode="0">
-                  <c:v>411</c:v>
-                </c:pt>
-                <c:pt idx="3" formatCode="0">
-                  <c:v>603</c:v>
+                  <c:v>3.5</c:v>
+                </c:pt>
+                <c:pt idx="2">
+                  <c:v>9.3333333333333339</c:v>
+                </c:pt>
+                <c:pt idx="3">
+                  <c:v>24.25</c:v>
                 </c:pt>
                 <c:pt idx="4">
-                  <c:v>729</c:v>
-                </c:pt>
-                <c:pt idx="5" formatCode="0">
-                  <c:v>287</c:v>
-                </c:pt>
-                <c:pt idx="6">
-                  <c:v>65</c:v>
+                  <c:v>27.2</c:v>
+                </c:pt>
+                <c:pt idx="5">
+                  <c:v>10.833333333333334</c:v>
                 </c:pt>
               </c:numCache>
             </c:numRef>
           </c:val>
           <c:extLst>
+            <c:ext xmlns:c15="http://schemas.microsoft.com/office/drawing/2012/chart" uri="{02D57815-91ED-43cb-92C2-25804820EDAC}">
+              <c15:datalabelsRange>
+                <c15:f>'Meet the categories - New'!$C$34:$H$34</c15:f>
+                <c15:dlblRangeCache>
+                  <c:ptCount val="6"/>
+                  <c:pt idx="0">
+                    <c:v>0%</c:v>
+                  </c:pt>
+                  <c:pt idx="1">
+                    <c:v>1%</c:v>
+                  </c:pt>
+                  <c:pt idx="2">
+                    <c:v>2%</c:v>
+                  </c:pt>
+                  <c:pt idx="3">
+                    <c:v>3%</c:v>
+                  </c:pt>
+                  <c:pt idx="4">
+                    <c:v>9%</c:v>
+                  </c:pt>
+                  <c:pt idx="5">
+                    <c:v>17%</c:v>
+                  </c:pt>
+                </c15:dlblRangeCache>
+              </c15:datalabelsRange>
+            </c:ext>
             <c:ext xmlns:c16="http://schemas.microsoft.com/office/drawing/2014/chart" uri="{C3380CC4-5D6E-409C-BE32-E72D297353CC}">
-              <c16:uniqueId val="{00000000-7710-44D8-9AF8-94AA77F40688}"/>
+              <c16:uniqueId val="{00000006-1D0F-4A6B-A8EF-726A1B013D78}"/>
+            </c:ext>
+          </c:extLst>
+        </c:ser>
+        <c:ser>
+          <c:idx val="1"/>
+          <c:order val="1"/>
+          <c:tx>
+            <c:strRef>
+              <c:f>'Meet the categories - New'!$B$24</c:f>
+              <c:strCache>
+                <c:ptCount val="1"/>
+                <c:pt idx="0">
+                  <c:v>Talk to the Community</c:v>
+                </c:pt>
+              </c:strCache>
+            </c:strRef>
+          </c:tx>
+          <c:spPr>
+            <a:solidFill>
+              <a:schemeClr val="accent2"/>
+            </a:solidFill>
+            <a:ln>
+              <a:noFill/>
+            </a:ln>
+            <a:effectLst/>
+          </c:spPr>
+          <c:invertIfNegative val="0"/>
+          <c:dLbls>
+            <c:dLbl>
+              <c:idx val="0"/>
+              <c:delete val="1"/>
+              <c:extLst>
+                <c:ext xmlns:c15="http://schemas.microsoft.com/office/drawing/2012/chart" uri="{CE6537A1-D6FC-4f65-9D91-7224C49458BB}"/>
+                <c:ext xmlns:c16="http://schemas.microsoft.com/office/drawing/2014/chart" uri="{C3380CC4-5D6E-409C-BE32-E72D297353CC}">
+                  <c16:uniqueId val="{00000007-1D0F-4A6B-A8EF-726A1B013D78}"/>
+                </c:ext>
+              </c:extLst>
+            </c:dLbl>
+            <c:dLbl>
+              <c:idx val="1"/>
+              <c:tx>
+                <c:rich>
+                  <a:bodyPr/>
+                  <a:lstStyle/>
+                  <a:p>
+                    <a:fld id="{B283E343-F7C6-4C1F-AA57-F93863A075F8}" type="CELLRANGE">
+                      <a:rPr lang="en-US"/>
+                      <a:pPr/>
+                      <a:t>[CELLRANGE]</a:t>
+                    </a:fld>
+                    <a:endParaRPr lang="en-US"/>
+                  </a:p>
+                </c:rich>
+              </c:tx>
+              <c:dLblPos val="ctr"/>
+              <c:showLegendKey val="0"/>
+              <c:showVal val="0"/>
+              <c:showCatName val="0"/>
+              <c:showSerName val="0"/>
+              <c:showPercent val="0"/>
+              <c:showBubbleSize val="0"/>
+              <c:extLst>
+                <c:ext xmlns:c15="http://schemas.microsoft.com/office/drawing/2012/chart" uri="{CE6537A1-D6FC-4f65-9D91-7224C49458BB}">
+                  <c15:dlblFieldTable/>
+                  <c15:xForSave val="1"/>
+                  <c15:showDataLabelsRange val="1"/>
+                </c:ext>
+                <c:ext xmlns:c16="http://schemas.microsoft.com/office/drawing/2014/chart" uri="{C3380CC4-5D6E-409C-BE32-E72D297353CC}">
+                  <c16:uniqueId val="{00000008-1D0F-4A6B-A8EF-726A1B013D78}"/>
+                </c:ext>
+              </c:extLst>
+            </c:dLbl>
+            <c:dLbl>
+              <c:idx val="2"/>
+              <c:tx>
+                <c:rich>
+                  <a:bodyPr/>
+                  <a:lstStyle/>
+                  <a:p>
+                    <a:fld id="{54B52E88-6D59-4E35-B789-BDEF7E553DBA}" type="CELLRANGE">
+                      <a:rPr lang="en-US"/>
+                      <a:pPr/>
+                      <a:t>[CELLRANGE]</a:t>
+                    </a:fld>
+                    <a:endParaRPr lang="en-US"/>
+                  </a:p>
+                </c:rich>
+              </c:tx>
+              <c:dLblPos val="ctr"/>
+              <c:showLegendKey val="0"/>
+              <c:showVal val="0"/>
+              <c:showCatName val="0"/>
+              <c:showSerName val="0"/>
+              <c:showPercent val="0"/>
+              <c:showBubbleSize val="0"/>
+              <c:extLst>
+                <c:ext xmlns:c15="http://schemas.microsoft.com/office/drawing/2012/chart" uri="{CE6537A1-D6FC-4f65-9D91-7224C49458BB}">
+                  <c15:dlblFieldTable/>
+                  <c15:xForSave val="1"/>
+                  <c15:showDataLabelsRange val="1"/>
+                </c:ext>
+                <c:ext xmlns:c16="http://schemas.microsoft.com/office/drawing/2014/chart" uri="{C3380CC4-5D6E-409C-BE32-E72D297353CC}">
+                  <c16:uniqueId val="{00000009-1D0F-4A6B-A8EF-726A1B013D78}"/>
+                </c:ext>
+              </c:extLst>
+            </c:dLbl>
+            <c:dLbl>
+              <c:idx val="3"/>
+              <c:tx>
+                <c:rich>
+                  <a:bodyPr/>
+                  <a:lstStyle/>
+                  <a:p>
+                    <a:fld id="{B5850447-1496-4F18-8175-213F3926C8AF}" type="CELLRANGE">
+                      <a:rPr lang="en-US"/>
+                      <a:pPr/>
+                      <a:t>[CELLRANGE]</a:t>
+                    </a:fld>
+                    <a:endParaRPr lang="en-US"/>
+                  </a:p>
+                </c:rich>
+              </c:tx>
+              <c:dLblPos val="ctr"/>
+              <c:showLegendKey val="0"/>
+              <c:showVal val="0"/>
+              <c:showCatName val="0"/>
+              <c:showSerName val="0"/>
+              <c:showPercent val="0"/>
+              <c:showBubbleSize val="0"/>
+              <c:extLst>
+                <c:ext xmlns:c15="http://schemas.microsoft.com/office/drawing/2012/chart" uri="{CE6537A1-D6FC-4f65-9D91-7224C49458BB}">
+                  <c15:dlblFieldTable/>
+                  <c15:xForSave val="1"/>
+                  <c15:showDataLabelsRange val="1"/>
+                </c:ext>
+                <c:ext xmlns:c16="http://schemas.microsoft.com/office/drawing/2014/chart" uri="{C3380CC4-5D6E-409C-BE32-E72D297353CC}">
+                  <c16:uniqueId val="{0000000A-1D0F-4A6B-A8EF-726A1B013D78}"/>
+                </c:ext>
+              </c:extLst>
+            </c:dLbl>
+            <c:dLbl>
+              <c:idx val="4"/>
+              <c:tx>
+                <c:rich>
+                  <a:bodyPr/>
+                  <a:lstStyle/>
+                  <a:p>
+                    <a:fld id="{E7C11CF0-E945-471D-BEDE-E9A7132E19A5}" type="CELLRANGE">
+                      <a:rPr lang="en-US"/>
+                      <a:pPr/>
+                      <a:t>[CELLRANGE]</a:t>
+                    </a:fld>
+                    <a:endParaRPr lang="en-US"/>
+                  </a:p>
+                </c:rich>
+              </c:tx>
+              <c:dLblPos val="ctr"/>
+              <c:showLegendKey val="0"/>
+              <c:showVal val="0"/>
+              <c:showCatName val="0"/>
+              <c:showSerName val="0"/>
+              <c:showPercent val="0"/>
+              <c:showBubbleSize val="0"/>
+              <c:extLst>
+                <c:ext xmlns:c15="http://schemas.microsoft.com/office/drawing/2012/chart" uri="{CE6537A1-D6FC-4f65-9D91-7224C49458BB}">
+                  <c15:dlblFieldTable/>
+                  <c15:xForSave val="1"/>
+                  <c15:showDataLabelsRange val="1"/>
+                </c:ext>
+                <c:ext xmlns:c16="http://schemas.microsoft.com/office/drawing/2014/chart" uri="{C3380CC4-5D6E-409C-BE32-E72D297353CC}">
+                  <c16:uniqueId val="{0000000B-1D0F-4A6B-A8EF-726A1B013D78}"/>
+                </c:ext>
+              </c:extLst>
+            </c:dLbl>
+            <c:dLbl>
+              <c:idx val="5"/>
+              <c:delete val="1"/>
+              <c:extLst>
+                <c:ext xmlns:c15="http://schemas.microsoft.com/office/drawing/2012/chart" uri="{CE6537A1-D6FC-4f65-9D91-7224C49458BB}"/>
+                <c:ext xmlns:c16="http://schemas.microsoft.com/office/drawing/2014/chart" uri="{C3380CC4-5D6E-409C-BE32-E72D297353CC}">
+                  <c16:uniqueId val="{0000000C-1D0F-4A6B-A8EF-726A1B013D78}"/>
+                </c:ext>
+              </c:extLst>
+            </c:dLbl>
+            <c:spPr>
+              <a:noFill/>
+              <a:ln>
+                <a:noFill/>
+              </a:ln>
+              <a:effectLst/>
+            </c:spPr>
+            <c:txPr>
+              <a:bodyPr rot="0" spcFirstLastPara="1" vertOverflow="ellipsis" vert="horz" wrap="square" anchor="ctr" anchorCtr="1"/>
+              <a:lstStyle/>
+              <a:p>
+                <a:pPr>
+                  <a:defRPr sz="1200" b="0" i="0" u="none" strike="noStrike" kern="1200" baseline="0">
+                    <a:solidFill>
+                      <a:schemeClr val="tx1"/>
+                    </a:solidFill>
+                    <a:latin typeface="+mn-lt"/>
+                    <a:ea typeface="+mn-ea"/>
+                    <a:cs typeface="+mn-cs"/>
+                  </a:defRPr>
+                </a:pPr>
+                <a:endParaRPr lang="en-US"/>
+              </a:p>
+            </c:txPr>
+            <c:dLblPos val="ctr"/>
+            <c:showLegendKey val="0"/>
+            <c:showVal val="0"/>
+            <c:showCatName val="0"/>
+            <c:showSerName val="0"/>
+            <c:showPercent val="0"/>
+            <c:showBubbleSize val="0"/>
+            <c:showLeaderLines val="0"/>
+            <c:extLst>
+              <c:ext xmlns:c15="http://schemas.microsoft.com/office/drawing/2012/chart" uri="{CE6537A1-D6FC-4f65-9D91-7224C49458BB}">
+                <c15:showDataLabelsRange val="1"/>
+                <c15:showLeaderLines val="1"/>
+                <c15:leaderLines>
+                  <c:spPr>
+                    <a:ln w="9525" cap="flat" cmpd="sng" algn="ctr">
+                      <a:solidFill>
+                        <a:schemeClr val="tx1">
+                          <a:lumMod val="35000"/>
+                          <a:lumOff val="65000"/>
+                        </a:schemeClr>
+                      </a:solidFill>
+                      <a:round/>
+                    </a:ln>
+                    <a:effectLst/>
+                  </c:spPr>
+                </c15:leaderLines>
+              </c:ext>
+            </c:extLst>
+          </c:dLbls>
+          <c:cat>
+            <c:numRef>
+              <c:f>'Meet the categories - New'!$C$22:$H$22</c:f>
+              <c:numCache>
+                <c:formatCode>General</c:formatCode>
+                <c:ptCount val="6"/>
+                <c:pt idx="0">
+                  <c:v>1</c:v>
+                </c:pt>
+                <c:pt idx="1">
+                  <c:v>2</c:v>
+                </c:pt>
+                <c:pt idx="2">
+                  <c:v>3</c:v>
+                </c:pt>
+                <c:pt idx="3">
+                  <c:v>4</c:v>
+                </c:pt>
+                <c:pt idx="4">
+                  <c:v>5</c:v>
+                </c:pt>
+                <c:pt idx="5">
+                  <c:v>6</c:v>
+                </c:pt>
+              </c:numCache>
+            </c:numRef>
+          </c:cat>
+          <c:val>
+            <c:numRef>
+              <c:f>'Meet the categories - New'!$C$24:$H$24</c:f>
+              <c:numCache>
+                <c:formatCode>0</c:formatCode>
+                <c:ptCount val="6"/>
+                <c:pt idx="0">
+                  <c:v>3</c:v>
+                </c:pt>
+                <c:pt idx="1">
+                  <c:v>21.5</c:v>
+                </c:pt>
+                <c:pt idx="2">
+                  <c:v>23</c:v>
+                </c:pt>
+                <c:pt idx="3">
+                  <c:v>40.75</c:v>
+                </c:pt>
+                <c:pt idx="4">
+                  <c:v>37.799999999999997</c:v>
+                </c:pt>
+                <c:pt idx="5">
+                  <c:v>10.833333333333334</c:v>
+                </c:pt>
+              </c:numCache>
+            </c:numRef>
+          </c:val>
+          <c:extLst>
+            <c:ext xmlns:c15="http://schemas.microsoft.com/office/drawing/2012/chart" uri="{02D57815-91ED-43cb-92C2-25804820EDAC}">
+              <c15:datalabelsRange>
+                <c15:f>'Meet the categories - New'!$C$35:$H$35</c15:f>
+                <c15:dlblRangeCache>
+                  <c:ptCount val="6"/>
+                  <c:pt idx="0">
+                    <c:v>2%</c:v>
+                  </c:pt>
+                  <c:pt idx="1">
+                    <c:v>5%</c:v>
+                  </c:pt>
+                  <c:pt idx="2">
+                    <c:v>4%</c:v>
+                  </c:pt>
+                  <c:pt idx="3">
+                    <c:v>6%</c:v>
+                  </c:pt>
+                  <c:pt idx="4">
+                    <c:v>13%</c:v>
+                  </c:pt>
+                  <c:pt idx="5">
+                    <c:v>17%</c:v>
+                  </c:pt>
+                </c15:dlblRangeCache>
+              </c15:datalabelsRange>
+            </c:ext>
+            <c:ext xmlns:c16="http://schemas.microsoft.com/office/drawing/2014/chart" uri="{C3380CC4-5D6E-409C-BE32-E72D297353CC}">
+              <c16:uniqueId val="{0000000D-1D0F-4A6B-A8EF-726A1B013D78}"/>
+            </c:ext>
+          </c:extLst>
+        </c:ser>
+        <c:ser>
+          <c:idx val="2"/>
+          <c:order val="2"/>
+          <c:tx>
+            <c:strRef>
+              <c:f>'Meet the categories - New'!$B$25</c:f>
+              <c:strCache>
+                <c:ptCount val="1"/>
+                <c:pt idx="0">
+                  <c:v>Contribution Flow</c:v>
+                </c:pt>
+              </c:strCache>
+            </c:strRef>
+          </c:tx>
+          <c:spPr>
+            <a:solidFill>
+              <a:srgbClr val="FFC000"/>
+            </a:solidFill>
+            <a:ln>
+              <a:noFill/>
+            </a:ln>
+            <a:effectLst/>
+          </c:spPr>
+          <c:invertIfNegative val="0"/>
+          <c:dLbls>
+            <c:dLbl>
+              <c:idx val="0"/>
+              <c:delete val="1"/>
+              <c:extLst>
+                <c:ext xmlns:c15="http://schemas.microsoft.com/office/drawing/2012/chart" uri="{CE6537A1-D6FC-4f65-9D91-7224C49458BB}"/>
+                <c:ext xmlns:c16="http://schemas.microsoft.com/office/drawing/2014/chart" uri="{C3380CC4-5D6E-409C-BE32-E72D297353CC}">
+                  <c16:uniqueId val="{0000000E-1D0F-4A6B-A8EF-726A1B013D78}"/>
+                </c:ext>
+              </c:extLst>
+            </c:dLbl>
+            <c:dLbl>
+              <c:idx val="1"/>
+              <c:tx>
+                <c:rich>
+                  <a:bodyPr/>
+                  <a:lstStyle/>
+                  <a:p>
+                    <a:fld id="{B57BD1C2-242A-4C8B-A0DA-3723DC472C3C}" type="CELLRANGE">
+                      <a:rPr lang="en-US"/>
+                      <a:pPr/>
+                      <a:t>[CELLRANGE]</a:t>
+                    </a:fld>
+                    <a:endParaRPr lang="en-US"/>
+                  </a:p>
+                </c:rich>
+              </c:tx>
+              <c:dLblPos val="ctr"/>
+              <c:showLegendKey val="0"/>
+              <c:showVal val="0"/>
+              <c:showCatName val="0"/>
+              <c:showSerName val="0"/>
+              <c:showPercent val="0"/>
+              <c:showBubbleSize val="0"/>
+              <c:extLst>
+                <c:ext xmlns:c15="http://schemas.microsoft.com/office/drawing/2012/chart" uri="{CE6537A1-D6FC-4f65-9D91-7224C49458BB}">
+                  <c15:dlblFieldTable/>
+                  <c15:xForSave val="1"/>
+                  <c15:showDataLabelsRange val="1"/>
+                </c:ext>
+                <c:ext xmlns:c16="http://schemas.microsoft.com/office/drawing/2014/chart" uri="{C3380CC4-5D6E-409C-BE32-E72D297353CC}">
+                  <c16:uniqueId val="{0000000F-1D0F-4A6B-A8EF-726A1B013D78}"/>
+                </c:ext>
+              </c:extLst>
+            </c:dLbl>
+            <c:dLbl>
+              <c:idx val="2"/>
+              <c:tx>
+                <c:rich>
+                  <a:bodyPr/>
+                  <a:lstStyle/>
+                  <a:p>
+                    <a:fld id="{ED37649F-8458-428B-BC4D-20560C80F65D}" type="CELLRANGE">
+                      <a:rPr lang="en-US"/>
+                      <a:pPr/>
+                      <a:t>[CELLRANGE]</a:t>
+                    </a:fld>
+                    <a:endParaRPr lang="en-US"/>
+                  </a:p>
+                </c:rich>
+              </c:tx>
+              <c:dLblPos val="ctr"/>
+              <c:showLegendKey val="0"/>
+              <c:showVal val="0"/>
+              <c:showCatName val="0"/>
+              <c:showSerName val="0"/>
+              <c:showPercent val="0"/>
+              <c:showBubbleSize val="0"/>
+              <c:extLst>
+                <c:ext xmlns:c15="http://schemas.microsoft.com/office/drawing/2012/chart" uri="{CE6537A1-D6FC-4f65-9D91-7224C49458BB}">
+                  <c15:dlblFieldTable/>
+                  <c15:xForSave val="1"/>
+                  <c15:showDataLabelsRange val="1"/>
+                </c:ext>
+                <c:ext xmlns:c16="http://schemas.microsoft.com/office/drawing/2014/chart" uri="{C3380CC4-5D6E-409C-BE32-E72D297353CC}">
+                  <c16:uniqueId val="{00000010-1D0F-4A6B-A8EF-726A1B013D78}"/>
+                </c:ext>
+              </c:extLst>
+            </c:dLbl>
+            <c:dLbl>
+              <c:idx val="3"/>
+              <c:tx>
+                <c:rich>
+                  <a:bodyPr/>
+                  <a:lstStyle/>
+                  <a:p>
+                    <a:fld id="{FD65B1B7-45A3-4D2D-A626-F837017B9690}" type="CELLRANGE">
+                      <a:rPr lang="en-US"/>
+                      <a:pPr/>
+                      <a:t>[CELLRANGE]</a:t>
+                    </a:fld>
+                    <a:endParaRPr lang="en-US"/>
+                  </a:p>
+                </c:rich>
+              </c:tx>
+              <c:dLblPos val="ctr"/>
+              <c:showLegendKey val="0"/>
+              <c:showVal val="0"/>
+              <c:showCatName val="0"/>
+              <c:showSerName val="0"/>
+              <c:showPercent val="0"/>
+              <c:showBubbleSize val="0"/>
+              <c:extLst>
+                <c:ext xmlns:c15="http://schemas.microsoft.com/office/drawing/2012/chart" uri="{CE6537A1-D6FC-4f65-9D91-7224C49458BB}">
+                  <c15:dlblFieldTable/>
+                  <c15:xForSave val="1"/>
+                  <c15:showDataLabelsRange val="1"/>
+                </c:ext>
+                <c:ext xmlns:c16="http://schemas.microsoft.com/office/drawing/2014/chart" uri="{C3380CC4-5D6E-409C-BE32-E72D297353CC}">
+                  <c16:uniqueId val="{00000011-1D0F-4A6B-A8EF-726A1B013D78}"/>
+                </c:ext>
+              </c:extLst>
+            </c:dLbl>
+            <c:dLbl>
+              <c:idx val="4"/>
+              <c:tx>
+                <c:rich>
+                  <a:bodyPr/>
+                  <a:lstStyle/>
+                  <a:p>
+                    <a:fld id="{91B4AFB6-1663-49F8-828A-0E8D1EA25C3C}" type="CELLRANGE">
+                      <a:rPr lang="en-US"/>
+                      <a:pPr/>
+                      <a:t>[CELLRANGE]</a:t>
+                    </a:fld>
+                    <a:endParaRPr lang="en-US"/>
+                  </a:p>
+                </c:rich>
+              </c:tx>
+              <c:dLblPos val="ctr"/>
+              <c:showLegendKey val="0"/>
+              <c:showVal val="0"/>
+              <c:showCatName val="0"/>
+              <c:showSerName val="0"/>
+              <c:showPercent val="0"/>
+              <c:showBubbleSize val="0"/>
+              <c:extLst>
+                <c:ext xmlns:c15="http://schemas.microsoft.com/office/drawing/2012/chart" uri="{CE6537A1-D6FC-4f65-9D91-7224C49458BB}">
+                  <c15:dlblFieldTable/>
+                  <c15:xForSave val="1"/>
+                  <c15:showDataLabelsRange val="1"/>
+                </c:ext>
+                <c:ext xmlns:c16="http://schemas.microsoft.com/office/drawing/2014/chart" uri="{C3380CC4-5D6E-409C-BE32-E72D297353CC}">
+                  <c16:uniqueId val="{00000012-1D0F-4A6B-A8EF-726A1B013D78}"/>
+                </c:ext>
+              </c:extLst>
+            </c:dLbl>
+            <c:dLbl>
+              <c:idx val="5"/>
+              <c:delete val="1"/>
+              <c:extLst>
+                <c:ext xmlns:c15="http://schemas.microsoft.com/office/drawing/2012/chart" uri="{CE6537A1-D6FC-4f65-9D91-7224C49458BB}"/>
+                <c:ext xmlns:c16="http://schemas.microsoft.com/office/drawing/2014/chart" uri="{C3380CC4-5D6E-409C-BE32-E72D297353CC}">
+                  <c16:uniqueId val="{00000013-1D0F-4A6B-A8EF-726A1B013D78}"/>
+                </c:ext>
+              </c:extLst>
+            </c:dLbl>
+            <c:spPr>
+              <a:noFill/>
+              <a:ln>
+                <a:noFill/>
+              </a:ln>
+              <a:effectLst/>
+            </c:spPr>
+            <c:txPr>
+              <a:bodyPr rot="0" spcFirstLastPara="1" vertOverflow="ellipsis" vert="horz" wrap="square" anchor="ctr" anchorCtr="1"/>
+              <a:lstStyle/>
+              <a:p>
+                <a:pPr>
+                  <a:defRPr sz="1200" b="0" i="0" u="none" strike="noStrike" kern="1200" baseline="0">
+                    <a:solidFill>
+                      <a:schemeClr val="tx1"/>
+                    </a:solidFill>
+                    <a:latin typeface="+mn-lt"/>
+                    <a:ea typeface="+mn-ea"/>
+                    <a:cs typeface="+mn-cs"/>
+                  </a:defRPr>
+                </a:pPr>
+                <a:endParaRPr lang="en-US"/>
+              </a:p>
+            </c:txPr>
+            <c:dLblPos val="ctr"/>
+            <c:showLegendKey val="0"/>
+            <c:showVal val="0"/>
+            <c:showCatName val="0"/>
+            <c:showSerName val="0"/>
+            <c:showPercent val="0"/>
+            <c:showBubbleSize val="0"/>
+            <c:showLeaderLines val="0"/>
+            <c:extLst>
+              <c:ext xmlns:c15="http://schemas.microsoft.com/office/drawing/2012/chart" uri="{CE6537A1-D6FC-4f65-9D91-7224C49458BB}">
+                <c15:showDataLabelsRange val="1"/>
+                <c15:showLeaderLines val="1"/>
+                <c15:leaderLines>
+                  <c:spPr>
+                    <a:ln w="9525" cap="flat" cmpd="sng" algn="ctr">
+                      <a:solidFill>
+                        <a:schemeClr val="tx1">
+                          <a:lumMod val="35000"/>
+                          <a:lumOff val="65000"/>
+                        </a:schemeClr>
+                      </a:solidFill>
+                      <a:round/>
+                    </a:ln>
+                    <a:effectLst/>
+                  </c:spPr>
+                </c15:leaderLines>
+              </c:ext>
+            </c:extLst>
+          </c:dLbls>
+          <c:cat>
+            <c:numRef>
+              <c:f>'Meet the categories - New'!$C$22:$H$22</c:f>
+              <c:numCache>
+                <c:formatCode>General</c:formatCode>
+                <c:ptCount val="6"/>
+                <c:pt idx="0">
+                  <c:v>1</c:v>
+                </c:pt>
+                <c:pt idx="1">
+                  <c:v>2</c:v>
+                </c:pt>
+                <c:pt idx="2">
+                  <c:v>3</c:v>
+                </c:pt>
+                <c:pt idx="3">
+                  <c:v>4</c:v>
+                </c:pt>
+                <c:pt idx="4">
+                  <c:v>5</c:v>
+                </c:pt>
+                <c:pt idx="5">
+                  <c:v>6</c:v>
+                </c:pt>
+              </c:numCache>
+            </c:numRef>
+          </c:cat>
+          <c:val>
+            <c:numRef>
+              <c:f>'Meet the categories - New'!$C$25:$H$25</c:f>
+              <c:numCache>
+                <c:formatCode>0</c:formatCode>
+                <c:ptCount val="6"/>
+                <c:pt idx="0">
+                  <c:v>11</c:v>
+                </c:pt>
+                <c:pt idx="1">
+                  <c:v>77.5</c:v>
+                </c:pt>
+                <c:pt idx="2">
+                  <c:v>147.66666666666666</c:v>
+                </c:pt>
+                <c:pt idx="3">
+                  <c:v>174</c:v>
+                </c:pt>
+                <c:pt idx="4">
+                  <c:v>56.2</c:v>
+                </c:pt>
+                <c:pt idx="5">
+                  <c:v>10.833333333333334</c:v>
+                </c:pt>
+              </c:numCache>
+            </c:numRef>
+          </c:val>
+          <c:extLst>
+            <c:ext xmlns:c15="http://schemas.microsoft.com/office/drawing/2012/chart" uri="{02D57815-91ED-43cb-92C2-25804820EDAC}">
+              <c15:datalabelsRange>
+                <c15:f>'Meet the categories - New'!$C$36:$H$36</c15:f>
+                <c15:dlblRangeCache>
+                  <c:ptCount val="6"/>
+                  <c:pt idx="0">
+                    <c:v>7%</c:v>
+                  </c:pt>
+                  <c:pt idx="1">
+                    <c:v>19%</c:v>
+                  </c:pt>
+                  <c:pt idx="2">
+                    <c:v>24%</c:v>
+                  </c:pt>
+                  <c:pt idx="3">
+                    <c:v>24%</c:v>
+                  </c:pt>
+                  <c:pt idx="4">
+                    <c:v>20%</c:v>
+                  </c:pt>
+                  <c:pt idx="5">
+                    <c:v>17%</c:v>
+                  </c:pt>
+                </c15:dlblRangeCache>
+              </c15:datalabelsRange>
+            </c:ext>
+            <c:ext xmlns:c16="http://schemas.microsoft.com/office/drawing/2014/chart" uri="{C3380CC4-5D6E-409C-BE32-E72D297353CC}">
+              <c16:uniqueId val="{00000014-1D0F-4A6B-A8EF-726A1B013D78}"/>
+            </c:ext>
+          </c:extLst>
+        </c:ser>
+        <c:ser>
+          <c:idx val="3"/>
+          <c:order val="3"/>
+          <c:tx>
+            <c:strRef>
+              <c:f>'Meet the categories - New'!$B$26</c:f>
+              <c:strCache>
+                <c:ptCount val="1"/>
+                <c:pt idx="0">
+                  <c:v>Build the Workspace</c:v>
+                </c:pt>
+              </c:strCache>
+            </c:strRef>
+          </c:tx>
+          <c:spPr>
+            <a:solidFill>
+              <a:srgbClr val="40B490"/>
+            </a:solidFill>
+            <a:ln>
+              <a:noFill/>
+            </a:ln>
+            <a:effectLst/>
+          </c:spPr>
+          <c:invertIfNegative val="0"/>
+          <c:dLbls>
+            <c:dLbl>
+              <c:idx val="0"/>
+              <c:delete val="1"/>
+              <c:extLst>
+                <c:ext xmlns:c15="http://schemas.microsoft.com/office/drawing/2012/chart" uri="{CE6537A1-D6FC-4f65-9D91-7224C49458BB}"/>
+                <c:ext xmlns:c16="http://schemas.microsoft.com/office/drawing/2014/chart" uri="{C3380CC4-5D6E-409C-BE32-E72D297353CC}">
+                  <c16:uniqueId val="{00000015-1D0F-4A6B-A8EF-726A1B013D78}"/>
+                </c:ext>
+              </c:extLst>
+            </c:dLbl>
+            <c:dLbl>
+              <c:idx val="1"/>
+              <c:tx>
+                <c:rich>
+                  <a:bodyPr/>
+                  <a:lstStyle/>
+                  <a:p>
+                    <a:fld id="{F4FADE27-2CED-41B3-B0D6-5699D2389B33}" type="CELLRANGE">
+                      <a:rPr lang="en-US"/>
+                      <a:pPr/>
+                      <a:t>[CELLRANGE]</a:t>
+                    </a:fld>
+                    <a:endParaRPr lang="en-US"/>
+                  </a:p>
+                </c:rich>
+              </c:tx>
+              <c:dLblPos val="ctr"/>
+              <c:showLegendKey val="0"/>
+              <c:showVal val="0"/>
+              <c:showCatName val="0"/>
+              <c:showSerName val="0"/>
+              <c:showPercent val="0"/>
+              <c:showBubbleSize val="0"/>
+              <c:extLst>
+                <c:ext xmlns:c15="http://schemas.microsoft.com/office/drawing/2012/chart" uri="{CE6537A1-D6FC-4f65-9D91-7224C49458BB}">
+                  <c15:dlblFieldTable/>
+                  <c15:xForSave val="1"/>
+                  <c15:showDataLabelsRange val="1"/>
+                </c:ext>
+                <c:ext xmlns:c16="http://schemas.microsoft.com/office/drawing/2014/chart" uri="{C3380CC4-5D6E-409C-BE32-E72D297353CC}">
+                  <c16:uniqueId val="{00000016-1D0F-4A6B-A8EF-726A1B013D78}"/>
+                </c:ext>
+              </c:extLst>
+            </c:dLbl>
+            <c:dLbl>
+              <c:idx val="2"/>
+              <c:tx>
+                <c:rich>
+                  <a:bodyPr/>
+                  <a:lstStyle/>
+                  <a:p>
+                    <a:fld id="{362910AD-BC9E-49B9-B625-3CDDC53126FE}" type="CELLRANGE">
+                      <a:rPr lang="en-US"/>
+                      <a:pPr/>
+                      <a:t>[CELLRANGE]</a:t>
+                    </a:fld>
+                    <a:endParaRPr lang="en-US"/>
+                  </a:p>
+                </c:rich>
+              </c:tx>
+              <c:dLblPos val="ctr"/>
+              <c:showLegendKey val="0"/>
+              <c:showVal val="0"/>
+              <c:showCatName val="0"/>
+              <c:showSerName val="0"/>
+              <c:showPercent val="0"/>
+              <c:showBubbleSize val="0"/>
+              <c:extLst>
+                <c:ext xmlns:c15="http://schemas.microsoft.com/office/drawing/2012/chart" uri="{CE6537A1-D6FC-4f65-9D91-7224C49458BB}">
+                  <c15:dlblFieldTable/>
+                  <c15:xForSave val="1"/>
+                  <c15:showDataLabelsRange val="1"/>
+                </c:ext>
+                <c:ext xmlns:c16="http://schemas.microsoft.com/office/drawing/2014/chart" uri="{C3380CC4-5D6E-409C-BE32-E72D297353CC}">
+                  <c16:uniqueId val="{00000017-1D0F-4A6B-A8EF-726A1B013D78}"/>
+                </c:ext>
+              </c:extLst>
+            </c:dLbl>
+            <c:dLbl>
+              <c:idx val="3"/>
+              <c:tx>
+                <c:rich>
+                  <a:bodyPr/>
+                  <a:lstStyle/>
+                  <a:p>
+                    <a:fld id="{7290D79C-E5DA-40E1-84D3-462DA117C483}" type="CELLRANGE">
+                      <a:rPr lang="en-US"/>
+                      <a:pPr/>
+                      <a:t>[CELLRANGE]</a:t>
+                    </a:fld>
+                    <a:endParaRPr lang="en-US"/>
+                  </a:p>
+                </c:rich>
+              </c:tx>
+              <c:dLblPos val="ctr"/>
+              <c:showLegendKey val="0"/>
+              <c:showVal val="0"/>
+              <c:showCatName val="0"/>
+              <c:showSerName val="0"/>
+              <c:showPercent val="0"/>
+              <c:showBubbleSize val="0"/>
+              <c:extLst>
+                <c:ext xmlns:c15="http://schemas.microsoft.com/office/drawing/2012/chart" uri="{CE6537A1-D6FC-4f65-9D91-7224C49458BB}">
+                  <c15:dlblFieldTable/>
+                  <c15:xForSave val="1"/>
+                  <c15:showDataLabelsRange val="1"/>
+                </c:ext>
+                <c:ext xmlns:c16="http://schemas.microsoft.com/office/drawing/2014/chart" uri="{C3380CC4-5D6E-409C-BE32-E72D297353CC}">
+                  <c16:uniqueId val="{00000018-1D0F-4A6B-A8EF-726A1B013D78}"/>
+                </c:ext>
+              </c:extLst>
+            </c:dLbl>
+            <c:dLbl>
+              <c:idx val="4"/>
+              <c:tx>
+                <c:rich>
+                  <a:bodyPr/>
+                  <a:lstStyle/>
+                  <a:p>
+                    <a:fld id="{266DE92C-47F8-4607-98AD-E17813A061D7}" type="CELLRANGE">
+                      <a:rPr lang="en-US"/>
+                      <a:pPr/>
+                      <a:t>[CELLRANGE]</a:t>
+                    </a:fld>
+                    <a:endParaRPr lang="en-US"/>
+                  </a:p>
+                </c:rich>
+              </c:tx>
+              <c:dLblPos val="ctr"/>
+              <c:showLegendKey val="0"/>
+              <c:showVal val="0"/>
+              <c:showCatName val="0"/>
+              <c:showSerName val="0"/>
+              <c:showPercent val="0"/>
+              <c:showBubbleSize val="0"/>
+              <c:extLst>
+                <c:ext xmlns:c15="http://schemas.microsoft.com/office/drawing/2012/chart" uri="{CE6537A1-D6FC-4f65-9D91-7224C49458BB}">
+                  <c15:dlblFieldTable/>
+                  <c15:xForSave val="1"/>
+                  <c15:showDataLabelsRange val="1"/>
+                </c:ext>
+                <c:ext xmlns:c16="http://schemas.microsoft.com/office/drawing/2014/chart" uri="{C3380CC4-5D6E-409C-BE32-E72D297353CC}">
+                  <c16:uniqueId val="{00000019-1D0F-4A6B-A8EF-726A1B013D78}"/>
+                </c:ext>
+              </c:extLst>
+            </c:dLbl>
+            <c:dLbl>
+              <c:idx val="5"/>
+              <c:delete val="1"/>
+              <c:extLst>
+                <c:ext xmlns:c15="http://schemas.microsoft.com/office/drawing/2012/chart" uri="{CE6537A1-D6FC-4f65-9D91-7224C49458BB}"/>
+                <c:ext xmlns:c16="http://schemas.microsoft.com/office/drawing/2014/chart" uri="{C3380CC4-5D6E-409C-BE32-E72D297353CC}">
+                  <c16:uniqueId val="{0000001A-1D0F-4A6B-A8EF-726A1B013D78}"/>
+                </c:ext>
+              </c:extLst>
+            </c:dLbl>
+            <c:spPr>
+              <a:noFill/>
+              <a:ln>
+                <a:noFill/>
+              </a:ln>
+              <a:effectLst/>
+            </c:spPr>
+            <c:txPr>
+              <a:bodyPr rot="0" spcFirstLastPara="1" vertOverflow="ellipsis" vert="horz" wrap="square" anchor="ctr" anchorCtr="1"/>
+              <a:lstStyle/>
+              <a:p>
+                <a:pPr>
+                  <a:defRPr sz="1200" b="0" i="0" u="none" strike="noStrike" kern="1200" baseline="0">
+                    <a:solidFill>
+                      <a:schemeClr val="tx1"/>
+                    </a:solidFill>
+                    <a:latin typeface="+mn-lt"/>
+                    <a:ea typeface="+mn-ea"/>
+                    <a:cs typeface="+mn-cs"/>
+                  </a:defRPr>
+                </a:pPr>
+                <a:endParaRPr lang="en-US"/>
+              </a:p>
+            </c:txPr>
+            <c:dLblPos val="ctr"/>
+            <c:showLegendKey val="0"/>
+            <c:showVal val="0"/>
+            <c:showCatName val="0"/>
+            <c:showSerName val="0"/>
+            <c:showPercent val="0"/>
+            <c:showBubbleSize val="0"/>
+            <c:showLeaderLines val="0"/>
+            <c:extLst>
+              <c:ext xmlns:c15="http://schemas.microsoft.com/office/drawing/2012/chart" uri="{CE6537A1-D6FC-4f65-9D91-7224C49458BB}">
+                <c15:showDataLabelsRange val="1"/>
+                <c15:showLeaderLines val="1"/>
+                <c15:leaderLines>
+                  <c:spPr>
+                    <a:ln w="9525" cap="flat" cmpd="sng" algn="ctr">
+                      <a:solidFill>
+                        <a:schemeClr val="tx1">
+                          <a:lumMod val="35000"/>
+                          <a:lumOff val="65000"/>
+                        </a:schemeClr>
+                      </a:solidFill>
+                      <a:round/>
+                    </a:ln>
+                    <a:effectLst/>
+                  </c:spPr>
+                </c15:leaderLines>
+              </c:ext>
+            </c:extLst>
+          </c:dLbls>
+          <c:cat>
+            <c:numRef>
+              <c:f>'Meet the categories - New'!$C$22:$H$22</c:f>
+              <c:numCache>
+                <c:formatCode>General</c:formatCode>
+                <c:ptCount val="6"/>
+                <c:pt idx="0">
+                  <c:v>1</c:v>
+                </c:pt>
+                <c:pt idx="1">
+                  <c:v>2</c:v>
+                </c:pt>
+                <c:pt idx="2">
+                  <c:v>3</c:v>
+                </c:pt>
+                <c:pt idx="3">
+                  <c:v>4</c:v>
+                </c:pt>
+                <c:pt idx="4">
+                  <c:v>5</c:v>
+                </c:pt>
+                <c:pt idx="5">
+                  <c:v>6</c:v>
+                </c:pt>
+              </c:numCache>
+            </c:numRef>
+          </c:cat>
+          <c:val>
+            <c:numRef>
+              <c:f>'Meet the categories - New'!$C$26:$H$26</c:f>
+              <c:numCache>
+                <c:formatCode>0</c:formatCode>
+                <c:ptCount val="6"/>
+                <c:pt idx="0">
+                  <c:v>5</c:v>
+                </c:pt>
+                <c:pt idx="1">
+                  <c:v>23</c:v>
+                </c:pt>
+                <c:pt idx="2">
+                  <c:v>76</c:v>
+                </c:pt>
+                <c:pt idx="3">
+                  <c:v>140</c:v>
+                </c:pt>
+                <c:pt idx="4">
+                  <c:v>52</c:v>
+                </c:pt>
+                <c:pt idx="5">
+                  <c:v>10.833333333333334</c:v>
+                </c:pt>
+              </c:numCache>
+            </c:numRef>
+          </c:val>
+          <c:extLst>
+            <c:ext xmlns:c15="http://schemas.microsoft.com/office/drawing/2012/chart" uri="{02D57815-91ED-43cb-92C2-25804820EDAC}">
+              <c15:datalabelsRange>
+                <c15:f>'Meet the categories - New'!$C$37:$H$37</c15:f>
+                <c15:dlblRangeCache>
+                  <c:ptCount val="6"/>
+                  <c:pt idx="0">
+                    <c:v>3%</c:v>
+                  </c:pt>
+                  <c:pt idx="1">
+                    <c:v>6%</c:v>
+                  </c:pt>
+                  <c:pt idx="2">
+                    <c:v>13%</c:v>
+                  </c:pt>
+                  <c:pt idx="3">
+                    <c:v>19%</c:v>
+                  </c:pt>
+                  <c:pt idx="4">
+                    <c:v>18%</c:v>
+                  </c:pt>
+                  <c:pt idx="5">
+                    <c:v>17%</c:v>
+                  </c:pt>
+                </c15:dlblRangeCache>
+              </c15:datalabelsRange>
+            </c:ext>
+            <c:ext xmlns:c16="http://schemas.microsoft.com/office/drawing/2014/chart" uri="{C3380CC4-5D6E-409C-BE32-E72D297353CC}">
+              <c16:uniqueId val="{0000001B-1D0F-4A6B-A8EF-726A1B013D78}"/>
+            </c:ext>
+          </c:extLst>
+        </c:ser>
+        <c:ser>
+          <c:idx val="4"/>
+          <c:order val="4"/>
+          <c:tx>
+            <c:strRef>
+              <c:f>'Meet the categories - New'!$B$27</c:f>
+              <c:strCache>
+                <c:ptCount val="1"/>
+                <c:pt idx="0">
+                  <c:v>Deal with the Code</c:v>
+                </c:pt>
+              </c:strCache>
+            </c:strRef>
+          </c:tx>
+          <c:spPr>
+            <a:solidFill>
+              <a:schemeClr val="accent5"/>
+            </a:solidFill>
+            <a:ln>
+              <a:noFill/>
+            </a:ln>
+            <a:effectLst/>
+          </c:spPr>
+          <c:invertIfNegative val="0"/>
+          <c:dLbls>
+            <c:dLbl>
+              <c:idx val="0"/>
+              <c:delete val="1"/>
+              <c:extLst>
+                <c:ext xmlns:c15="http://schemas.microsoft.com/office/drawing/2012/chart" uri="{CE6537A1-D6FC-4f65-9D91-7224C49458BB}"/>
+                <c:ext xmlns:c16="http://schemas.microsoft.com/office/drawing/2014/chart" uri="{C3380CC4-5D6E-409C-BE32-E72D297353CC}">
+                  <c16:uniqueId val="{0000001C-1D0F-4A6B-A8EF-726A1B013D78}"/>
+                </c:ext>
+              </c:extLst>
+            </c:dLbl>
+            <c:dLbl>
+              <c:idx val="1"/>
+              <c:tx>
+                <c:strRef>
+                  <c:f>'Meet the categories - New'!$D$38</c:f>
+                  <c:strCache>
+                    <c:ptCount val="1"/>
+                    <c:pt idx="0">
+                      <c:v>23%</c:v>
+                    </c:pt>
+                  </c:strCache>
+                </c:strRef>
+              </c:tx>
+              <c:dLblPos val="ctr"/>
+              <c:showLegendKey val="0"/>
+              <c:showVal val="1"/>
+              <c:showCatName val="0"/>
+              <c:showSerName val="0"/>
+              <c:showPercent val="0"/>
+              <c:showBubbleSize val="0"/>
+              <c:extLst>
+                <c:ext xmlns:c15="http://schemas.microsoft.com/office/drawing/2012/chart" uri="{CE6537A1-D6FC-4f65-9D91-7224C49458BB}">
+                  <c15:dlblFieldTable>
+                    <c15:dlblFTEntry>
+                      <c15:txfldGUID>{DC1417FD-9EEA-4215-AB88-01466D8CCAB3}</c15:txfldGUID>
+                      <c15:f>'Meet the categories - New'!$D$38</c15:f>
+                      <c15:dlblFieldTableCache>
+                        <c:ptCount val="1"/>
+                        <c:pt idx="0">
+                          <c:v>23%</c:v>
+                        </c:pt>
+                      </c15:dlblFieldTableCache>
+                    </c15:dlblFTEntry>
+                  </c15:dlblFieldTable>
+                  <c15:showDataLabelsRange val="1"/>
+                </c:ext>
+                <c:ext xmlns:c16="http://schemas.microsoft.com/office/drawing/2014/chart" uri="{C3380CC4-5D6E-409C-BE32-E72D297353CC}">
+                  <c16:uniqueId val="{0000001D-1D0F-4A6B-A8EF-726A1B013D78}"/>
+                </c:ext>
+              </c:extLst>
+            </c:dLbl>
+            <c:dLbl>
+              <c:idx val="2"/>
+              <c:tx>
+                <c:strRef>
+                  <c:f>'Meet the categories - New'!$E$38</c:f>
+                  <c:strCache>
+                    <c:ptCount val="1"/>
+                    <c:pt idx="0">
+                      <c:v>25%</c:v>
+                    </c:pt>
+                  </c:strCache>
+                </c:strRef>
+              </c:tx>
+              <c:dLblPos val="ctr"/>
+              <c:showLegendKey val="0"/>
+              <c:showVal val="1"/>
+              <c:showCatName val="0"/>
+              <c:showSerName val="0"/>
+              <c:showPercent val="0"/>
+              <c:showBubbleSize val="0"/>
+              <c:extLst>
+                <c:ext xmlns:c15="http://schemas.microsoft.com/office/drawing/2012/chart" uri="{CE6537A1-D6FC-4f65-9D91-7224C49458BB}">
+                  <c15:dlblFieldTable>
+                    <c15:dlblFTEntry>
+                      <c15:txfldGUID>{936866BC-A7CE-4BDA-B2F5-FD4C032FFEC4}</c15:txfldGUID>
+                      <c15:f>'Meet the categories - New'!$E$38</c15:f>
+                      <c15:dlblFieldTableCache>
+                        <c:ptCount val="1"/>
+                        <c:pt idx="0">
+                          <c:v>25%</c:v>
+                        </c:pt>
+                      </c15:dlblFieldTableCache>
+                    </c15:dlblFTEntry>
+                  </c15:dlblFieldTable>
+                  <c15:showDataLabelsRange val="1"/>
+                </c:ext>
+                <c:ext xmlns:c16="http://schemas.microsoft.com/office/drawing/2014/chart" uri="{C3380CC4-5D6E-409C-BE32-E72D297353CC}">
+                  <c16:uniqueId val="{0000001E-1D0F-4A6B-A8EF-726A1B013D78}"/>
+                </c:ext>
+              </c:extLst>
+            </c:dLbl>
+            <c:dLbl>
+              <c:idx val="3"/>
+              <c:tx>
+                <c:strRef>
+                  <c:f>'Meet the categories - New'!$F$38</c:f>
+                  <c:strCache>
+                    <c:ptCount val="1"/>
+                    <c:pt idx="0">
+                      <c:v>23%</c:v>
+                    </c:pt>
+                  </c:strCache>
+                </c:strRef>
+              </c:tx>
+              <c:dLblPos val="ctr"/>
+              <c:showLegendKey val="0"/>
+              <c:showVal val="1"/>
+              <c:showCatName val="0"/>
+              <c:showSerName val="0"/>
+              <c:showPercent val="0"/>
+              <c:showBubbleSize val="0"/>
+              <c:extLst>
+                <c:ext xmlns:c15="http://schemas.microsoft.com/office/drawing/2012/chart" uri="{CE6537A1-D6FC-4f65-9D91-7224C49458BB}">
+                  <c15:dlblFieldTable>
+                    <c15:dlblFTEntry>
+                      <c15:txfldGUID>{75B337B3-0FE0-4B93-8AD0-E0152D22E328}</c15:txfldGUID>
+                      <c15:f>'Meet the categories - New'!$F$38</c15:f>
+                      <c15:dlblFieldTableCache>
+                        <c:ptCount val="1"/>
+                        <c:pt idx="0">
+                          <c:v>23%</c:v>
+                        </c:pt>
+                      </c15:dlblFieldTableCache>
+                    </c15:dlblFTEntry>
+                  </c15:dlblFieldTable>
+                  <c15:showDataLabelsRange val="1"/>
+                </c:ext>
+                <c:ext xmlns:c16="http://schemas.microsoft.com/office/drawing/2014/chart" uri="{C3380CC4-5D6E-409C-BE32-E72D297353CC}">
+                  <c16:uniqueId val="{0000001F-1D0F-4A6B-A8EF-726A1B013D78}"/>
+                </c:ext>
+              </c:extLst>
+            </c:dLbl>
+            <c:dLbl>
+              <c:idx val="4"/>
+              <c:tx>
+                <c:strRef>
+                  <c:f>'Meet the categories - New'!$G$38</c:f>
+                  <c:strCache>
+                    <c:ptCount val="1"/>
+                    <c:pt idx="0">
+                      <c:v>20%</c:v>
+                    </c:pt>
+                  </c:strCache>
+                </c:strRef>
+              </c:tx>
+              <c:dLblPos val="ctr"/>
+              <c:showLegendKey val="0"/>
+              <c:showVal val="1"/>
+              <c:showCatName val="0"/>
+              <c:showSerName val="0"/>
+              <c:showPercent val="0"/>
+              <c:showBubbleSize val="0"/>
+              <c:extLst>
+                <c:ext xmlns:c15="http://schemas.microsoft.com/office/drawing/2012/chart" uri="{CE6537A1-D6FC-4f65-9D91-7224C49458BB}">
+                  <c15:dlblFieldTable>
+                    <c15:dlblFTEntry>
+                      <c15:txfldGUID>{F3417D4E-941E-4FD4-970F-B5B44DEED2BD}</c15:txfldGUID>
+                      <c15:f>'Meet the categories - New'!$G$38</c15:f>
+                      <c15:dlblFieldTableCache>
+                        <c:ptCount val="1"/>
+                        <c:pt idx="0">
+                          <c:v>20%</c:v>
+                        </c:pt>
+                      </c15:dlblFieldTableCache>
+                    </c15:dlblFTEntry>
+                  </c15:dlblFieldTable>
+                  <c15:showDataLabelsRange val="1"/>
+                </c:ext>
+                <c:ext xmlns:c16="http://schemas.microsoft.com/office/drawing/2014/chart" uri="{C3380CC4-5D6E-409C-BE32-E72D297353CC}">
+                  <c16:uniqueId val="{00000020-1D0F-4A6B-A8EF-726A1B013D78}"/>
+                </c:ext>
+              </c:extLst>
+            </c:dLbl>
+            <c:dLbl>
+              <c:idx val="5"/>
+              <c:delete val="1"/>
+              <c:extLst>
+                <c:ext xmlns:c15="http://schemas.microsoft.com/office/drawing/2012/chart" uri="{CE6537A1-D6FC-4f65-9D91-7224C49458BB}"/>
+                <c:ext xmlns:c16="http://schemas.microsoft.com/office/drawing/2014/chart" uri="{C3380CC4-5D6E-409C-BE32-E72D297353CC}">
+                  <c16:uniqueId val="{00000021-1D0F-4A6B-A8EF-726A1B013D78}"/>
+                </c:ext>
+              </c:extLst>
+            </c:dLbl>
+            <c:numFmt formatCode="General" sourceLinked="0"/>
+            <c:spPr>
+              <a:noFill/>
+              <a:ln>
+                <a:noFill/>
+              </a:ln>
+              <a:effectLst/>
+            </c:spPr>
+            <c:txPr>
+              <a:bodyPr rot="0" spcFirstLastPara="1" vertOverflow="ellipsis" vert="horz" wrap="square" anchor="ctr" anchorCtr="1"/>
+              <a:lstStyle/>
+              <a:p>
+                <a:pPr>
+                  <a:defRPr sz="1200" b="0" i="0" u="none" strike="noStrike" kern="1200" baseline="0">
+                    <a:solidFill>
+                      <a:schemeClr val="tx1"/>
+                    </a:solidFill>
+                    <a:latin typeface="+mn-lt"/>
+                    <a:ea typeface="+mn-ea"/>
+                    <a:cs typeface="+mn-cs"/>
+                  </a:defRPr>
+                </a:pPr>
+                <a:endParaRPr lang="en-US"/>
+              </a:p>
+            </c:txPr>
+            <c:dLblPos val="ctr"/>
+            <c:showLegendKey val="0"/>
+            <c:showVal val="1"/>
+            <c:showCatName val="0"/>
+            <c:showSerName val="0"/>
+            <c:showPercent val="0"/>
+            <c:showBubbleSize val="0"/>
+            <c:showLeaderLines val="0"/>
+            <c:extLst>
+              <c:ext xmlns:c15="http://schemas.microsoft.com/office/drawing/2012/chart" uri="{CE6537A1-D6FC-4f65-9D91-7224C49458BB}">
+                <c15:showDataLabelsRange val="1"/>
+                <c15:showLeaderLines val="1"/>
+                <c15:leaderLines>
+                  <c:spPr>
+                    <a:ln w="9525" cap="flat" cmpd="sng" algn="ctr">
+                      <a:solidFill>
+                        <a:schemeClr val="tx1">
+                          <a:lumMod val="35000"/>
+                          <a:lumOff val="65000"/>
+                        </a:schemeClr>
+                      </a:solidFill>
+                      <a:round/>
+                    </a:ln>
+                    <a:effectLst/>
+                  </c:spPr>
+                </c15:leaderLines>
+              </c:ext>
+            </c:extLst>
+          </c:dLbls>
+          <c:cat>
+            <c:numRef>
+              <c:f>'Meet the categories - New'!$C$22:$H$22</c:f>
+              <c:numCache>
+                <c:formatCode>General</c:formatCode>
+                <c:ptCount val="6"/>
+                <c:pt idx="0">
+                  <c:v>1</c:v>
+                </c:pt>
+                <c:pt idx="1">
+                  <c:v>2</c:v>
+                </c:pt>
+                <c:pt idx="2">
+                  <c:v>3</c:v>
+                </c:pt>
+                <c:pt idx="3">
+                  <c:v>4</c:v>
+                </c:pt>
+                <c:pt idx="4">
+                  <c:v>5</c:v>
+                </c:pt>
+                <c:pt idx="5">
+                  <c:v>6</c:v>
+                </c:pt>
+              </c:numCache>
+            </c:numRef>
+          </c:cat>
+          <c:val>
+            <c:numRef>
+              <c:f>'Meet the categories - New'!$C$27:$H$27</c:f>
+              <c:numCache>
+                <c:formatCode>0</c:formatCode>
+                <c:ptCount val="6"/>
+                <c:pt idx="0">
+                  <c:v>9</c:v>
+                </c:pt>
+                <c:pt idx="1">
+                  <c:v>95</c:v>
+                </c:pt>
+                <c:pt idx="2">
+                  <c:v>148</c:v>
+                </c:pt>
+                <c:pt idx="3">
+                  <c:v>168</c:v>
+                </c:pt>
+                <c:pt idx="4">
+                  <c:v>56.4</c:v>
+                </c:pt>
+                <c:pt idx="5">
+                  <c:v>10.833333333333334</c:v>
+                </c:pt>
+              </c:numCache>
+            </c:numRef>
+          </c:val>
+          <c:extLst>
+            <c:ext xmlns:c15="http://schemas.microsoft.com/office/drawing/2012/chart" uri="{02D57815-91ED-43cb-92C2-25804820EDAC}">
+              <c15:datalabelsRange>
+                <c15:f>'Meet the categories - New'!$C$38:$H$38</c15:f>
+                <c15:dlblRangeCache>
+                  <c:ptCount val="6"/>
+                  <c:pt idx="0">
+                    <c:v>5%</c:v>
+                  </c:pt>
+                  <c:pt idx="1">
+                    <c:v>23%</c:v>
+                  </c:pt>
+                  <c:pt idx="2">
+                    <c:v>25%</c:v>
+                  </c:pt>
+                  <c:pt idx="3">
+                    <c:v>23%</c:v>
+                  </c:pt>
+                  <c:pt idx="4">
+                    <c:v>20%</c:v>
+                  </c:pt>
+                  <c:pt idx="5">
+                    <c:v>17%</c:v>
+                  </c:pt>
+                </c15:dlblRangeCache>
+              </c15:datalabelsRange>
+            </c:ext>
+            <c:ext xmlns:c16="http://schemas.microsoft.com/office/drawing/2014/chart" uri="{C3380CC4-5D6E-409C-BE32-E72D297353CC}">
+              <c16:uniqueId val="{00000022-1D0F-4A6B-A8EF-726A1B013D78}"/>
+            </c:ext>
+          </c:extLst>
+        </c:ser>
+        <c:ser>
+          <c:idx val="5"/>
+          <c:order val="5"/>
+          <c:tx>
+            <c:strRef>
+              <c:f>'Meet the categories - New'!$B$28</c:f>
+              <c:strCache>
+                <c:ptCount val="1"/>
+                <c:pt idx="0">
+                  <c:v>Submit the Changes</c:v>
+                </c:pt>
+              </c:strCache>
+            </c:strRef>
+          </c:tx>
+          <c:spPr>
+            <a:solidFill>
+              <a:schemeClr val="accent6"/>
+            </a:solidFill>
+            <a:ln>
+              <a:noFill/>
+            </a:ln>
+            <a:effectLst/>
+          </c:spPr>
+          <c:invertIfNegative val="0"/>
+          <c:dLbls>
+            <c:dLbl>
+              <c:idx val="0"/>
+              <c:tx>
+                <c:strRef>
+                  <c:f>'Meet the categories - New'!$C$39</c:f>
+                  <c:strCache>
+                    <c:ptCount val="1"/>
+                    <c:pt idx="0">
+                      <c:v>83%</c:v>
+                    </c:pt>
+                  </c:strCache>
+                </c:strRef>
+              </c:tx>
+              <c:dLblPos val="ctr"/>
+              <c:showLegendKey val="0"/>
+              <c:showVal val="0"/>
+              <c:showCatName val="0"/>
+              <c:showSerName val="0"/>
+              <c:showPercent val="0"/>
+              <c:showBubbleSize val="0"/>
+              <c:extLst>
+                <c:ext xmlns:c15="http://schemas.microsoft.com/office/drawing/2012/chart" uri="{CE6537A1-D6FC-4f65-9D91-7224C49458BB}">
+                  <c15:dlblFieldTable>
+                    <c15:dlblFTEntry>
+                      <c15:txfldGUID>{AD698CE1-FDC3-4CB9-967F-BBC9C5C4A4AD}</c15:txfldGUID>
+                      <c15:f>'Meet the categories - New'!$C$39</c15:f>
+                      <c15:dlblFieldTableCache>
+                        <c:ptCount val="1"/>
+                        <c:pt idx="0">
+                          <c:v>83%</c:v>
+                        </c:pt>
+                      </c15:dlblFieldTableCache>
+                    </c15:dlblFTEntry>
+                  </c15:dlblFieldTable>
+                  <c15:showDataLabelsRange val="1"/>
+                </c:ext>
+                <c:ext xmlns:c16="http://schemas.microsoft.com/office/drawing/2014/chart" uri="{C3380CC4-5D6E-409C-BE32-E72D297353CC}">
+                  <c16:uniqueId val="{00000023-1D0F-4A6B-A8EF-726A1B013D78}"/>
+                </c:ext>
+              </c:extLst>
+            </c:dLbl>
+            <c:dLbl>
+              <c:idx val="1"/>
+              <c:tx>
+                <c:rich>
+                  <a:bodyPr/>
+                  <a:lstStyle/>
+                  <a:p>
+                    <a:fld id="{57D58329-8D61-4561-8394-0B7E0EF436C9}" type="CELLRANGE">
+                      <a:rPr lang="en-US"/>
+                      <a:pPr/>
+                      <a:t>[CELLRANGE]</a:t>
+                    </a:fld>
+                    <a:endParaRPr lang="en-US"/>
+                  </a:p>
+                </c:rich>
+              </c:tx>
+              <c:dLblPos val="ctr"/>
+              <c:showLegendKey val="0"/>
+              <c:showVal val="0"/>
+              <c:showCatName val="0"/>
+              <c:showSerName val="0"/>
+              <c:showPercent val="0"/>
+              <c:showBubbleSize val="0"/>
+              <c:extLst>
+                <c:ext xmlns:c15="http://schemas.microsoft.com/office/drawing/2012/chart" uri="{CE6537A1-D6FC-4f65-9D91-7224C49458BB}">
+                  <c15:dlblFieldTable/>
+                  <c15:xForSave val="1"/>
+                  <c15:showDataLabelsRange val="1"/>
+                </c:ext>
+                <c:ext xmlns:c16="http://schemas.microsoft.com/office/drawing/2014/chart" uri="{C3380CC4-5D6E-409C-BE32-E72D297353CC}">
+                  <c16:uniqueId val="{00000024-1D0F-4A6B-A8EF-726A1B013D78}"/>
+                </c:ext>
+              </c:extLst>
+            </c:dLbl>
+            <c:dLbl>
+              <c:idx val="2"/>
+              <c:tx>
+                <c:rich>
+                  <a:bodyPr/>
+                  <a:lstStyle/>
+                  <a:p>
+                    <a:fld id="{CC384822-B28D-4D45-913E-D565E169DEB2}" type="CELLRANGE">
+                      <a:rPr lang="en-US"/>
+                      <a:pPr/>
+                      <a:t>[CELLRANGE]</a:t>
+                    </a:fld>
+                    <a:endParaRPr lang="en-US"/>
+                  </a:p>
+                </c:rich>
+              </c:tx>
+              <c:dLblPos val="ctr"/>
+              <c:showLegendKey val="0"/>
+              <c:showVal val="0"/>
+              <c:showCatName val="0"/>
+              <c:showSerName val="0"/>
+              <c:showPercent val="0"/>
+              <c:showBubbleSize val="0"/>
+              <c:extLst>
+                <c:ext xmlns:c15="http://schemas.microsoft.com/office/drawing/2012/chart" uri="{CE6537A1-D6FC-4f65-9D91-7224C49458BB}">
+                  <c15:dlblFieldTable/>
+                  <c15:xForSave val="1"/>
+                  <c15:showDataLabelsRange val="1"/>
+                </c:ext>
+                <c:ext xmlns:c16="http://schemas.microsoft.com/office/drawing/2014/chart" uri="{C3380CC4-5D6E-409C-BE32-E72D297353CC}">
+                  <c16:uniqueId val="{00000025-1D0F-4A6B-A8EF-726A1B013D78}"/>
+                </c:ext>
+              </c:extLst>
+            </c:dLbl>
+            <c:dLbl>
+              <c:idx val="3"/>
+              <c:tx>
+                <c:rich>
+                  <a:bodyPr/>
+                  <a:lstStyle/>
+                  <a:p>
+                    <a:fld id="{E94B551B-E48A-4B94-882F-A5EB22B03A78}" type="CELLRANGE">
+                      <a:rPr lang="en-US"/>
+                      <a:pPr/>
+                      <a:t>[CELLRANGE]</a:t>
+                    </a:fld>
+                    <a:endParaRPr lang="en-US"/>
+                  </a:p>
+                </c:rich>
+              </c:tx>
+              <c:dLblPos val="ctr"/>
+              <c:showLegendKey val="0"/>
+              <c:showVal val="0"/>
+              <c:showCatName val="0"/>
+              <c:showSerName val="0"/>
+              <c:showPercent val="0"/>
+              <c:showBubbleSize val="0"/>
+              <c:extLst>
+                <c:ext xmlns:c15="http://schemas.microsoft.com/office/drawing/2012/chart" uri="{CE6537A1-D6FC-4f65-9D91-7224C49458BB}">
+                  <c15:dlblFieldTable/>
+                  <c15:xForSave val="1"/>
+                  <c15:showDataLabelsRange val="1"/>
+                </c:ext>
+                <c:ext xmlns:c16="http://schemas.microsoft.com/office/drawing/2014/chart" uri="{C3380CC4-5D6E-409C-BE32-E72D297353CC}">
+                  <c16:uniqueId val="{00000026-1D0F-4A6B-A8EF-726A1B013D78}"/>
+                </c:ext>
+              </c:extLst>
+            </c:dLbl>
+            <c:dLbl>
+              <c:idx val="4"/>
+              <c:tx>
+                <c:rich>
+                  <a:bodyPr/>
+                  <a:lstStyle/>
+                  <a:p>
+                    <a:fld id="{FF47F32F-D230-49D7-8E1B-050C62C3087F}" type="CELLRANGE">
+                      <a:rPr lang="en-US"/>
+                      <a:pPr/>
+                      <a:t>[CELLRANGE]</a:t>
+                    </a:fld>
+                    <a:endParaRPr lang="en-US"/>
+                  </a:p>
+                </c:rich>
+              </c:tx>
+              <c:dLblPos val="ctr"/>
+              <c:showLegendKey val="0"/>
+              <c:showVal val="0"/>
+              <c:showCatName val="0"/>
+              <c:showSerName val="0"/>
+              <c:showPercent val="0"/>
+              <c:showBubbleSize val="0"/>
+              <c:extLst>
+                <c:ext xmlns:c15="http://schemas.microsoft.com/office/drawing/2012/chart" uri="{CE6537A1-D6FC-4f65-9D91-7224C49458BB}">
+                  <c15:dlblFieldTable/>
+                  <c15:xForSave val="1"/>
+                  <c15:showDataLabelsRange val="1"/>
+                </c:ext>
+                <c:ext xmlns:c16="http://schemas.microsoft.com/office/drawing/2014/chart" uri="{C3380CC4-5D6E-409C-BE32-E72D297353CC}">
+                  <c16:uniqueId val="{00000027-1D0F-4A6B-A8EF-726A1B013D78}"/>
+                </c:ext>
+              </c:extLst>
+            </c:dLbl>
+            <c:dLbl>
+              <c:idx val="5"/>
+              <c:delete val="1"/>
+              <c:extLst>
+                <c:ext xmlns:c15="http://schemas.microsoft.com/office/drawing/2012/chart" uri="{CE6537A1-D6FC-4f65-9D91-7224C49458BB}"/>
+                <c:ext xmlns:c16="http://schemas.microsoft.com/office/drawing/2014/chart" uri="{C3380CC4-5D6E-409C-BE32-E72D297353CC}">
+                  <c16:uniqueId val="{00000028-1D0F-4A6B-A8EF-726A1B013D78}"/>
+                </c:ext>
+              </c:extLst>
+            </c:dLbl>
+            <c:spPr>
+              <a:noFill/>
+              <a:ln>
+                <a:noFill/>
+              </a:ln>
+              <a:effectLst/>
+            </c:spPr>
+            <c:txPr>
+              <a:bodyPr rot="0" spcFirstLastPara="1" vertOverflow="ellipsis" vert="horz" wrap="square" anchor="ctr" anchorCtr="1"/>
+              <a:lstStyle/>
+              <a:p>
+                <a:pPr>
+                  <a:defRPr sz="1200" b="0" i="0" u="none" strike="noStrike" kern="1200" baseline="0">
+                    <a:solidFill>
+                      <a:schemeClr val="tx1"/>
+                    </a:solidFill>
+                    <a:latin typeface="+mn-lt"/>
+                    <a:ea typeface="+mn-ea"/>
+                    <a:cs typeface="+mn-cs"/>
+                  </a:defRPr>
+                </a:pPr>
+                <a:endParaRPr lang="en-US"/>
+              </a:p>
+            </c:txPr>
+            <c:dLblPos val="ctr"/>
+            <c:showLegendKey val="0"/>
+            <c:showVal val="0"/>
+            <c:showCatName val="0"/>
+            <c:showSerName val="0"/>
+            <c:showPercent val="0"/>
+            <c:showBubbleSize val="0"/>
+            <c:showLeaderLines val="0"/>
+            <c:extLst>
+              <c:ext xmlns:c15="http://schemas.microsoft.com/office/drawing/2012/chart" uri="{CE6537A1-D6FC-4f65-9D91-7224C49458BB}">
+                <c15:showDataLabelsRange val="1"/>
+                <c15:showLeaderLines val="1"/>
+                <c15:leaderLines>
+                  <c:spPr>
+                    <a:ln w="9525" cap="flat" cmpd="sng" algn="ctr">
+                      <a:solidFill>
+                        <a:schemeClr val="tx1">
+                          <a:lumMod val="35000"/>
+                          <a:lumOff val="65000"/>
+                        </a:schemeClr>
+                      </a:solidFill>
+                      <a:round/>
+                    </a:ln>
+                    <a:effectLst/>
+                  </c:spPr>
+                </c15:leaderLines>
+              </c:ext>
+            </c:extLst>
+          </c:dLbls>
+          <c:cat>
+            <c:numRef>
+              <c:f>'Meet the categories - New'!$C$22:$H$22</c:f>
+              <c:numCache>
+                <c:formatCode>General</c:formatCode>
+                <c:ptCount val="6"/>
+                <c:pt idx="0">
+                  <c:v>1</c:v>
+                </c:pt>
+                <c:pt idx="1">
+                  <c:v>2</c:v>
+                </c:pt>
+                <c:pt idx="2">
+                  <c:v>3</c:v>
+                </c:pt>
+                <c:pt idx="3">
+                  <c:v>4</c:v>
+                </c:pt>
+                <c:pt idx="4">
+                  <c:v>5</c:v>
+                </c:pt>
+                <c:pt idx="5">
+                  <c:v>6</c:v>
+                </c:pt>
+              </c:numCache>
+            </c:numRef>
+          </c:cat>
+          <c:val>
+            <c:numRef>
+              <c:f>'Meet the categories - New'!$C$28:$H$28</c:f>
+              <c:numCache>
+                <c:formatCode>0</c:formatCode>
+                <c:ptCount val="6"/>
+                <c:pt idx="0">
+                  <c:v>137</c:v>
+                </c:pt>
+                <c:pt idx="1">
+                  <c:v>190.5</c:v>
+                </c:pt>
+                <c:pt idx="2">
+                  <c:v>199</c:v>
+                </c:pt>
+                <c:pt idx="3">
+                  <c:v>182</c:v>
+                </c:pt>
+                <c:pt idx="4">
+                  <c:v>57.4</c:v>
+                </c:pt>
+                <c:pt idx="5">
+                  <c:v>10.833333333333334</c:v>
+                </c:pt>
+              </c:numCache>
+            </c:numRef>
+          </c:val>
+          <c:extLst>
+            <c:ext xmlns:c15="http://schemas.microsoft.com/office/drawing/2012/chart" uri="{02D57815-91ED-43cb-92C2-25804820EDAC}">
+              <c15:datalabelsRange>
+                <c15:f>'Meet the categories - New'!$C$39:$H$39</c15:f>
+                <c15:dlblRangeCache>
+                  <c:ptCount val="6"/>
+                  <c:pt idx="0">
+                    <c:v>83%</c:v>
+                  </c:pt>
+                  <c:pt idx="1">
+                    <c:v>46%</c:v>
+                  </c:pt>
+                  <c:pt idx="2">
+                    <c:v>33%</c:v>
+                  </c:pt>
+                  <c:pt idx="3">
+                    <c:v>25%</c:v>
+                  </c:pt>
+                  <c:pt idx="4">
+                    <c:v>20%</c:v>
+                  </c:pt>
+                  <c:pt idx="5">
+                    <c:v>17%</c:v>
+                  </c:pt>
+                </c15:dlblRangeCache>
+              </c15:datalabelsRange>
+            </c:ext>
+            <c:ext xmlns:c16="http://schemas.microsoft.com/office/drawing/2014/chart" uri="{C3380CC4-5D6E-409C-BE32-E72D297353CC}">
+              <c16:uniqueId val="{00000029-1D0F-4A6B-A8EF-726A1B013D78}"/>
             </c:ext>
           </c:extLst>
         </c:ser>
         <c:dLbls>
+          <c:dLblPos val="ctr"/>
           <c:showLegendKey val="0"/>
-          <c:showVal val="0"/>
+          <c:showVal val="1"/>
           <c:showCatName val="0"/>
           <c:showSerName val="0"/>
           <c:showPercent val="0"/>
           <c:showBubbleSize val="0"/>
         </c:dLbls>
         <c:gapWidth val="100"/>
-        <c:overlap val="-27"/>
-        <c:axId val="1769513375"/>
-        <c:axId val="1339442863"/>
+        <c:overlap val="100"/>
+        <c:axId val="565554592"/>
+        <c:axId val="290083840"/>
       </c:barChart>
-      <c:lineChart>
-        <c:grouping val="standard"/>
-        <c:varyColors val="0"/>
-        <c:ser>
-          <c:idx val="1"/>
-          <c:order val="1"/>
-          <c:tx>
-            <c:strRef>
-              <c:f>'Meet the categories'!$C$6:$D$6</c:f>
-              <c:strCache>
-                <c:ptCount val="2"/>
-                <c:pt idx="0">
-                  <c:v>Average</c:v>
-                </c:pt>
-              </c:strCache>
-            </c:strRef>
-          </c:tx>
-          <c:spPr>
-            <a:ln w="76200" cap="rnd">
-              <a:solidFill>
-                <a:schemeClr val="tx1"/>
-              </a:solidFill>
-              <a:prstDash val="dash"/>
-              <a:round/>
-            </a:ln>
-            <a:effectLst/>
-          </c:spPr>
-          <c:marker>
-            <c:symbol val="none"/>
-          </c:marker>
-          <c:cat>
-            <c:numRef>
-              <c:f>'Meet the categories'!$E$4:$K$4</c:f>
-              <c:numCache>
-                <c:formatCode>General</c:formatCode>
-                <c:ptCount val="7"/>
-                <c:pt idx="0">
-                  <c:v>0</c:v>
-                </c:pt>
-                <c:pt idx="1">
-                  <c:v>1</c:v>
-                </c:pt>
-                <c:pt idx="2">
-                  <c:v>2</c:v>
-                </c:pt>
-                <c:pt idx="3">
-                  <c:v>3</c:v>
-                </c:pt>
-                <c:pt idx="4">
-                  <c:v>4</c:v>
-                </c:pt>
-                <c:pt idx="5">
-                  <c:v>5</c:v>
-                </c:pt>
-                <c:pt idx="6">
-                  <c:v>6</c:v>
-                </c:pt>
-              </c:numCache>
-            </c:numRef>
-          </c:cat>
-          <c:val>
-            <c:numRef>
-              <c:f>'Meet the categories'!$E$6:$K$6</c:f>
-              <c:numCache>
-                <c:formatCode>0</c:formatCode>
-                <c:ptCount val="7"/>
-                <c:pt idx="0">
-                  <c:v>324.85714285714283</c:v>
-                </c:pt>
-                <c:pt idx="1">
-                  <c:v>324.85714285714283</c:v>
-                </c:pt>
-                <c:pt idx="2">
-                  <c:v>324.85714285714283</c:v>
-                </c:pt>
-                <c:pt idx="3">
-                  <c:v>324.85714285714283</c:v>
-                </c:pt>
-                <c:pt idx="4">
-                  <c:v>324.85714285714283</c:v>
-                </c:pt>
-                <c:pt idx="5">
-                  <c:v>324.85714285714283</c:v>
-                </c:pt>
-                <c:pt idx="6">
-                  <c:v>324.85714285714283</c:v>
-                </c:pt>
-              </c:numCache>
-            </c:numRef>
-          </c:val>
-          <c:smooth val="0"/>
-          <c:extLst>
-            <c:ext xmlns:c16="http://schemas.microsoft.com/office/drawing/2014/chart" uri="{C3380CC4-5D6E-409C-BE32-E72D297353CC}">
-              <c16:uniqueId val="{00000001-7710-44D8-9AF8-94AA77F40688}"/>
-            </c:ext>
-          </c:extLst>
-        </c:ser>
-        <c:dLbls>
-          <c:showLegendKey val="0"/>
-          <c:showVal val="0"/>
-          <c:showCatName val="0"/>
-          <c:showSerName val="0"/>
-          <c:showPercent val="0"/>
-          <c:showBubbleSize val="0"/>
-        </c:dLbls>
-        <c:marker val="1"/>
-        <c:smooth val="0"/>
-        <c:axId val="1769513375"/>
-        <c:axId val="1339442863"/>
-      </c:lineChart>
       <c:catAx>
-        <c:axId val="1769513375"/>
+        <c:axId val="565554592"/>
         <c:scaling>
           <c:orientation val="minMax"/>
         </c:scaling>
@@ -372,11 +2114,19 @@
                 </a:pPr>
                 <a:r>
                   <a:rPr lang="en-US" dirty="0"/>
-                  <a:t># Categories</a:t>
+                  <a:t># Categories </a:t>
                 </a:r>
               </a:p>
             </c:rich>
           </c:tx>
+          <c:layout>
+            <c:manualLayout>
+              <c:xMode val="edge"/>
+              <c:yMode val="edge"/>
+              <c:x val="0.43570636482939629"/>
+              <c:y val="0.92357141663095499"/>
+            </c:manualLayout>
+          </c:layout>
           <c:overlay val="0"/>
           <c:spPr>
             <a:noFill/>
@@ -425,7 +2175,7 @@
           <a:lstStyle/>
           <a:p>
             <a:pPr>
-              <a:defRPr sz="3000" b="0" i="0" u="none" strike="noStrike" kern="1200" baseline="0">
+              <a:defRPr sz="2500" b="0" i="0" u="none" strike="noStrike" kern="1200" baseline="0">
                 <a:solidFill>
                   <a:schemeClr val="tx1"/>
                 </a:solidFill>
@@ -437,7 +2187,7 @@
             <a:endParaRPr lang="en-US"/>
           </a:p>
         </c:txPr>
-        <c:crossAx val="1339442863"/>
+        <c:crossAx val="290083840"/>
         <c:crosses val="autoZero"/>
         <c:auto val="1"/>
         <c:lblAlgn val="ctr"/>
@@ -445,7 +2195,7 @@
         <c:noMultiLvlLbl val="0"/>
       </c:catAx>
       <c:valAx>
-        <c:axId val="1339442863"/>
+        <c:axId val="290083840"/>
         <c:scaling>
           <c:orientation val="minMax"/>
         </c:scaling>
@@ -488,6 +2238,14 @@
               </a:p>
             </c:rich>
           </c:tx>
+          <c:layout>
+            <c:manualLayout>
+              <c:xMode val="edge"/>
+              <c:yMode val="edge"/>
+              <c:x val="8.3141951006124228E-3"/>
+              <c:y val="0.34815637860210891"/>
+            </c:manualLayout>
+          </c:layout>
           <c:overlay val="0"/>
           <c:spPr>
             <a:noFill/>
@@ -514,7 +2272,7 @@
             </a:p>
           </c:txPr>
         </c:title>
-        <c:numFmt formatCode="General" sourceLinked="1"/>
+        <c:numFmt formatCode="0" sourceLinked="1"/>
         <c:majorTickMark val="none"/>
         <c:minorTickMark val="none"/>
         <c:tickLblPos val="nextTo"/>
@@ -542,7 +2300,7 @@
             <a:endParaRPr lang="en-US"/>
           </a:p>
         </c:txPr>
-        <c:crossAx val="1769513375"/>
+        <c:crossAx val="565554592"/>
         <c:crosses val="autoZero"/>
         <c:crossBetween val="between"/>
       </c:valAx>
@@ -560,11 +2318,29 @@
     </c:plotArea>
     <c:legend>
       <c:legendPos val="t"/>
+      <c:layout>
+        <c:manualLayout>
+          <c:xMode val="edge"/>
+          <c:yMode val="edge"/>
+          <c:x val="9.251968503937006E-3"/>
+          <c:y val="1.1904763764648756E-2"/>
+          <c:w val="0.98288495188101488"/>
+          <c:h val="0.11735003708130812"/>
+        </c:manualLayout>
+      </c:layout>
       <c:overlay val="0"/>
       <c:spPr>
-        <a:noFill/>
+        <a:solidFill>
+          <a:schemeClr val="bg1">
+            <a:lumMod val="95000"/>
+          </a:schemeClr>
+        </a:solidFill>
         <a:ln>
-          <a:noFill/>
+          <a:solidFill>
+            <a:schemeClr val="bg1">
+              <a:lumMod val="85000"/>
+            </a:schemeClr>
+          </a:solidFill>
         </a:ln>
         <a:effectLst/>
       </c:spPr>
@@ -573,7 +2349,7 @@
         <a:lstStyle/>
         <a:p>
           <a:pPr>
-            <a:defRPr sz="2500" b="0" i="0" u="none" strike="noStrike" kern="1200" baseline="0">
+            <a:defRPr sz="2200" b="0" i="0" u="none" strike="noStrike" kern="1200" baseline="0">
               <a:solidFill>
                 <a:schemeClr val="tx1"/>
               </a:solidFill>
@@ -589,7 +2365,6 @@
     <c:plotVisOnly val="1"/>
     <c:dispBlanksAs val="gap"/>
     <c:showDLblsOverMax val="0"/>
-    <c:extLst/>
   </c:chart>
   <c:spPr>
     <a:noFill/>
@@ -612,7 +2387,7 @@
       <a:endParaRPr lang="en-US"/>
     </a:p>
   </c:txPr>
-  <c:externalData r:id="rId4">
+  <c:externalData r:id="rId3">
     <c:autoUpdate val="0"/>
   </c:externalData>
 </c:chartSpace>
@@ -659,7 +2434,7 @@
 </file>
 
 <file path=ppt/charts/style1.xml><?xml version="1.0" encoding="utf-8"?>
-<cs:chartStyle xmlns:cs="http://schemas.microsoft.com/office/drawing/2012/chartStyle" xmlns:a="http://schemas.openxmlformats.org/drawingml/2006/main" id="201">
+<cs:chartStyle xmlns:cs="http://schemas.microsoft.com/office/drawing/2012/chartStyle" xmlns:a="http://schemas.openxmlformats.org/drawingml/2006/main" id="297">
   <cs:axisTitle>
     <cs:lnRef idx="0"/>
     <cs:fillRef idx="0"/>
@@ -863,22 +2638,23 @@
     <cs:fillRef idx="0"/>
     <cs:effectRef idx="0"/>
     <cs:fontRef idx="minor">
-      <a:schemeClr val="dk1"/>
+      <a:schemeClr val="tx1"/>
     </cs:fontRef>
     <cs:spPr>
       <a:solidFill>
         <a:schemeClr val="dk1">
-          <a:lumMod val="65000"/>
-          <a:lumOff val="35000"/>
+          <a:lumMod val="75000"/>
+          <a:lumOff val="25000"/>
         </a:schemeClr>
       </a:solidFill>
-      <a:ln w="9525">
+      <a:ln w="9525" cap="flat" cmpd="sng" algn="ctr">
         <a:solidFill>
           <a:schemeClr val="tx1">
             <a:lumMod val="65000"/>
             <a:lumOff val="35000"/>
           </a:schemeClr>
         </a:solidFill>
+        <a:round/>
       </a:ln>
     </cs:spPr>
   </cs:downBar>
@@ -983,8 +2759,8 @@
       <a:ln w="9525" cap="flat" cmpd="sng" algn="ctr">
         <a:solidFill>
           <a:schemeClr val="tx1">
-            <a:lumMod val="75000"/>
-            <a:lumOff val="25000"/>
+            <a:lumMod val="50000"/>
+            <a:lumOff val="50000"/>
           </a:schemeClr>
         </a:solidFill>
         <a:round/>
@@ -1116,19 +2892,20 @@
     <cs:fillRef idx="0"/>
     <cs:effectRef idx="0"/>
     <cs:fontRef idx="minor">
-      <a:schemeClr val="dk1"/>
+      <a:schemeClr val="tx1"/>
     </cs:fontRef>
     <cs:spPr>
       <a:solidFill>
         <a:schemeClr val="lt1"/>
       </a:solidFill>
-      <a:ln w="9525">
+      <a:ln w="9525" cap="flat" cmpd="sng" algn="ctr">
         <a:solidFill>
           <a:schemeClr val="tx1">
-            <a:lumMod val="15000"/>
-            <a:lumOff val="85000"/>
+            <a:lumMod val="65000"/>
+            <a:lumOff val="35000"/>
           </a:schemeClr>
         </a:solidFill>
+        <a:round/>
       </a:ln>
     </cs:spPr>
   </cs:upBar>
@@ -1292,7 +3069,7 @@
           <a:p>
             <a:fld id="{857C8E90-7EDD-4CDC-BF79-D3D421C99482}" type="datetimeFigureOut">
               <a:rPr lang="en-US" smtClean="0"/>
-              <a:t>1/31/2023</a:t>
+              <a:t>2/2/2023</a:t>
             </a:fld>
             <a:endParaRPr lang="en-US"/>
           </a:p>
@@ -1462,7 +3239,7 @@
           <a:p>
             <a:fld id="{857C8E90-7EDD-4CDC-BF79-D3D421C99482}" type="datetimeFigureOut">
               <a:rPr lang="en-US" smtClean="0"/>
-              <a:t>1/31/2023</a:t>
+              <a:t>2/2/2023</a:t>
             </a:fld>
             <a:endParaRPr lang="en-US"/>
           </a:p>
@@ -1642,7 +3419,7 @@
           <a:p>
             <a:fld id="{857C8E90-7EDD-4CDC-BF79-D3D421C99482}" type="datetimeFigureOut">
               <a:rPr lang="en-US" smtClean="0"/>
-              <a:t>1/31/2023</a:t>
+              <a:t>2/2/2023</a:t>
             </a:fld>
             <a:endParaRPr lang="en-US"/>
           </a:p>
@@ -1812,7 +3589,7 @@
           <a:p>
             <a:fld id="{857C8E90-7EDD-4CDC-BF79-D3D421C99482}" type="datetimeFigureOut">
               <a:rPr lang="en-US" smtClean="0"/>
-              <a:t>1/31/2023</a:t>
+              <a:t>2/2/2023</a:t>
             </a:fld>
             <a:endParaRPr lang="en-US"/>
           </a:p>
@@ -2056,7 +3833,7 @@
           <a:p>
             <a:fld id="{857C8E90-7EDD-4CDC-BF79-D3D421C99482}" type="datetimeFigureOut">
               <a:rPr lang="en-US" smtClean="0"/>
-              <a:t>1/31/2023</a:t>
+              <a:t>2/2/2023</a:t>
             </a:fld>
             <a:endParaRPr lang="en-US"/>
           </a:p>
@@ -2288,7 +4065,7 @@
           <a:p>
             <a:fld id="{857C8E90-7EDD-4CDC-BF79-D3D421C99482}" type="datetimeFigureOut">
               <a:rPr lang="en-US" smtClean="0"/>
-              <a:t>1/31/2023</a:t>
+              <a:t>2/2/2023</a:t>
             </a:fld>
             <a:endParaRPr lang="en-US"/>
           </a:p>
@@ -2655,7 +4432,7 @@
           <a:p>
             <a:fld id="{857C8E90-7EDD-4CDC-BF79-D3D421C99482}" type="datetimeFigureOut">
               <a:rPr lang="en-US" smtClean="0"/>
-              <a:t>1/31/2023</a:t>
+              <a:t>2/2/2023</a:t>
             </a:fld>
             <a:endParaRPr lang="en-US"/>
           </a:p>
@@ -2773,7 +4550,7 @@
           <a:p>
             <a:fld id="{857C8E90-7EDD-4CDC-BF79-D3D421C99482}" type="datetimeFigureOut">
               <a:rPr lang="en-US" smtClean="0"/>
-              <a:t>1/31/2023</a:t>
+              <a:t>2/2/2023</a:t>
             </a:fld>
             <a:endParaRPr lang="en-US"/>
           </a:p>
@@ -2868,7 +4645,7 @@
           <a:p>
             <a:fld id="{857C8E90-7EDD-4CDC-BF79-D3D421C99482}" type="datetimeFigureOut">
               <a:rPr lang="en-US" smtClean="0"/>
-              <a:t>1/31/2023</a:t>
+              <a:t>2/2/2023</a:t>
             </a:fld>
             <a:endParaRPr lang="en-US"/>
           </a:p>
@@ -3145,7 +4922,7 @@
           <a:p>
             <a:fld id="{857C8E90-7EDD-4CDC-BF79-D3D421C99482}" type="datetimeFigureOut">
               <a:rPr lang="en-US" smtClean="0"/>
-              <a:t>1/31/2023</a:t>
+              <a:t>2/2/2023</a:t>
             </a:fld>
             <a:endParaRPr lang="en-US"/>
           </a:p>
@@ -3402,7 +5179,7 @@
           <a:p>
             <a:fld id="{857C8E90-7EDD-4CDC-BF79-D3D421C99482}" type="datetimeFigureOut">
               <a:rPr lang="en-US" smtClean="0"/>
-              <a:t>1/31/2023</a:t>
+              <a:t>2/2/2023</a:t>
             </a:fld>
             <a:endParaRPr lang="en-US"/>
           </a:p>
@@ -3615,7 +5392,7 @@
           <a:p>
             <a:fld id="{857C8E90-7EDD-4CDC-BF79-D3D421C99482}" type="datetimeFigureOut">
               <a:rPr lang="en-US" smtClean="0"/>
-              <a:t>1/31/2023</a:t>
+              <a:t>2/2/2023</a:t>
             </a:fld>
             <a:endParaRPr lang="en-US"/>
           </a:p>
@@ -4022,10 +5799,10 @@
       </p:grpSpPr>
       <p:graphicFrame>
         <p:nvGraphicFramePr>
-          <p:cNvPr id="6" name="Chart 5">
+          <p:cNvPr id="3" name="Chart 2">
             <a:extLst>
               <a:ext uri="{FF2B5EF4-FFF2-40B4-BE49-F238E27FC236}">
-                <a16:creationId xmlns:a16="http://schemas.microsoft.com/office/drawing/2014/main" id="{E2768674-80C8-4959-B164-45938DAA579F}"/>
+                <a16:creationId xmlns:a16="http://schemas.microsoft.com/office/drawing/2014/main" id="{765A591D-8846-4E38-87DB-255A0DEBCA1E}"/>
               </a:ext>
             </a:extLst>
           </p:cNvPr>
@@ -4035,7 +5812,7 @@
           <p:nvPr>
             <p:extLst>
               <p:ext uri="{D42A27DB-BD31-4B8C-83A1-F6EECF244321}">
-                <p14:modId xmlns:p14="http://schemas.microsoft.com/office/powerpoint/2010/main" val="3658237936"/>
+                <p14:modId xmlns:p14="http://schemas.microsoft.com/office/powerpoint/2010/main" val="3539474192"/>
               </p:ext>
             </p:extLst>
           </p:nvPr>
@@ -4322,256 +6099,4 @@
     </a:ext>
   </a:extLst>
 </a:theme>
-</file>
-
-<file path=ppt/theme/themeOverride1.xml><?xml version="1.0" encoding="utf-8"?>
-<a:themeOverride xmlns:a="http://schemas.openxmlformats.org/drawingml/2006/main">
-  <a:clrScheme name="Office Theme">
-    <a:dk1>
-      <a:sysClr val="windowText" lastClr="000000"/>
-    </a:dk1>
-    <a:lt1>
-      <a:sysClr val="window" lastClr="FFFFFF"/>
-    </a:lt1>
-    <a:dk2>
-      <a:srgbClr val="44546A"/>
-    </a:dk2>
-    <a:lt2>
-      <a:srgbClr val="E7E6E6"/>
-    </a:lt2>
-    <a:accent1>
-      <a:srgbClr val="4472C4"/>
-    </a:accent1>
-    <a:accent2>
-      <a:srgbClr val="ED7D31"/>
-    </a:accent2>
-    <a:accent3>
-      <a:srgbClr val="A5A5A5"/>
-    </a:accent3>
-    <a:accent4>
-      <a:srgbClr val="FFC000"/>
-    </a:accent4>
-    <a:accent5>
-      <a:srgbClr val="5B9BD5"/>
-    </a:accent5>
-    <a:accent6>
-      <a:srgbClr val="70AD47"/>
-    </a:accent6>
-    <a:hlink>
-      <a:srgbClr val="0563C1"/>
-    </a:hlink>
-    <a:folHlink>
-      <a:srgbClr val="954F72"/>
-    </a:folHlink>
-  </a:clrScheme>
-  <a:fontScheme name="Office Theme">
-    <a:majorFont>
-      <a:latin typeface="Calibri Light" panose="020F0302020204030204"/>
-      <a:ea typeface=""/>
-      <a:cs typeface=""/>
-      <a:font script="Jpan" typeface="游ゴシック Light"/>
-      <a:font script="Hang" typeface="맑은 고딕"/>
-      <a:font script="Hans" typeface="等线 Light"/>
-      <a:font script="Hant" typeface="新細明體"/>
-      <a:font script="Arab" typeface="Times New Roman"/>
-      <a:font script="Hebr" typeface="Times New Roman"/>
-      <a:font script="Thai" typeface="Angsana New"/>
-      <a:font script="Ethi" typeface="Nyala"/>
-      <a:font script="Beng" typeface="Vrinda"/>
-      <a:font script="Gujr" typeface="Shruti"/>
-      <a:font script="Khmr" typeface="MoolBoran"/>
-      <a:font script="Knda" typeface="Tunga"/>
-      <a:font script="Guru" typeface="Raavi"/>
-      <a:font script="Cans" typeface="Euphemia"/>
-      <a:font script="Cher" typeface="Plantagenet Cherokee"/>
-      <a:font script="Yiii" typeface="Microsoft Yi Baiti"/>
-      <a:font script="Tibt" typeface="Microsoft Himalaya"/>
-      <a:font script="Thaa" typeface="MV Boli"/>
-      <a:font script="Deva" typeface="Mangal"/>
-      <a:font script="Telu" typeface="Gautami"/>
-      <a:font script="Taml" typeface="Latha"/>
-      <a:font script="Syrc" typeface="Estrangelo Edessa"/>
-      <a:font script="Orya" typeface="Kalinga"/>
-      <a:font script="Mlym" typeface="Kartika"/>
-      <a:font script="Laoo" typeface="DokChampa"/>
-      <a:font script="Sinh" typeface="Iskoola Pota"/>
-      <a:font script="Mong" typeface="Mongolian Baiti"/>
-      <a:font script="Viet" typeface="Times New Roman"/>
-      <a:font script="Uigh" typeface="Microsoft Uighur"/>
-      <a:font script="Geor" typeface="Sylfaen"/>
-    </a:majorFont>
-    <a:minorFont>
-      <a:latin typeface="Calibri" panose="020F0502020204030204"/>
-      <a:ea typeface=""/>
-      <a:cs typeface=""/>
-      <a:font script="Jpan" typeface="游ゴシック"/>
-      <a:font script="Hang" typeface="맑은 고딕"/>
-      <a:font script="Hans" typeface="等线"/>
-      <a:font script="Hant" typeface="新細明體"/>
-      <a:font script="Arab" typeface="Arial"/>
-      <a:font script="Hebr" typeface="Arial"/>
-      <a:font script="Thai" typeface="Cordia New"/>
-      <a:font script="Ethi" typeface="Nyala"/>
-      <a:font script="Beng" typeface="Vrinda"/>
-      <a:font script="Gujr" typeface="Shruti"/>
-      <a:font script="Khmr" typeface="DaunPenh"/>
-      <a:font script="Knda" typeface="Tunga"/>
-      <a:font script="Guru" typeface="Raavi"/>
-      <a:font script="Cans" typeface="Euphemia"/>
-      <a:font script="Cher" typeface="Plantagenet Cherokee"/>
-      <a:font script="Yiii" typeface="Microsoft Yi Baiti"/>
-      <a:font script="Tibt" typeface="Microsoft Himalaya"/>
-      <a:font script="Thaa" typeface="MV Boli"/>
-      <a:font script="Deva" typeface="Mangal"/>
-      <a:font script="Telu" typeface="Gautami"/>
-      <a:font script="Taml" typeface="Latha"/>
-      <a:font script="Syrc" typeface="Estrangelo Edessa"/>
-      <a:font script="Orya" typeface="Kalinga"/>
-      <a:font script="Mlym" typeface="Kartika"/>
-      <a:font script="Laoo" typeface="DokChampa"/>
-      <a:font script="Sinh" typeface="Iskoola Pota"/>
-      <a:font script="Mong" typeface="Mongolian Baiti"/>
-      <a:font script="Viet" typeface="Arial"/>
-      <a:font script="Uigh" typeface="Microsoft Uighur"/>
-      <a:font script="Geor" typeface="Sylfaen"/>
-    </a:minorFont>
-  </a:fontScheme>
-  <a:fmtScheme name="Office Theme">
-    <a:fillStyleLst>
-      <a:solidFill>
-        <a:schemeClr val="phClr"/>
-      </a:solidFill>
-      <a:gradFill rotWithShape="1">
-        <a:gsLst>
-          <a:gs pos="0">
-            <a:schemeClr val="phClr">
-              <a:lumMod val="110000"/>
-              <a:satMod val="105000"/>
-              <a:tint val="67000"/>
-            </a:schemeClr>
-          </a:gs>
-          <a:gs pos="50000">
-            <a:schemeClr val="phClr">
-              <a:lumMod val="105000"/>
-              <a:satMod val="103000"/>
-              <a:tint val="73000"/>
-            </a:schemeClr>
-          </a:gs>
-          <a:gs pos="100000">
-            <a:schemeClr val="phClr">
-              <a:lumMod val="105000"/>
-              <a:satMod val="109000"/>
-              <a:tint val="81000"/>
-            </a:schemeClr>
-          </a:gs>
-        </a:gsLst>
-        <a:lin ang="5400000" scaled="0"/>
-      </a:gradFill>
-      <a:gradFill rotWithShape="1">
-        <a:gsLst>
-          <a:gs pos="0">
-            <a:schemeClr val="phClr">
-              <a:satMod val="103000"/>
-              <a:lumMod val="102000"/>
-              <a:tint val="94000"/>
-            </a:schemeClr>
-          </a:gs>
-          <a:gs pos="50000">
-            <a:schemeClr val="phClr">
-              <a:satMod val="110000"/>
-              <a:lumMod val="100000"/>
-              <a:shade val="100000"/>
-            </a:schemeClr>
-          </a:gs>
-          <a:gs pos="100000">
-            <a:schemeClr val="phClr">
-              <a:lumMod val="99000"/>
-              <a:satMod val="120000"/>
-              <a:shade val="78000"/>
-            </a:schemeClr>
-          </a:gs>
-        </a:gsLst>
-        <a:lin ang="5400000" scaled="0"/>
-      </a:gradFill>
-    </a:fillStyleLst>
-    <a:lnStyleLst>
-      <a:ln w="6350" cap="flat" cmpd="sng" algn="ctr">
-        <a:solidFill>
-          <a:schemeClr val="phClr"/>
-        </a:solidFill>
-        <a:prstDash val="solid"/>
-        <a:miter lim="800000"/>
-      </a:ln>
-      <a:ln w="12700" cap="flat" cmpd="sng" algn="ctr">
-        <a:solidFill>
-          <a:schemeClr val="phClr"/>
-        </a:solidFill>
-        <a:prstDash val="solid"/>
-        <a:miter lim="800000"/>
-      </a:ln>
-      <a:ln w="19050" cap="flat" cmpd="sng" algn="ctr">
-        <a:solidFill>
-          <a:schemeClr val="phClr"/>
-        </a:solidFill>
-        <a:prstDash val="solid"/>
-        <a:miter lim="800000"/>
-      </a:ln>
-    </a:lnStyleLst>
-    <a:effectStyleLst>
-      <a:effectStyle>
-        <a:effectLst/>
-      </a:effectStyle>
-      <a:effectStyle>
-        <a:effectLst/>
-      </a:effectStyle>
-      <a:effectStyle>
-        <a:effectLst>
-          <a:outerShdw blurRad="57150" dist="19050" dir="5400000" algn="ctr" rotWithShape="0">
-            <a:srgbClr val="000000">
-              <a:alpha val="63000"/>
-            </a:srgbClr>
-          </a:outerShdw>
-        </a:effectLst>
-      </a:effectStyle>
-    </a:effectStyleLst>
-    <a:bgFillStyleLst>
-      <a:solidFill>
-        <a:schemeClr val="phClr"/>
-      </a:solidFill>
-      <a:solidFill>
-        <a:schemeClr val="phClr">
-          <a:tint val="95000"/>
-          <a:satMod val="170000"/>
-        </a:schemeClr>
-      </a:solidFill>
-      <a:gradFill rotWithShape="1">
-        <a:gsLst>
-          <a:gs pos="0">
-            <a:schemeClr val="phClr">
-              <a:tint val="93000"/>
-              <a:satMod val="150000"/>
-              <a:shade val="98000"/>
-              <a:lumMod val="102000"/>
-            </a:schemeClr>
-          </a:gs>
-          <a:gs pos="50000">
-            <a:schemeClr val="phClr">
-              <a:tint val="98000"/>
-              <a:satMod val="130000"/>
-              <a:shade val="90000"/>
-              <a:lumMod val="103000"/>
-            </a:schemeClr>
-          </a:gs>
-          <a:gs pos="100000">
-            <a:schemeClr val="phClr">
-              <a:shade val="63000"/>
-              <a:satMod val="120000"/>
-            </a:schemeClr>
-          </a:gs>
-        </a:gsLst>
-        <a:lin ang="5400000" scaled="0"/>
-      </a:gradFill>
-    </a:bgFillStyleLst>
-  </a:fmtScheme>
-</a:themeOverride>
 </file>
--- a/results/images/predicted_categories_attendance.pptx
+++ b/results/images/predicted_categories_attendance.pptx
@@ -1,19 +1,19 @@
 
 <file path=ppt/presentation.xml><?xml version="1.0" encoding="utf-8"?>
-<p:presentation xmlns:a="http://schemas.openxmlformats.org/drawingml/2006/main" xmlns:r="http://schemas.openxmlformats.org/officeDocument/2006/relationships" xmlns:p="http://schemas.openxmlformats.org/presentationml/2006/main" saveSubsetFonts="1">
+<p:presentation xmlns:a="http://schemas.openxmlformats.org/drawingml/2006/main" xmlns:r="http://schemas.openxmlformats.org/officeDocument/2006/relationships" xmlns:p="http://schemas.openxmlformats.org/presentationml/2006/main" saveSubsetFonts="1" autoCompressPictures="0">
   <p:sldMasterIdLst>
-    <p:sldMasterId id="2147483684" r:id="rId1"/>
+    <p:sldMasterId id="2147483648" r:id="rId1"/>
   </p:sldMasterIdLst>
   <p:sldIdLst>
     <p:sldId id="256" r:id="rId2"/>
   </p:sldIdLst>
-  <p:sldSz cx="9144000" cy="6400800"/>
+  <p:sldSz cx="12192000" cy="6858000"/>
   <p:notesSz cx="6858000" cy="9144000"/>
   <p:defaultTextStyle>
     <a:defPPr>
       <a:defRPr lang="en-US"/>
     </a:defPPr>
-    <a:lvl1pPr marL="0" algn="l" defTabSz="457200" rtl="0" eaLnBrk="1" latinLnBrk="0" hangingPunct="1">
+    <a:lvl1pPr marL="0" algn="l" defTabSz="914400" rtl="0" eaLnBrk="1" latinLnBrk="0" hangingPunct="1">
       <a:defRPr sz="1800" kern="1200">
         <a:solidFill>
           <a:schemeClr val="tx1"/>
@@ -23,7 +23,7 @@
         <a:cs typeface="+mn-cs"/>
       </a:defRPr>
     </a:lvl1pPr>
-    <a:lvl2pPr marL="457200" algn="l" defTabSz="457200" rtl="0" eaLnBrk="1" latinLnBrk="0" hangingPunct="1">
+    <a:lvl2pPr marL="457200" algn="l" defTabSz="914400" rtl="0" eaLnBrk="1" latinLnBrk="0" hangingPunct="1">
       <a:defRPr sz="1800" kern="1200">
         <a:solidFill>
           <a:schemeClr val="tx1"/>
@@ -33,7 +33,7 @@
         <a:cs typeface="+mn-cs"/>
       </a:defRPr>
     </a:lvl2pPr>
-    <a:lvl3pPr marL="914400" algn="l" defTabSz="457200" rtl="0" eaLnBrk="1" latinLnBrk="0" hangingPunct="1">
+    <a:lvl3pPr marL="914400" algn="l" defTabSz="914400" rtl="0" eaLnBrk="1" latinLnBrk="0" hangingPunct="1">
       <a:defRPr sz="1800" kern="1200">
         <a:solidFill>
           <a:schemeClr val="tx1"/>
@@ -43,7 +43,7 @@
         <a:cs typeface="+mn-cs"/>
       </a:defRPr>
     </a:lvl3pPr>
-    <a:lvl4pPr marL="1371600" algn="l" defTabSz="457200" rtl="0" eaLnBrk="1" latinLnBrk="0" hangingPunct="1">
+    <a:lvl4pPr marL="1371600" algn="l" defTabSz="914400" rtl="0" eaLnBrk="1" latinLnBrk="0" hangingPunct="1">
       <a:defRPr sz="1800" kern="1200">
         <a:solidFill>
           <a:schemeClr val="tx1"/>
@@ -53,7 +53,7 @@
         <a:cs typeface="+mn-cs"/>
       </a:defRPr>
     </a:lvl4pPr>
-    <a:lvl5pPr marL="1828800" algn="l" defTabSz="457200" rtl="0" eaLnBrk="1" latinLnBrk="0" hangingPunct="1">
+    <a:lvl5pPr marL="1828800" algn="l" defTabSz="914400" rtl="0" eaLnBrk="1" latinLnBrk="0" hangingPunct="1">
       <a:defRPr sz="1800" kern="1200">
         <a:solidFill>
           <a:schemeClr val="tx1"/>
@@ -63,7 +63,7 @@
         <a:cs typeface="+mn-cs"/>
       </a:defRPr>
     </a:lvl5pPr>
-    <a:lvl6pPr marL="2286000" algn="l" defTabSz="457200" rtl="0" eaLnBrk="1" latinLnBrk="0" hangingPunct="1">
+    <a:lvl6pPr marL="2286000" algn="l" defTabSz="914400" rtl="0" eaLnBrk="1" latinLnBrk="0" hangingPunct="1">
       <a:defRPr sz="1800" kern="1200">
         <a:solidFill>
           <a:schemeClr val="tx1"/>
@@ -73,7 +73,7 @@
         <a:cs typeface="+mn-cs"/>
       </a:defRPr>
     </a:lvl6pPr>
-    <a:lvl7pPr marL="2743200" algn="l" defTabSz="457200" rtl="0" eaLnBrk="1" latinLnBrk="0" hangingPunct="1">
+    <a:lvl7pPr marL="2743200" algn="l" defTabSz="914400" rtl="0" eaLnBrk="1" latinLnBrk="0" hangingPunct="1">
       <a:defRPr sz="1800" kern="1200">
         <a:solidFill>
           <a:schemeClr val="tx1"/>
@@ -83,7 +83,7 @@
         <a:cs typeface="+mn-cs"/>
       </a:defRPr>
     </a:lvl7pPr>
-    <a:lvl8pPr marL="3200400" algn="l" defTabSz="457200" rtl="0" eaLnBrk="1" latinLnBrk="0" hangingPunct="1">
+    <a:lvl8pPr marL="3200400" algn="l" defTabSz="914400" rtl="0" eaLnBrk="1" latinLnBrk="0" hangingPunct="1">
       <a:defRPr sz="1800" kern="1200">
         <a:solidFill>
           <a:schemeClr val="tx1"/>
@@ -93,7 +93,7 @@
         <a:cs typeface="+mn-cs"/>
       </a:defRPr>
     </a:lvl8pPr>
-    <a:lvl9pPr marL="3657600" algn="l" defTabSz="457200" rtl="0" eaLnBrk="1" latinLnBrk="0" hangingPunct="1">
+    <a:lvl9pPr marL="3657600" algn="l" defTabSz="914400" rtl="0" eaLnBrk="1" latinLnBrk="0" hangingPunct="1">
       <a:defRPr sz="1800" kern="1200">
         <a:solidFill>
           <a:schemeClr val="tx1"/>
@@ -104,11 +104,6 @@
       </a:defRPr>
     </a:lvl9pPr>
   </p:defaultTextStyle>
-  <p:extLst>
-    <p:ext uri="{EFAFB233-063F-42B5-8137-9DF3F51BA10A}">
-      <p15:sldGuideLst xmlns:p15="http://schemas.microsoft.com/office/powerpoint/2012/main"/>
-    </p:ext>
-  </p:extLst>
 </p:presentation>
 </file>
 
@@ -125,64 +120,80 @@
       <c:style val="2"/>
     </mc:Fallback>
   </mc:AlternateContent>
-  <c:clrMapOvr bg1="lt1" tx1="dk1" bg2="lt2" tx2="dk2" accent1="accent1" accent2="accent2" accent3="accent3" accent4="accent4" accent5="accent5" accent6="accent6" hlink="hlink" folHlink="folHlink"/>
   <c:chart>
     <c:autoTitleDeleted val="1"/>
     <c:plotArea>
-      <c:layout/>
+      <c:layout>
+        <c:manualLayout>
+          <c:layoutTarget val="inner"/>
+          <c:xMode val="edge"/>
+          <c:yMode val="edge"/>
+          <c:x val="4.6294740540799538E-2"/>
+          <c:y val="0.19479469361970941"/>
+          <c:w val="0.93585536087907872"/>
+          <c:h val="0.68878487472704575"/>
+        </c:manualLayout>
+      </c:layout>
       <c:barChart>
         <c:barDir val="col"/>
-        <c:grouping val="clustered"/>
+        <c:grouping val="stacked"/>
         <c:varyColors val="0"/>
         <c:ser>
           <c:idx val="0"/>
           <c:order val="0"/>
           <c:tx>
             <c:strRef>
-              <c:f>'Meet the categories'!$C$5:$D$5</c:f>
+              <c:f>'Meet the categories - New'!$B$23</c:f>
               <c:strCache>
-                <c:ptCount val="2"/>
+                <c:ptCount val="1"/>
                 <c:pt idx="0">
-                  <c:v>Amount</c:v>
+                  <c:v>Choose a Task</c:v>
                 </c:pt>
               </c:strCache>
             </c:strRef>
           </c:tx>
           <c:spPr>
-            <a:solidFill>
-              <a:srgbClr val="70AD47"/>
-            </a:solidFill>
+            <a:pattFill prst="wdUpDiag">
+              <a:fgClr>
+                <a:schemeClr val="tx1"/>
+              </a:fgClr>
+              <a:bgClr>
+                <a:schemeClr val="accent1"/>
+              </a:bgClr>
+            </a:pattFill>
             <a:ln>
-              <a:noFill/>
+              <a:solidFill>
+                <a:schemeClr val="tx1"/>
+              </a:solidFill>
             </a:ln>
             <a:effectLst/>
           </c:spPr>
           <c:invertIfNegative val="0"/>
+          <c:dLbls>
+            <c:delete val="1"/>
+          </c:dLbls>
           <c:cat>
             <c:numRef>
-              <c:f>'Meet the categories'!$E$4:$K$4</c:f>
+              <c:f>'Meet the categories - New'!$C$22:$H$22</c:f>
               <c:numCache>
                 <c:formatCode>General</c:formatCode>
-                <c:ptCount val="7"/>
+                <c:ptCount val="6"/>
                 <c:pt idx="0">
-                  <c:v>0</c:v>
+                  <c:v>1</c:v>
                 </c:pt>
                 <c:pt idx="1">
-                  <c:v>1</c:v>
+                  <c:v>2</c:v>
                 </c:pt>
                 <c:pt idx="2">
-                  <c:v>2</c:v>
+                  <c:v>3</c:v>
                 </c:pt>
                 <c:pt idx="3">
-                  <c:v>3</c:v>
+                  <c:v>4</c:v>
                 </c:pt>
                 <c:pt idx="4">
-                  <c:v>4</c:v>
+                  <c:v>5</c:v>
                 </c:pt>
                 <c:pt idx="5">
-                  <c:v>5</c:v>
-                </c:pt>
-                <c:pt idx="6">
                   <c:v>6</c:v>
                 </c:pt>
               </c:numCache>
@@ -190,108 +201,302 @@
           </c:cat>
           <c:val>
             <c:numRef>
-              <c:f>'Meet the categories'!$E$5:$K$5</c:f>
+              <c:f>'Meet the categories - New'!$C$23:$H$23</c:f>
               <c:numCache>
-                <c:formatCode>General</c:formatCode>
-                <c:ptCount val="7"/>
+                <c:formatCode>0</c:formatCode>
+                <c:ptCount val="6"/>
                 <c:pt idx="0">
-                  <c:v>14</c:v>
+                  <c:v>0</c:v>
                 </c:pt>
                 <c:pt idx="1">
-                  <c:v>165</c:v>
-                </c:pt>
-                <c:pt idx="2" formatCode="0">
-                  <c:v>411</c:v>
-                </c:pt>
-                <c:pt idx="3" formatCode="0">
-                  <c:v>603</c:v>
+                  <c:v>3.5</c:v>
+                </c:pt>
+                <c:pt idx="2">
+                  <c:v>9.3333333333333339</c:v>
+                </c:pt>
+                <c:pt idx="3">
+                  <c:v>24.25</c:v>
                 </c:pt>
                 <c:pt idx="4">
-                  <c:v>729</c:v>
-                </c:pt>
-                <c:pt idx="5" formatCode="0">
-                  <c:v>287</c:v>
-                </c:pt>
-                <c:pt idx="6">
-                  <c:v>65</c:v>
+                  <c:v>27.2</c:v>
+                </c:pt>
+                <c:pt idx="5">
+                  <c:v>10.833333333333334</c:v>
                 </c:pt>
               </c:numCache>
             </c:numRef>
           </c:val>
           <c:extLst>
             <c:ext xmlns:c16="http://schemas.microsoft.com/office/drawing/2014/chart" uri="{C3380CC4-5D6E-409C-BE32-E72D297353CC}">
-              <c16:uniqueId val="{00000000-7710-44D8-9AF8-94AA77F40688}"/>
+              <c16:uniqueId val="{00000000-01AC-124A-97D3-E38E639AB827}"/>
             </c:ext>
           </c:extLst>
         </c:ser>
-        <c:dLbls>
-          <c:showLegendKey val="0"/>
-          <c:showVal val="0"/>
-          <c:showCatName val="0"/>
-          <c:showSerName val="0"/>
-          <c:showPercent val="0"/>
-          <c:showBubbleSize val="0"/>
-        </c:dLbls>
-        <c:gapWidth val="100"/>
-        <c:overlap val="-27"/>
-        <c:axId val="1769513375"/>
-        <c:axId val="1339442863"/>
-      </c:barChart>
-      <c:lineChart>
-        <c:grouping val="standard"/>
-        <c:varyColors val="0"/>
         <c:ser>
           <c:idx val="1"/>
           <c:order val="1"/>
           <c:tx>
             <c:strRef>
-              <c:f>'Meet the categories'!$C$6:$D$6</c:f>
+              <c:f>'Meet the categories - New'!$B$24</c:f>
               <c:strCache>
-                <c:ptCount val="2"/>
+                <c:ptCount val="1"/>
                 <c:pt idx="0">
-                  <c:v>Average</c:v>
+                  <c:v>Talk to the Community</c:v>
                 </c:pt>
               </c:strCache>
             </c:strRef>
           </c:tx>
           <c:spPr>
-            <a:ln w="76200" cap="rnd">
+            <a:pattFill prst="ltHorz">
+              <a:fgClr>
+                <a:schemeClr val="tx1"/>
+              </a:fgClr>
+              <a:bgClr>
+                <a:srgbClr val="BD3725"/>
+              </a:bgClr>
+            </a:pattFill>
+            <a:ln>
               <a:solidFill>
                 <a:schemeClr val="tx1"/>
               </a:solidFill>
-              <a:prstDash val="dash"/>
-              <a:round/>
             </a:ln>
             <a:effectLst/>
           </c:spPr>
-          <c:marker>
-            <c:symbol val="none"/>
-          </c:marker>
+          <c:invertIfNegative val="0"/>
+          <c:dLbls>
+            <c:dLbl>
+              <c:idx val="0"/>
+              <c:delete val="1"/>
+              <c:extLst>
+                <c:ext xmlns:c15="http://schemas.microsoft.com/office/drawing/2012/chart" uri="{CE6537A1-D6FC-4f65-9D91-7224C49458BB}"/>
+                <c:ext xmlns:c16="http://schemas.microsoft.com/office/drawing/2014/chart" uri="{C3380CC4-5D6E-409C-BE32-E72D297353CC}">
+                  <c16:uniqueId val="{00000001-01AC-124A-97D3-E38E639AB827}"/>
+                </c:ext>
+              </c:extLst>
+            </c:dLbl>
+            <c:dLbl>
+              <c:idx val="1"/>
+              <c:tx>
+                <c:rich>
+                  <a:bodyPr/>
+                  <a:lstStyle/>
+                  <a:p>
+                    <a:fld id="{1E07EDC1-F74B-6C48-9309-B8C5C6E3FE32}" type="CELLRANGE">
+                      <a:rPr lang="en-US"/>
+                      <a:pPr/>
+                      <a:t>[CELLRANGE]</a:t>
+                    </a:fld>
+                    <a:endParaRPr lang="en-US"/>
+                  </a:p>
+                </c:rich>
+              </c:tx>
+              <c:dLblPos val="ctr"/>
+              <c:showLegendKey val="0"/>
+              <c:showVal val="0"/>
+              <c:showCatName val="0"/>
+              <c:showSerName val="0"/>
+              <c:showPercent val="0"/>
+              <c:showBubbleSize val="0"/>
+              <c:extLst>
+                <c:ext xmlns:c15="http://schemas.microsoft.com/office/drawing/2012/chart" uri="{CE6537A1-D6FC-4f65-9D91-7224C49458BB}">
+                  <c15:dlblFieldTable/>
+                  <c15:xForSave val="1"/>
+                  <c15:showDataLabelsRange val="1"/>
+                </c:ext>
+                <c:ext xmlns:c16="http://schemas.microsoft.com/office/drawing/2014/chart" uri="{C3380CC4-5D6E-409C-BE32-E72D297353CC}">
+                  <c16:uniqueId val="{00000002-01AC-124A-97D3-E38E639AB827}"/>
+                </c:ext>
+              </c:extLst>
+            </c:dLbl>
+            <c:dLbl>
+              <c:idx val="2"/>
+              <c:tx>
+                <c:rich>
+                  <a:bodyPr/>
+                  <a:lstStyle/>
+                  <a:p>
+                    <a:fld id="{1826D6B1-2578-F847-9311-B95EBD8C577D}" type="CELLRANGE">
+                      <a:rPr lang="en-US"/>
+                      <a:pPr/>
+                      <a:t>[CELLRANGE]</a:t>
+                    </a:fld>
+                    <a:endParaRPr lang="en-US"/>
+                  </a:p>
+                </c:rich>
+              </c:tx>
+              <c:dLblPos val="ctr"/>
+              <c:showLegendKey val="0"/>
+              <c:showVal val="0"/>
+              <c:showCatName val="0"/>
+              <c:showSerName val="0"/>
+              <c:showPercent val="0"/>
+              <c:showBubbleSize val="0"/>
+              <c:extLst>
+                <c:ext xmlns:c15="http://schemas.microsoft.com/office/drawing/2012/chart" uri="{CE6537A1-D6FC-4f65-9D91-7224C49458BB}">
+                  <c15:dlblFieldTable/>
+                  <c15:xForSave val="1"/>
+                  <c15:showDataLabelsRange val="1"/>
+                </c:ext>
+                <c:ext xmlns:c16="http://schemas.microsoft.com/office/drawing/2014/chart" uri="{C3380CC4-5D6E-409C-BE32-E72D297353CC}">
+                  <c16:uniqueId val="{00000003-01AC-124A-97D3-E38E639AB827}"/>
+                </c:ext>
+              </c:extLst>
+            </c:dLbl>
+            <c:dLbl>
+              <c:idx val="3"/>
+              <c:tx>
+                <c:rich>
+                  <a:bodyPr/>
+                  <a:lstStyle/>
+                  <a:p>
+                    <a:fld id="{7D49443A-C6EA-A240-ABED-A41F5261E6BD}" type="CELLRANGE">
+                      <a:rPr lang="en-US"/>
+                      <a:pPr/>
+                      <a:t>[CELLRANGE]</a:t>
+                    </a:fld>
+                    <a:endParaRPr lang="en-US"/>
+                  </a:p>
+                </c:rich>
+              </c:tx>
+              <c:dLblPos val="ctr"/>
+              <c:showLegendKey val="0"/>
+              <c:showVal val="0"/>
+              <c:showCatName val="0"/>
+              <c:showSerName val="0"/>
+              <c:showPercent val="0"/>
+              <c:showBubbleSize val="0"/>
+              <c:extLst>
+                <c:ext xmlns:c15="http://schemas.microsoft.com/office/drawing/2012/chart" uri="{CE6537A1-D6FC-4f65-9D91-7224C49458BB}">
+                  <c15:dlblFieldTable/>
+                  <c15:xForSave val="1"/>
+                  <c15:showDataLabelsRange val="1"/>
+                </c:ext>
+                <c:ext xmlns:c16="http://schemas.microsoft.com/office/drawing/2014/chart" uri="{C3380CC4-5D6E-409C-BE32-E72D297353CC}">
+                  <c16:uniqueId val="{00000004-01AC-124A-97D3-E38E639AB827}"/>
+                </c:ext>
+              </c:extLst>
+            </c:dLbl>
+            <c:dLbl>
+              <c:idx val="4"/>
+              <c:tx>
+                <c:rich>
+                  <a:bodyPr/>
+                  <a:lstStyle/>
+                  <a:p>
+                    <a:fld id="{FAE6BE1B-509B-8544-BD5B-61AC22D18467}" type="CELLRANGE">
+                      <a:rPr lang="en-US"/>
+                      <a:pPr/>
+                      <a:t>[CELLRANGE]</a:t>
+                    </a:fld>
+                    <a:endParaRPr lang="en-US"/>
+                  </a:p>
+                </c:rich>
+              </c:tx>
+              <c:dLblPos val="ctr"/>
+              <c:showLegendKey val="0"/>
+              <c:showVal val="0"/>
+              <c:showCatName val="0"/>
+              <c:showSerName val="0"/>
+              <c:showPercent val="0"/>
+              <c:showBubbleSize val="0"/>
+              <c:extLst>
+                <c:ext xmlns:c15="http://schemas.microsoft.com/office/drawing/2012/chart" uri="{CE6537A1-D6FC-4f65-9D91-7224C49458BB}">
+                  <c15:dlblFieldTable/>
+                  <c15:xForSave val="1"/>
+                  <c15:showDataLabelsRange val="1"/>
+                </c:ext>
+                <c:ext xmlns:c16="http://schemas.microsoft.com/office/drawing/2014/chart" uri="{C3380CC4-5D6E-409C-BE32-E72D297353CC}">
+                  <c16:uniqueId val="{00000005-01AC-124A-97D3-E38E639AB827}"/>
+                </c:ext>
+              </c:extLst>
+            </c:dLbl>
+            <c:dLbl>
+              <c:idx val="5"/>
+              <c:delete val="1"/>
+              <c:extLst>
+                <c:ext xmlns:c15="http://schemas.microsoft.com/office/drawing/2012/chart" uri="{CE6537A1-D6FC-4f65-9D91-7224C49458BB}"/>
+                <c:ext xmlns:c16="http://schemas.microsoft.com/office/drawing/2014/chart" uri="{C3380CC4-5D6E-409C-BE32-E72D297353CC}">
+                  <c16:uniqueId val="{00000006-01AC-124A-97D3-E38E639AB827}"/>
+                </c:ext>
+              </c:extLst>
+            </c:dLbl>
+            <c:spPr>
+              <a:noFill/>
+              <a:ln>
+                <a:noFill/>
+              </a:ln>
+              <a:effectLst/>
+            </c:spPr>
+            <c:txPr>
+              <a:bodyPr rot="0" spcFirstLastPara="1" vertOverflow="ellipsis" vert="horz" wrap="square" lIns="38100" tIns="19050" rIns="38100" bIns="19050" anchor="ctr" anchorCtr="1">
+                <a:spAutoFit/>
+              </a:bodyPr>
+              <a:lstStyle/>
+              <a:p>
+                <a:pPr>
+                  <a:defRPr sz="1400" b="1" i="0" u="none" strike="noStrike" kern="1200" baseline="0">
+                    <a:solidFill>
+                      <a:schemeClr val="bg1"/>
+                    </a:solidFill>
+                    <a:latin typeface="+mn-lt"/>
+                    <a:ea typeface="+mn-ea"/>
+                    <a:cs typeface="+mn-cs"/>
+                  </a:defRPr>
+                </a:pPr>
+                <a:endParaRPr lang="en-US"/>
+              </a:p>
+            </c:txPr>
+            <c:dLblPos val="ctr"/>
+            <c:showLegendKey val="0"/>
+            <c:showVal val="0"/>
+            <c:showCatName val="0"/>
+            <c:showSerName val="0"/>
+            <c:showPercent val="0"/>
+            <c:showBubbleSize val="0"/>
+            <c:showLeaderLines val="0"/>
+            <c:extLst>
+              <c:ext xmlns:c15="http://schemas.microsoft.com/office/drawing/2012/chart" uri="{CE6537A1-D6FC-4f65-9D91-7224C49458BB}">
+                <c15:showDataLabelsRange val="1"/>
+                <c15:showLeaderLines val="1"/>
+                <c15:leaderLines>
+                  <c:spPr>
+                    <a:ln w="9525" cap="flat" cmpd="sng" algn="ctr">
+                      <a:solidFill>
+                        <a:schemeClr val="tx1">
+                          <a:lumMod val="35000"/>
+                          <a:lumOff val="65000"/>
+                        </a:schemeClr>
+                      </a:solidFill>
+                      <a:round/>
+                    </a:ln>
+                    <a:effectLst/>
+                  </c:spPr>
+                </c15:leaderLines>
+              </c:ext>
+            </c:extLst>
+          </c:dLbls>
           <c:cat>
             <c:numRef>
-              <c:f>'Meet the categories'!$E$4:$K$4</c:f>
+              <c:f>'Meet the categories - New'!$C$22:$H$22</c:f>
               <c:numCache>
                 <c:formatCode>General</c:formatCode>
-                <c:ptCount val="7"/>
+                <c:ptCount val="6"/>
                 <c:pt idx="0">
-                  <c:v>0</c:v>
+                  <c:v>1</c:v>
                 </c:pt>
                 <c:pt idx="1">
-                  <c:v>1</c:v>
+                  <c:v>2</c:v>
                 </c:pt>
                 <c:pt idx="2">
-                  <c:v>2</c:v>
+                  <c:v>3</c:v>
                 </c:pt>
                 <c:pt idx="3">
-                  <c:v>3</c:v>
+                  <c:v>4</c:v>
                 </c:pt>
                 <c:pt idx="4">
-                  <c:v>4</c:v>
+                  <c:v>5</c:v>
                 </c:pt>
                 <c:pt idx="5">
-                  <c:v>5</c:v>
-                </c:pt>
-                <c:pt idx="6">
                   <c:v>6</c:v>
                 </c:pt>
               </c:numCache>
@@ -299,69 +504,595 @@
           </c:cat>
           <c:val>
             <c:numRef>
-              <c:f>'Meet the categories'!$E$6:$K$6</c:f>
+              <c:f>'Meet the categories - New'!$C$24:$H$24</c:f>
               <c:numCache>
                 <c:formatCode>0</c:formatCode>
-                <c:ptCount val="7"/>
+                <c:ptCount val="6"/>
                 <c:pt idx="0">
-                  <c:v>324.85714285714283</c:v>
+                  <c:v>3</c:v>
                 </c:pt>
                 <c:pt idx="1">
-                  <c:v>324.85714285714283</c:v>
+                  <c:v>21.5</c:v>
                 </c:pt>
                 <c:pt idx="2">
-                  <c:v>324.85714285714283</c:v>
+                  <c:v>23</c:v>
                 </c:pt>
                 <c:pt idx="3">
-                  <c:v>324.85714285714283</c:v>
+                  <c:v>40.75</c:v>
                 </c:pt>
                 <c:pt idx="4">
-                  <c:v>324.85714285714283</c:v>
+                  <c:v>37.799999999999997</c:v>
                 </c:pt>
                 <c:pt idx="5">
-                  <c:v>324.85714285714283</c:v>
-                </c:pt>
-                <c:pt idx="6">
-                  <c:v>324.85714285714283</c:v>
+                  <c:v>10.833333333333334</c:v>
                 </c:pt>
               </c:numCache>
             </c:numRef>
           </c:val>
-          <c:smooth val="0"/>
           <c:extLst>
+            <c:ext xmlns:c15="http://schemas.microsoft.com/office/drawing/2012/chart" uri="{02D57815-91ED-43cb-92C2-25804820EDAC}">
+              <c15:datalabelsRange>
+                <c15:f>'Meet the categories - New'!$C$16:$H$16</c15:f>
+                <c15:dlblRangeCache>
+                  <c:ptCount val="6"/>
+                  <c:pt idx="0">
+                    <c:v>2%</c:v>
+                  </c:pt>
+                  <c:pt idx="1">
+                    <c:v>5%</c:v>
+                  </c:pt>
+                  <c:pt idx="2">
+                    <c:v>4%</c:v>
+                  </c:pt>
+                  <c:pt idx="3">
+                    <c:v>6%</c:v>
+                  </c:pt>
+                  <c:pt idx="4">
+                    <c:v>13%</c:v>
+                  </c:pt>
+                  <c:pt idx="5">
+                    <c:v>17%</c:v>
+                  </c:pt>
+                </c15:dlblRangeCache>
+              </c15:datalabelsRange>
+            </c:ext>
             <c:ext xmlns:c16="http://schemas.microsoft.com/office/drawing/2014/chart" uri="{C3380CC4-5D6E-409C-BE32-E72D297353CC}">
-              <c16:uniqueId val="{00000001-7710-44D8-9AF8-94AA77F40688}"/>
+              <c16:uniqueId val="{00000007-01AC-124A-97D3-E38E639AB827}"/>
             </c:ext>
           </c:extLst>
         </c:ser>
-        <c:dLbls>
-          <c:showLegendKey val="0"/>
-          <c:showVal val="0"/>
-          <c:showCatName val="0"/>
-          <c:showSerName val="0"/>
-          <c:showPercent val="0"/>
-          <c:showBubbleSize val="0"/>
-        </c:dLbls>
-        <c:marker val="1"/>
-        <c:smooth val="0"/>
-        <c:axId val="1769513375"/>
-        <c:axId val="1339442863"/>
-      </c:lineChart>
-      <c:catAx>
-        <c:axId val="1769513375"/>
-        <c:scaling>
-          <c:orientation val="minMax"/>
-        </c:scaling>
-        <c:delete val="0"/>
-        <c:axPos val="b"/>
-        <c:title>
+        <c:ser>
+          <c:idx val="2"/>
+          <c:order val="2"/>
           <c:tx>
-            <c:rich>
-              <a:bodyPr rot="0" spcFirstLastPara="1" vertOverflow="ellipsis" vert="horz" wrap="square" anchor="ctr" anchorCtr="1"/>
+            <c:strRef>
+              <c:f>'Meet the categories - New'!$B$25</c:f>
+              <c:strCache>
+                <c:ptCount val="1"/>
+                <c:pt idx="0">
+                  <c:v>Contribution Flow</c:v>
+                </c:pt>
+              </c:strCache>
+            </c:strRef>
+          </c:tx>
+          <c:spPr>
+            <a:pattFill prst="ltVert">
+              <a:fgClr>
+                <a:schemeClr val="tx1"/>
+              </a:fgClr>
+              <a:bgClr>
+                <a:srgbClr val="9966FF"/>
+              </a:bgClr>
+            </a:pattFill>
+            <a:ln>
+              <a:solidFill>
+                <a:schemeClr val="tx1"/>
+              </a:solidFill>
+            </a:ln>
+            <a:effectLst/>
+          </c:spPr>
+          <c:invertIfNegative val="0"/>
+          <c:dLbls>
+            <c:dLbl>
+              <c:idx val="0"/>
+              <c:delete val="1"/>
+              <c:extLst>
+                <c:ext xmlns:c15="http://schemas.microsoft.com/office/drawing/2012/chart" uri="{CE6537A1-D6FC-4f65-9D91-7224C49458BB}"/>
+                <c:ext xmlns:c16="http://schemas.microsoft.com/office/drawing/2014/chart" uri="{C3380CC4-5D6E-409C-BE32-E72D297353CC}">
+                  <c16:uniqueId val="{00000008-01AC-124A-97D3-E38E639AB827}"/>
+                </c:ext>
+              </c:extLst>
+            </c:dLbl>
+            <c:dLbl>
+              <c:idx val="1"/>
+              <c:tx>
+                <c:rich>
+                  <a:bodyPr/>
+                  <a:lstStyle/>
+                  <a:p>
+                    <a:fld id="{34B2F041-E69D-744A-AE68-6493D4FFF799}" type="CELLRANGE">
+                      <a:rPr lang="en-US"/>
+                      <a:pPr/>
+                      <a:t>[CELLRANGE]</a:t>
+                    </a:fld>
+                    <a:endParaRPr lang="en-US"/>
+                  </a:p>
+                </c:rich>
+              </c:tx>
+              <c:dLblPos val="ctr"/>
+              <c:showLegendKey val="0"/>
+              <c:showVal val="0"/>
+              <c:showCatName val="0"/>
+              <c:showSerName val="0"/>
+              <c:showPercent val="0"/>
+              <c:showBubbleSize val="0"/>
+              <c:extLst>
+                <c:ext xmlns:c15="http://schemas.microsoft.com/office/drawing/2012/chart" uri="{CE6537A1-D6FC-4f65-9D91-7224C49458BB}">
+                  <c15:dlblFieldTable/>
+                  <c15:xForSave val="1"/>
+                  <c15:showDataLabelsRange val="1"/>
+                </c:ext>
+                <c:ext xmlns:c16="http://schemas.microsoft.com/office/drawing/2014/chart" uri="{C3380CC4-5D6E-409C-BE32-E72D297353CC}">
+                  <c16:uniqueId val="{00000009-01AC-124A-97D3-E38E639AB827}"/>
+                </c:ext>
+              </c:extLst>
+            </c:dLbl>
+            <c:dLbl>
+              <c:idx val="2"/>
+              <c:tx>
+                <c:rich>
+                  <a:bodyPr/>
+                  <a:lstStyle/>
+                  <a:p>
+                    <a:fld id="{340668E8-1B3C-5547-ADFB-3F3EDA2CA0E8}" type="CELLRANGE">
+                      <a:rPr lang="en-US"/>
+                      <a:pPr/>
+                      <a:t>[CELLRANGE]</a:t>
+                    </a:fld>
+                    <a:endParaRPr lang="en-US"/>
+                  </a:p>
+                </c:rich>
+              </c:tx>
+              <c:dLblPos val="ctr"/>
+              <c:showLegendKey val="0"/>
+              <c:showVal val="0"/>
+              <c:showCatName val="0"/>
+              <c:showSerName val="0"/>
+              <c:showPercent val="0"/>
+              <c:showBubbleSize val="0"/>
+              <c:extLst>
+                <c:ext xmlns:c15="http://schemas.microsoft.com/office/drawing/2012/chart" uri="{CE6537A1-D6FC-4f65-9D91-7224C49458BB}">
+                  <c15:dlblFieldTable/>
+                  <c15:xForSave val="1"/>
+                  <c15:showDataLabelsRange val="1"/>
+                </c:ext>
+                <c:ext xmlns:c16="http://schemas.microsoft.com/office/drawing/2014/chart" uri="{C3380CC4-5D6E-409C-BE32-E72D297353CC}">
+                  <c16:uniqueId val="{0000000A-01AC-124A-97D3-E38E639AB827}"/>
+                </c:ext>
+              </c:extLst>
+            </c:dLbl>
+            <c:dLbl>
+              <c:idx val="3"/>
+              <c:tx>
+                <c:rich>
+                  <a:bodyPr/>
+                  <a:lstStyle/>
+                  <a:p>
+                    <a:fld id="{032DAB61-E244-384E-8C27-CA01E802EC78}" type="CELLRANGE">
+                      <a:rPr lang="en-US"/>
+                      <a:pPr/>
+                      <a:t>[CELLRANGE]</a:t>
+                    </a:fld>
+                    <a:endParaRPr lang="en-US"/>
+                  </a:p>
+                </c:rich>
+              </c:tx>
+              <c:dLblPos val="ctr"/>
+              <c:showLegendKey val="0"/>
+              <c:showVal val="0"/>
+              <c:showCatName val="0"/>
+              <c:showSerName val="0"/>
+              <c:showPercent val="0"/>
+              <c:showBubbleSize val="0"/>
+              <c:extLst>
+                <c:ext xmlns:c15="http://schemas.microsoft.com/office/drawing/2012/chart" uri="{CE6537A1-D6FC-4f65-9D91-7224C49458BB}">
+                  <c15:dlblFieldTable/>
+                  <c15:xForSave val="1"/>
+                  <c15:showDataLabelsRange val="1"/>
+                </c:ext>
+                <c:ext xmlns:c16="http://schemas.microsoft.com/office/drawing/2014/chart" uri="{C3380CC4-5D6E-409C-BE32-E72D297353CC}">
+                  <c16:uniqueId val="{0000000B-01AC-124A-97D3-E38E639AB827}"/>
+                </c:ext>
+              </c:extLst>
+            </c:dLbl>
+            <c:dLbl>
+              <c:idx val="4"/>
+              <c:tx>
+                <c:rich>
+                  <a:bodyPr/>
+                  <a:lstStyle/>
+                  <a:p>
+                    <a:fld id="{341D9F20-6E29-3143-AC35-A40857FA12DE}" type="CELLRANGE">
+                      <a:rPr lang="en-US"/>
+                      <a:pPr/>
+                      <a:t>[CELLRANGE]</a:t>
+                    </a:fld>
+                    <a:endParaRPr lang="en-US"/>
+                  </a:p>
+                </c:rich>
+              </c:tx>
+              <c:dLblPos val="ctr"/>
+              <c:showLegendKey val="0"/>
+              <c:showVal val="0"/>
+              <c:showCatName val="0"/>
+              <c:showSerName val="0"/>
+              <c:showPercent val="0"/>
+              <c:showBubbleSize val="0"/>
+              <c:extLst>
+                <c:ext xmlns:c15="http://schemas.microsoft.com/office/drawing/2012/chart" uri="{CE6537A1-D6FC-4f65-9D91-7224C49458BB}">
+                  <c15:dlblFieldTable/>
+                  <c15:xForSave val="1"/>
+                  <c15:showDataLabelsRange val="1"/>
+                </c:ext>
+                <c:ext xmlns:c16="http://schemas.microsoft.com/office/drawing/2014/chart" uri="{C3380CC4-5D6E-409C-BE32-E72D297353CC}">
+                  <c16:uniqueId val="{0000000C-01AC-124A-97D3-E38E639AB827}"/>
+                </c:ext>
+              </c:extLst>
+            </c:dLbl>
+            <c:dLbl>
+              <c:idx val="5"/>
+              <c:delete val="1"/>
+              <c:extLst>
+                <c:ext xmlns:c15="http://schemas.microsoft.com/office/drawing/2012/chart" uri="{CE6537A1-D6FC-4f65-9D91-7224C49458BB}"/>
+                <c:ext xmlns:c16="http://schemas.microsoft.com/office/drawing/2014/chart" uri="{C3380CC4-5D6E-409C-BE32-E72D297353CC}">
+                  <c16:uniqueId val="{0000000D-01AC-124A-97D3-E38E639AB827}"/>
+                </c:ext>
+              </c:extLst>
+            </c:dLbl>
+            <c:spPr>
+              <a:noFill/>
+              <a:ln>
+                <a:noFill/>
+              </a:ln>
+              <a:effectLst/>
+            </c:spPr>
+            <c:txPr>
+              <a:bodyPr rot="0" spcFirstLastPara="1" vertOverflow="ellipsis" vert="horz" wrap="square" lIns="38100" tIns="19050" rIns="38100" bIns="19050" anchor="ctr" anchorCtr="1">
+                <a:spAutoFit/>
+              </a:bodyPr>
               <a:lstStyle/>
               <a:p>
                 <a:pPr>
-                  <a:defRPr sz="2500" b="0" i="0" u="none" strike="noStrike" kern="1200" baseline="0">
+                  <a:defRPr sz="1400" b="1" i="0" u="none" strike="noStrike" kern="1200" baseline="0">
+                    <a:solidFill>
+                      <a:schemeClr val="bg1"/>
+                    </a:solidFill>
+                    <a:latin typeface="+mn-lt"/>
+                    <a:ea typeface="+mn-ea"/>
+                    <a:cs typeface="+mn-cs"/>
+                  </a:defRPr>
+                </a:pPr>
+                <a:endParaRPr lang="en-US"/>
+              </a:p>
+            </c:txPr>
+            <c:dLblPos val="ctr"/>
+            <c:showLegendKey val="0"/>
+            <c:showVal val="0"/>
+            <c:showCatName val="0"/>
+            <c:showSerName val="0"/>
+            <c:showPercent val="0"/>
+            <c:showBubbleSize val="0"/>
+            <c:showLeaderLines val="0"/>
+            <c:extLst>
+              <c:ext xmlns:c15="http://schemas.microsoft.com/office/drawing/2012/chart" uri="{CE6537A1-D6FC-4f65-9D91-7224C49458BB}">
+                <c15:showDataLabelsRange val="1"/>
+                <c15:showLeaderLines val="1"/>
+                <c15:leaderLines>
+                  <c:spPr>
+                    <a:ln w="9525" cap="flat" cmpd="sng" algn="ctr">
+                      <a:solidFill>
+                        <a:schemeClr val="tx1">
+                          <a:lumMod val="35000"/>
+                          <a:lumOff val="65000"/>
+                        </a:schemeClr>
+                      </a:solidFill>
+                      <a:round/>
+                    </a:ln>
+                    <a:effectLst/>
+                  </c:spPr>
+                </c15:leaderLines>
+              </c:ext>
+            </c:extLst>
+          </c:dLbls>
+          <c:cat>
+            <c:numRef>
+              <c:f>'Meet the categories - New'!$C$22:$H$22</c:f>
+              <c:numCache>
+                <c:formatCode>General</c:formatCode>
+                <c:ptCount val="6"/>
+                <c:pt idx="0">
+                  <c:v>1</c:v>
+                </c:pt>
+                <c:pt idx="1">
+                  <c:v>2</c:v>
+                </c:pt>
+                <c:pt idx="2">
+                  <c:v>3</c:v>
+                </c:pt>
+                <c:pt idx="3">
+                  <c:v>4</c:v>
+                </c:pt>
+                <c:pt idx="4">
+                  <c:v>5</c:v>
+                </c:pt>
+                <c:pt idx="5">
+                  <c:v>6</c:v>
+                </c:pt>
+              </c:numCache>
+            </c:numRef>
+          </c:cat>
+          <c:val>
+            <c:numRef>
+              <c:f>'Meet the categories - New'!$C$25:$H$25</c:f>
+              <c:numCache>
+                <c:formatCode>0</c:formatCode>
+                <c:ptCount val="6"/>
+                <c:pt idx="0">
+                  <c:v>11</c:v>
+                </c:pt>
+                <c:pt idx="1">
+                  <c:v>77.5</c:v>
+                </c:pt>
+                <c:pt idx="2">
+                  <c:v>147.66666666666666</c:v>
+                </c:pt>
+                <c:pt idx="3">
+                  <c:v>174</c:v>
+                </c:pt>
+                <c:pt idx="4">
+                  <c:v>56.2</c:v>
+                </c:pt>
+                <c:pt idx="5">
+                  <c:v>10.833333333333334</c:v>
+                </c:pt>
+              </c:numCache>
+            </c:numRef>
+          </c:val>
+          <c:extLst>
+            <c:ext xmlns:c15="http://schemas.microsoft.com/office/drawing/2012/chart" uri="{02D57815-91ED-43cb-92C2-25804820EDAC}">
+              <c15:datalabelsRange>
+                <c15:f>'Meet the categories - New'!$C$17:$H$17</c15:f>
+                <c15:dlblRangeCache>
+                  <c:ptCount val="6"/>
+                  <c:pt idx="0">
+                    <c:v>7%</c:v>
+                  </c:pt>
+                  <c:pt idx="1">
+                    <c:v>19%</c:v>
+                  </c:pt>
+                  <c:pt idx="2">
+                    <c:v>24%</c:v>
+                  </c:pt>
+                  <c:pt idx="3">
+                    <c:v>24%</c:v>
+                  </c:pt>
+                  <c:pt idx="4">
+                    <c:v>20%</c:v>
+                  </c:pt>
+                  <c:pt idx="5">
+                    <c:v>17%</c:v>
+                  </c:pt>
+                </c15:dlblRangeCache>
+              </c15:datalabelsRange>
+            </c:ext>
+            <c:ext xmlns:c16="http://schemas.microsoft.com/office/drawing/2014/chart" uri="{C3380CC4-5D6E-409C-BE32-E72D297353CC}">
+              <c16:uniqueId val="{0000000E-01AC-124A-97D3-E38E639AB827}"/>
+            </c:ext>
+          </c:extLst>
+        </c:ser>
+        <c:ser>
+          <c:idx val="3"/>
+          <c:order val="3"/>
+          <c:tx>
+            <c:strRef>
+              <c:f>'Meet the categories - New'!$B$26</c:f>
+              <c:strCache>
+                <c:ptCount val="1"/>
+                <c:pt idx="0">
+                  <c:v>Build the Workspace</c:v>
+                </c:pt>
+              </c:strCache>
+            </c:strRef>
+          </c:tx>
+          <c:spPr>
+            <a:pattFill prst="ltDnDiag">
+              <a:fgClr>
+                <a:schemeClr val="tx1"/>
+              </a:fgClr>
+              <a:bgClr>
+                <a:schemeClr val="accent4"/>
+              </a:bgClr>
+            </a:pattFill>
+            <a:ln>
+              <a:solidFill>
+                <a:schemeClr val="tx1"/>
+              </a:solidFill>
+            </a:ln>
+            <a:effectLst/>
+          </c:spPr>
+          <c:invertIfNegative val="0"/>
+          <c:dLbls>
+            <c:dLbl>
+              <c:idx val="0"/>
+              <c:delete val="1"/>
+              <c:extLst>
+                <c:ext xmlns:c15="http://schemas.microsoft.com/office/drawing/2012/chart" uri="{CE6537A1-D6FC-4f65-9D91-7224C49458BB}"/>
+                <c:ext xmlns:c16="http://schemas.microsoft.com/office/drawing/2014/chart" uri="{C3380CC4-5D6E-409C-BE32-E72D297353CC}">
+                  <c16:uniqueId val="{0000000F-01AC-124A-97D3-E38E639AB827}"/>
+                </c:ext>
+              </c:extLst>
+            </c:dLbl>
+            <c:dLbl>
+              <c:idx val="1"/>
+              <c:tx>
+                <c:rich>
+                  <a:bodyPr/>
+                  <a:lstStyle/>
+                  <a:p>
+                    <a:fld id="{10FF900E-FC6B-3E49-9573-F666A5D8BD94}" type="CELLRANGE">
+                      <a:rPr lang="en-US"/>
+                      <a:pPr/>
+                      <a:t>[CELLRANGE]</a:t>
+                    </a:fld>
+                    <a:endParaRPr lang="en-US"/>
+                  </a:p>
+                </c:rich>
+              </c:tx>
+              <c:dLblPos val="ctr"/>
+              <c:showLegendKey val="0"/>
+              <c:showVal val="0"/>
+              <c:showCatName val="0"/>
+              <c:showSerName val="0"/>
+              <c:showPercent val="0"/>
+              <c:showBubbleSize val="0"/>
+              <c:extLst>
+                <c:ext xmlns:c15="http://schemas.microsoft.com/office/drawing/2012/chart" uri="{CE6537A1-D6FC-4f65-9D91-7224C49458BB}">
+                  <c15:dlblFieldTable/>
+                  <c15:xForSave val="1"/>
+                  <c15:showDataLabelsRange val="1"/>
+                </c:ext>
+                <c:ext xmlns:c16="http://schemas.microsoft.com/office/drawing/2014/chart" uri="{C3380CC4-5D6E-409C-BE32-E72D297353CC}">
+                  <c16:uniqueId val="{00000010-01AC-124A-97D3-E38E639AB827}"/>
+                </c:ext>
+              </c:extLst>
+            </c:dLbl>
+            <c:dLbl>
+              <c:idx val="2"/>
+              <c:tx>
+                <c:rich>
+                  <a:bodyPr/>
+                  <a:lstStyle/>
+                  <a:p>
+                    <a:fld id="{C16B42C8-69F8-D543-8329-8C4BEC6C3572}" type="CELLRANGE">
+                      <a:rPr lang="en-US"/>
+                      <a:pPr/>
+                      <a:t>[CELLRANGE]</a:t>
+                    </a:fld>
+                    <a:endParaRPr lang="en-US"/>
+                  </a:p>
+                </c:rich>
+              </c:tx>
+              <c:dLblPos val="ctr"/>
+              <c:showLegendKey val="0"/>
+              <c:showVal val="0"/>
+              <c:showCatName val="0"/>
+              <c:showSerName val="0"/>
+              <c:showPercent val="0"/>
+              <c:showBubbleSize val="0"/>
+              <c:extLst>
+                <c:ext xmlns:c15="http://schemas.microsoft.com/office/drawing/2012/chart" uri="{CE6537A1-D6FC-4f65-9D91-7224C49458BB}">
+                  <c15:dlblFieldTable/>
+                  <c15:xForSave val="1"/>
+                  <c15:showDataLabelsRange val="1"/>
+                </c:ext>
+                <c:ext xmlns:c16="http://schemas.microsoft.com/office/drawing/2014/chart" uri="{C3380CC4-5D6E-409C-BE32-E72D297353CC}">
+                  <c16:uniqueId val="{00000011-01AC-124A-97D3-E38E639AB827}"/>
+                </c:ext>
+              </c:extLst>
+            </c:dLbl>
+            <c:dLbl>
+              <c:idx val="3"/>
+              <c:tx>
+                <c:rich>
+                  <a:bodyPr/>
+                  <a:lstStyle/>
+                  <a:p>
+                    <a:fld id="{5E1C0FAB-E91A-384B-9B92-5BF5DC1CF78D}" type="CELLRANGE">
+                      <a:rPr lang="en-US"/>
+                      <a:pPr/>
+                      <a:t>[CELLRANGE]</a:t>
+                    </a:fld>
+                    <a:endParaRPr lang="en-US"/>
+                  </a:p>
+                </c:rich>
+              </c:tx>
+              <c:dLblPos val="ctr"/>
+              <c:showLegendKey val="0"/>
+              <c:showVal val="0"/>
+              <c:showCatName val="0"/>
+              <c:showSerName val="0"/>
+              <c:showPercent val="0"/>
+              <c:showBubbleSize val="0"/>
+              <c:extLst>
+                <c:ext xmlns:c15="http://schemas.microsoft.com/office/drawing/2012/chart" uri="{CE6537A1-D6FC-4f65-9D91-7224C49458BB}">
+                  <c15:dlblFieldTable/>
+                  <c15:xForSave val="1"/>
+                  <c15:showDataLabelsRange val="1"/>
+                </c:ext>
+                <c:ext xmlns:c16="http://schemas.microsoft.com/office/drawing/2014/chart" uri="{C3380CC4-5D6E-409C-BE32-E72D297353CC}">
+                  <c16:uniqueId val="{00000012-01AC-124A-97D3-E38E639AB827}"/>
+                </c:ext>
+              </c:extLst>
+            </c:dLbl>
+            <c:dLbl>
+              <c:idx val="4"/>
+              <c:tx>
+                <c:rich>
+                  <a:bodyPr/>
+                  <a:lstStyle/>
+                  <a:p>
+                    <a:fld id="{F5055BE9-CFD3-C443-B149-C7378BC847A1}" type="CELLRANGE">
+                      <a:rPr lang="en-US"/>
+                      <a:pPr/>
+                      <a:t>[CELLRANGE]</a:t>
+                    </a:fld>
+                    <a:endParaRPr lang="en-US"/>
+                  </a:p>
+                </c:rich>
+              </c:tx>
+              <c:dLblPos val="ctr"/>
+              <c:showLegendKey val="0"/>
+              <c:showVal val="0"/>
+              <c:showCatName val="0"/>
+              <c:showSerName val="0"/>
+              <c:showPercent val="0"/>
+              <c:showBubbleSize val="0"/>
+              <c:extLst>
+                <c:ext xmlns:c15="http://schemas.microsoft.com/office/drawing/2012/chart" uri="{CE6537A1-D6FC-4f65-9D91-7224C49458BB}">
+                  <c15:dlblFieldTable/>
+                  <c15:xForSave val="1"/>
+                  <c15:showDataLabelsRange val="1"/>
+                </c:ext>
+                <c:ext xmlns:c16="http://schemas.microsoft.com/office/drawing/2014/chart" uri="{C3380CC4-5D6E-409C-BE32-E72D297353CC}">
+                  <c16:uniqueId val="{00000013-01AC-124A-97D3-E38E639AB827}"/>
+                </c:ext>
+              </c:extLst>
+            </c:dLbl>
+            <c:dLbl>
+              <c:idx val="5"/>
+              <c:delete val="1"/>
+              <c:extLst>
+                <c:ext xmlns:c15="http://schemas.microsoft.com/office/drawing/2012/chart" uri="{CE6537A1-D6FC-4f65-9D91-7224C49458BB}"/>
+                <c:ext xmlns:c16="http://schemas.microsoft.com/office/drawing/2014/chart" uri="{C3380CC4-5D6E-409C-BE32-E72D297353CC}">
+                  <c16:uniqueId val="{00000014-01AC-124A-97D3-E38E639AB827}"/>
+                </c:ext>
+              </c:extLst>
+            </c:dLbl>
+            <c:spPr>
+              <a:noFill/>
+              <a:ln>
+                <a:noFill/>
+              </a:ln>
+              <a:effectLst/>
+            </c:spPr>
+            <c:txPr>
+              <a:bodyPr rot="0" spcFirstLastPara="1" vertOverflow="ellipsis" vert="horz" wrap="square" lIns="38100" tIns="19050" rIns="38100" bIns="19050" anchor="ctr" anchorCtr="1">
+                <a:spAutoFit/>
+              </a:bodyPr>
+              <a:lstStyle/>
+              <a:p>
+                <a:pPr>
+                  <a:defRPr sz="1400" b="1" i="0" u="none" strike="noStrike" kern="1200" baseline="0">
                     <a:solidFill>
                       <a:schemeClr val="tx1"/>
                     </a:solidFill>
@@ -370,39 +1101,828 @@
                     <a:cs typeface="+mn-cs"/>
                   </a:defRPr>
                 </a:pPr>
-                <a:r>
-                  <a:rPr lang="en-US" dirty="0"/>
-                  <a:t># Categories</a:t>
-                </a:r>
+                <a:endParaRPr lang="en-US"/>
               </a:p>
-            </c:rich>
+            </c:txPr>
+            <c:dLblPos val="ctr"/>
+            <c:showLegendKey val="0"/>
+            <c:showVal val="0"/>
+            <c:showCatName val="0"/>
+            <c:showSerName val="0"/>
+            <c:showPercent val="0"/>
+            <c:showBubbleSize val="0"/>
+            <c:showLeaderLines val="0"/>
+            <c:extLst>
+              <c:ext xmlns:c15="http://schemas.microsoft.com/office/drawing/2012/chart" uri="{CE6537A1-D6FC-4f65-9D91-7224C49458BB}">
+                <c15:showDataLabelsRange val="1"/>
+                <c15:showLeaderLines val="1"/>
+                <c15:leaderLines>
+                  <c:spPr>
+                    <a:ln w="9525" cap="flat" cmpd="sng" algn="ctr">
+                      <a:solidFill>
+                        <a:schemeClr val="tx1">
+                          <a:lumMod val="35000"/>
+                          <a:lumOff val="65000"/>
+                        </a:schemeClr>
+                      </a:solidFill>
+                      <a:round/>
+                    </a:ln>
+                    <a:effectLst/>
+                  </c:spPr>
+                </c15:leaderLines>
+              </c:ext>
+            </c:extLst>
+          </c:dLbls>
+          <c:cat>
+            <c:numRef>
+              <c:f>'Meet the categories - New'!$C$22:$H$22</c:f>
+              <c:numCache>
+                <c:formatCode>General</c:formatCode>
+                <c:ptCount val="6"/>
+                <c:pt idx="0">
+                  <c:v>1</c:v>
+                </c:pt>
+                <c:pt idx="1">
+                  <c:v>2</c:v>
+                </c:pt>
+                <c:pt idx="2">
+                  <c:v>3</c:v>
+                </c:pt>
+                <c:pt idx="3">
+                  <c:v>4</c:v>
+                </c:pt>
+                <c:pt idx="4">
+                  <c:v>5</c:v>
+                </c:pt>
+                <c:pt idx="5">
+                  <c:v>6</c:v>
+                </c:pt>
+              </c:numCache>
+            </c:numRef>
+          </c:cat>
+          <c:val>
+            <c:numRef>
+              <c:f>'Meet the categories - New'!$C$26:$H$26</c:f>
+              <c:numCache>
+                <c:formatCode>0</c:formatCode>
+                <c:ptCount val="6"/>
+                <c:pt idx="0">
+                  <c:v>5</c:v>
+                </c:pt>
+                <c:pt idx="1">
+                  <c:v>23</c:v>
+                </c:pt>
+                <c:pt idx="2">
+                  <c:v>76</c:v>
+                </c:pt>
+                <c:pt idx="3">
+                  <c:v>140</c:v>
+                </c:pt>
+                <c:pt idx="4">
+                  <c:v>52</c:v>
+                </c:pt>
+                <c:pt idx="5">
+                  <c:v>10.833333333333334</c:v>
+                </c:pt>
+              </c:numCache>
+            </c:numRef>
+          </c:val>
+          <c:extLst>
+            <c:ext xmlns:c15="http://schemas.microsoft.com/office/drawing/2012/chart" uri="{02D57815-91ED-43cb-92C2-25804820EDAC}">
+              <c15:datalabelsRange>
+                <c15:f>'Meet the categories - New'!$C$18:$H$18</c15:f>
+                <c15:dlblRangeCache>
+                  <c:ptCount val="6"/>
+                  <c:pt idx="0">
+                    <c:v>3%</c:v>
+                  </c:pt>
+                  <c:pt idx="1">
+                    <c:v>6%</c:v>
+                  </c:pt>
+                  <c:pt idx="2">
+                    <c:v>13%</c:v>
+                  </c:pt>
+                  <c:pt idx="3">
+                    <c:v>19%</c:v>
+                  </c:pt>
+                  <c:pt idx="4">
+                    <c:v>18%</c:v>
+                  </c:pt>
+                  <c:pt idx="5">
+                    <c:v>17%</c:v>
+                  </c:pt>
+                </c15:dlblRangeCache>
+              </c15:datalabelsRange>
+            </c:ext>
+            <c:ext xmlns:c16="http://schemas.microsoft.com/office/drawing/2014/chart" uri="{C3380CC4-5D6E-409C-BE32-E72D297353CC}">
+              <c16:uniqueId val="{00000015-01AC-124A-97D3-E38E639AB827}"/>
+            </c:ext>
+          </c:extLst>
+        </c:ser>
+        <c:ser>
+          <c:idx val="4"/>
+          <c:order val="4"/>
+          <c:tx>
+            <c:strRef>
+              <c:f>'Meet the categories - New'!$B$27</c:f>
+              <c:strCache>
+                <c:ptCount val="1"/>
+                <c:pt idx="0">
+                  <c:v>Deal with the Code</c:v>
+                </c:pt>
+              </c:strCache>
+            </c:strRef>
           </c:tx>
-          <c:overlay val="0"/>
           <c:spPr>
-            <a:noFill/>
+            <a:solidFill>
+              <a:schemeClr val="tx1"/>
+            </a:solidFill>
             <a:ln>
-              <a:noFill/>
+              <a:solidFill>
+                <a:schemeClr val="tx1"/>
+              </a:solidFill>
             </a:ln>
             <a:effectLst/>
           </c:spPr>
-          <c:txPr>
-            <a:bodyPr rot="0" spcFirstLastPara="1" vertOverflow="ellipsis" vert="horz" wrap="square" anchor="ctr" anchorCtr="1"/>
-            <a:lstStyle/>
-            <a:p>
-              <a:pPr>
-                <a:defRPr sz="2500" b="0" i="0" u="none" strike="noStrike" kern="1200" baseline="0">
-                  <a:solidFill>
-                    <a:schemeClr val="tx1"/>
-                  </a:solidFill>
-                  <a:latin typeface="+mn-lt"/>
-                  <a:ea typeface="+mn-ea"/>
-                  <a:cs typeface="+mn-cs"/>
-                </a:defRPr>
-              </a:pPr>
-              <a:endParaRPr lang="en-US"/>
-            </a:p>
-          </c:txPr>
-        </c:title>
+          <c:invertIfNegative val="0"/>
+          <c:dLbls>
+            <c:dLbl>
+              <c:idx val="0"/>
+              <c:delete val="1"/>
+              <c:extLst>
+                <c:ext xmlns:c15="http://schemas.microsoft.com/office/drawing/2012/chart" uri="{CE6537A1-D6FC-4f65-9D91-7224C49458BB}"/>
+                <c:ext xmlns:c16="http://schemas.microsoft.com/office/drawing/2014/chart" uri="{C3380CC4-5D6E-409C-BE32-E72D297353CC}">
+                  <c16:uniqueId val="{00000016-01AC-124A-97D3-E38E639AB827}"/>
+                </c:ext>
+              </c:extLst>
+            </c:dLbl>
+            <c:dLbl>
+              <c:idx val="1"/>
+              <c:tx>
+                <c:rich>
+                  <a:bodyPr/>
+                  <a:lstStyle/>
+                  <a:p>
+                    <a:fld id="{5DD9E29A-83C9-A24C-8F2E-D4B74A038C12}" type="CELLRANGE">
+                      <a:rPr lang="en-US"/>
+                      <a:pPr/>
+                      <a:t>[CELLRANGE]</a:t>
+                    </a:fld>
+                    <a:endParaRPr lang="en-US"/>
+                  </a:p>
+                </c:rich>
+              </c:tx>
+              <c:dLblPos val="ctr"/>
+              <c:showLegendKey val="0"/>
+              <c:showVal val="0"/>
+              <c:showCatName val="0"/>
+              <c:showSerName val="0"/>
+              <c:showPercent val="0"/>
+              <c:showBubbleSize val="0"/>
+              <c:extLst>
+                <c:ext xmlns:c15="http://schemas.microsoft.com/office/drawing/2012/chart" uri="{CE6537A1-D6FC-4f65-9D91-7224C49458BB}">
+                  <c15:dlblFieldTable/>
+                  <c15:xForSave val="1"/>
+                  <c15:showDataLabelsRange val="1"/>
+                </c:ext>
+                <c:ext xmlns:c16="http://schemas.microsoft.com/office/drawing/2014/chart" uri="{C3380CC4-5D6E-409C-BE32-E72D297353CC}">
+                  <c16:uniqueId val="{00000017-01AC-124A-97D3-E38E639AB827}"/>
+                </c:ext>
+              </c:extLst>
+            </c:dLbl>
+            <c:dLbl>
+              <c:idx val="2"/>
+              <c:tx>
+                <c:rich>
+                  <a:bodyPr/>
+                  <a:lstStyle/>
+                  <a:p>
+                    <a:fld id="{DC64CD62-E09D-2945-A512-E599F18F8866}" type="CELLRANGE">
+                      <a:rPr lang="en-US"/>
+                      <a:pPr/>
+                      <a:t>[CELLRANGE]</a:t>
+                    </a:fld>
+                    <a:endParaRPr lang="en-US"/>
+                  </a:p>
+                </c:rich>
+              </c:tx>
+              <c:dLblPos val="ctr"/>
+              <c:showLegendKey val="0"/>
+              <c:showVal val="0"/>
+              <c:showCatName val="0"/>
+              <c:showSerName val="0"/>
+              <c:showPercent val="0"/>
+              <c:showBubbleSize val="0"/>
+              <c:extLst>
+                <c:ext xmlns:c15="http://schemas.microsoft.com/office/drawing/2012/chart" uri="{CE6537A1-D6FC-4f65-9D91-7224C49458BB}">
+                  <c15:dlblFieldTable/>
+                  <c15:xForSave val="1"/>
+                  <c15:showDataLabelsRange val="1"/>
+                </c:ext>
+                <c:ext xmlns:c16="http://schemas.microsoft.com/office/drawing/2014/chart" uri="{C3380CC4-5D6E-409C-BE32-E72D297353CC}">
+                  <c16:uniqueId val="{00000018-01AC-124A-97D3-E38E639AB827}"/>
+                </c:ext>
+              </c:extLst>
+            </c:dLbl>
+            <c:dLbl>
+              <c:idx val="3"/>
+              <c:tx>
+                <c:rich>
+                  <a:bodyPr/>
+                  <a:lstStyle/>
+                  <a:p>
+                    <a:fld id="{69C849BE-3CD4-A74D-9A10-AA47ACFFB1DC}" type="CELLRANGE">
+                      <a:rPr lang="en-US"/>
+                      <a:pPr/>
+                      <a:t>[CELLRANGE]</a:t>
+                    </a:fld>
+                    <a:endParaRPr lang="en-US"/>
+                  </a:p>
+                </c:rich>
+              </c:tx>
+              <c:dLblPos val="ctr"/>
+              <c:showLegendKey val="0"/>
+              <c:showVal val="0"/>
+              <c:showCatName val="0"/>
+              <c:showSerName val="0"/>
+              <c:showPercent val="0"/>
+              <c:showBubbleSize val="0"/>
+              <c:extLst>
+                <c:ext xmlns:c15="http://schemas.microsoft.com/office/drawing/2012/chart" uri="{CE6537A1-D6FC-4f65-9D91-7224C49458BB}">
+                  <c15:dlblFieldTable/>
+                  <c15:xForSave val="1"/>
+                  <c15:showDataLabelsRange val="1"/>
+                </c:ext>
+                <c:ext xmlns:c16="http://schemas.microsoft.com/office/drawing/2014/chart" uri="{C3380CC4-5D6E-409C-BE32-E72D297353CC}">
+                  <c16:uniqueId val="{00000019-01AC-124A-97D3-E38E639AB827}"/>
+                </c:ext>
+              </c:extLst>
+            </c:dLbl>
+            <c:dLbl>
+              <c:idx val="4"/>
+              <c:tx>
+                <c:rich>
+                  <a:bodyPr/>
+                  <a:lstStyle/>
+                  <a:p>
+                    <a:fld id="{91BA8A77-6472-114A-BA24-16E62D0D3B4D}" type="CELLRANGE">
+                      <a:rPr lang="en-US"/>
+                      <a:pPr/>
+                      <a:t>[CELLRANGE]</a:t>
+                    </a:fld>
+                    <a:endParaRPr lang="en-US"/>
+                  </a:p>
+                </c:rich>
+              </c:tx>
+              <c:dLblPos val="ctr"/>
+              <c:showLegendKey val="0"/>
+              <c:showVal val="0"/>
+              <c:showCatName val="0"/>
+              <c:showSerName val="0"/>
+              <c:showPercent val="0"/>
+              <c:showBubbleSize val="0"/>
+              <c:extLst>
+                <c:ext xmlns:c15="http://schemas.microsoft.com/office/drawing/2012/chart" uri="{CE6537A1-D6FC-4f65-9D91-7224C49458BB}">
+                  <c15:dlblFieldTable/>
+                  <c15:xForSave val="1"/>
+                  <c15:showDataLabelsRange val="1"/>
+                </c:ext>
+                <c:ext xmlns:c16="http://schemas.microsoft.com/office/drawing/2014/chart" uri="{C3380CC4-5D6E-409C-BE32-E72D297353CC}">
+                  <c16:uniqueId val="{0000001A-01AC-124A-97D3-E38E639AB827}"/>
+                </c:ext>
+              </c:extLst>
+            </c:dLbl>
+            <c:dLbl>
+              <c:idx val="5"/>
+              <c:delete val="1"/>
+              <c:extLst>
+                <c:ext xmlns:c15="http://schemas.microsoft.com/office/drawing/2012/chart" uri="{CE6537A1-D6FC-4f65-9D91-7224C49458BB}"/>
+                <c:ext xmlns:c16="http://schemas.microsoft.com/office/drawing/2014/chart" uri="{C3380CC4-5D6E-409C-BE32-E72D297353CC}">
+                  <c16:uniqueId val="{0000001B-01AC-124A-97D3-E38E639AB827}"/>
+                </c:ext>
+              </c:extLst>
+            </c:dLbl>
+            <c:spPr>
+              <a:noFill/>
+              <a:ln>
+                <a:noFill/>
+              </a:ln>
+              <a:effectLst/>
+            </c:spPr>
+            <c:txPr>
+              <a:bodyPr rot="0" spcFirstLastPara="1" vertOverflow="ellipsis" vert="horz" wrap="square" lIns="38100" tIns="19050" rIns="38100" bIns="19050" anchor="ctr" anchorCtr="1">
+                <a:spAutoFit/>
+              </a:bodyPr>
+              <a:lstStyle/>
+              <a:p>
+                <a:pPr>
+                  <a:defRPr sz="1400" b="1" i="0" u="none" strike="noStrike" kern="1200" baseline="0">
+                    <a:solidFill>
+                      <a:schemeClr val="bg1"/>
+                    </a:solidFill>
+                    <a:latin typeface="+mn-lt"/>
+                    <a:ea typeface="+mn-ea"/>
+                    <a:cs typeface="+mn-cs"/>
+                  </a:defRPr>
+                </a:pPr>
+                <a:endParaRPr lang="en-US"/>
+              </a:p>
+            </c:txPr>
+            <c:dLblPos val="ctr"/>
+            <c:showLegendKey val="0"/>
+            <c:showVal val="0"/>
+            <c:showCatName val="0"/>
+            <c:showSerName val="0"/>
+            <c:showPercent val="0"/>
+            <c:showBubbleSize val="0"/>
+            <c:showLeaderLines val="0"/>
+            <c:extLst>
+              <c:ext xmlns:c15="http://schemas.microsoft.com/office/drawing/2012/chart" uri="{CE6537A1-D6FC-4f65-9D91-7224C49458BB}">
+                <c15:showDataLabelsRange val="1"/>
+                <c15:showLeaderLines val="1"/>
+                <c15:leaderLines>
+                  <c:spPr>
+                    <a:ln w="9525" cap="flat" cmpd="sng" algn="ctr">
+                      <a:solidFill>
+                        <a:schemeClr val="tx1">
+                          <a:lumMod val="35000"/>
+                          <a:lumOff val="65000"/>
+                        </a:schemeClr>
+                      </a:solidFill>
+                      <a:round/>
+                    </a:ln>
+                    <a:effectLst/>
+                  </c:spPr>
+                </c15:leaderLines>
+              </c:ext>
+            </c:extLst>
+          </c:dLbls>
+          <c:cat>
+            <c:numRef>
+              <c:f>'Meet the categories - New'!$C$22:$H$22</c:f>
+              <c:numCache>
+                <c:formatCode>General</c:formatCode>
+                <c:ptCount val="6"/>
+                <c:pt idx="0">
+                  <c:v>1</c:v>
+                </c:pt>
+                <c:pt idx="1">
+                  <c:v>2</c:v>
+                </c:pt>
+                <c:pt idx="2">
+                  <c:v>3</c:v>
+                </c:pt>
+                <c:pt idx="3">
+                  <c:v>4</c:v>
+                </c:pt>
+                <c:pt idx="4">
+                  <c:v>5</c:v>
+                </c:pt>
+                <c:pt idx="5">
+                  <c:v>6</c:v>
+                </c:pt>
+              </c:numCache>
+            </c:numRef>
+          </c:cat>
+          <c:val>
+            <c:numRef>
+              <c:f>'Meet the categories - New'!$C$27:$H$27</c:f>
+              <c:numCache>
+                <c:formatCode>0</c:formatCode>
+                <c:ptCount val="6"/>
+                <c:pt idx="0">
+                  <c:v>9</c:v>
+                </c:pt>
+                <c:pt idx="1">
+                  <c:v>95</c:v>
+                </c:pt>
+                <c:pt idx="2">
+                  <c:v>148</c:v>
+                </c:pt>
+                <c:pt idx="3">
+                  <c:v>168</c:v>
+                </c:pt>
+                <c:pt idx="4">
+                  <c:v>56.4</c:v>
+                </c:pt>
+                <c:pt idx="5">
+                  <c:v>10.833333333333334</c:v>
+                </c:pt>
+              </c:numCache>
+            </c:numRef>
+          </c:val>
+          <c:extLst>
+            <c:ext xmlns:c15="http://schemas.microsoft.com/office/drawing/2012/chart" uri="{02D57815-91ED-43cb-92C2-25804820EDAC}">
+              <c15:datalabelsRange>
+                <c15:f>'Meet the categories - New'!$C$19:$H$19</c15:f>
+                <c15:dlblRangeCache>
+                  <c:ptCount val="6"/>
+                  <c:pt idx="0">
+                    <c:v>5%</c:v>
+                  </c:pt>
+                  <c:pt idx="1">
+                    <c:v>23%</c:v>
+                  </c:pt>
+                  <c:pt idx="2">
+                    <c:v>25%</c:v>
+                  </c:pt>
+                  <c:pt idx="3">
+                    <c:v>23%</c:v>
+                  </c:pt>
+                  <c:pt idx="4">
+                    <c:v>20%</c:v>
+                  </c:pt>
+                  <c:pt idx="5">
+                    <c:v>17%</c:v>
+                  </c:pt>
+                </c15:dlblRangeCache>
+              </c15:datalabelsRange>
+            </c:ext>
+            <c:ext xmlns:c16="http://schemas.microsoft.com/office/drawing/2014/chart" uri="{C3380CC4-5D6E-409C-BE32-E72D297353CC}">
+              <c16:uniqueId val="{0000001C-01AC-124A-97D3-E38E639AB827}"/>
+            </c:ext>
+          </c:extLst>
+        </c:ser>
+        <c:ser>
+          <c:idx val="5"/>
+          <c:order val="5"/>
+          <c:tx>
+            <c:strRef>
+              <c:f>'Meet the categories - New'!$B$28</c:f>
+              <c:strCache>
+                <c:ptCount val="1"/>
+                <c:pt idx="0">
+                  <c:v>Submit the Changes</c:v>
+                </c:pt>
+              </c:strCache>
+            </c:strRef>
+          </c:tx>
+          <c:spPr>
+            <a:pattFill prst="pct5">
+              <a:fgClr>
+                <a:schemeClr val="tx1"/>
+              </a:fgClr>
+              <a:bgClr>
+                <a:schemeClr val="bg1"/>
+              </a:bgClr>
+            </a:pattFill>
+            <a:ln>
+              <a:solidFill>
+                <a:schemeClr val="tx1"/>
+              </a:solidFill>
+            </a:ln>
+            <a:effectLst/>
+          </c:spPr>
+          <c:invertIfNegative val="0"/>
+          <c:dLbls>
+            <c:dLbl>
+              <c:idx val="0"/>
+              <c:tx>
+                <c:rich>
+                  <a:bodyPr/>
+                  <a:lstStyle/>
+                  <a:p>
+                    <a:fld id="{E35B7269-3C7B-AE41-B7C0-C8D4D677DD5D}" type="CELLRANGE">
+                      <a:rPr lang="en-US"/>
+                      <a:pPr/>
+                      <a:t>[CELLRANGE]</a:t>
+                    </a:fld>
+                    <a:endParaRPr lang="en-US"/>
+                  </a:p>
+                </c:rich>
+              </c:tx>
+              <c:dLblPos val="ctr"/>
+              <c:showLegendKey val="0"/>
+              <c:showVal val="0"/>
+              <c:showCatName val="0"/>
+              <c:showSerName val="0"/>
+              <c:showPercent val="0"/>
+              <c:showBubbleSize val="0"/>
+              <c:separator>, </c:separator>
+              <c:extLst>
+                <c:ext xmlns:c15="http://schemas.microsoft.com/office/drawing/2012/chart" uri="{CE6537A1-D6FC-4f65-9D91-7224C49458BB}">
+                  <c15:dlblFieldTable/>
+                  <c15:xForSave val="1"/>
+                  <c15:showDataLabelsRange val="1"/>
+                </c:ext>
+                <c:ext xmlns:c16="http://schemas.microsoft.com/office/drawing/2014/chart" uri="{C3380CC4-5D6E-409C-BE32-E72D297353CC}">
+                  <c16:uniqueId val="{0000001D-01AC-124A-97D3-E38E639AB827}"/>
+                </c:ext>
+              </c:extLst>
+            </c:dLbl>
+            <c:dLbl>
+              <c:idx val="1"/>
+              <c:tx>
+                <c:rich>
+                  <a:bodyPr/>
+                  <a:lstStyle/>
+                  <a:p>
+                    <a:fld id="{AA297A36-1240-714C-87BC-1036D0C8AF77}" type="CELLRANGE">
+                      <a:rPr lang="en-US"/>
+                      <a:pPr/>
+                      <a:t>[CELLRANGE]</a:t>
+                    </a:fld>
+                    <a:endParaRPr lang="en-US"/>
+                  </a:p>
+                </c:rich>
+              </c:tx>
+              <c:dLblPos val="ctr"/>
+              <c:showLegendKey val="0"/>
+              <c:showVal val="0"/>
+              <c:showCatName val="0"/>
+              <c:showSerName val="0"/>
+              <c:showPercent val="0"/>
+              <c:showBubbleSize val="0"/>
+              <c:separator>, </c:separator>
+              <c:extLst>
+                <c:ext xmlns:c15="http://schemas.microsoft.com/office/drawing/2012/chart" uri="{CE6537A1-D6FC-4f65-9D91-7224C49458BB}">
+                  <c15:dlblFieldTable/>
+                  <c15:xForSave val="1"/>
+                  <c15:showDataLabelsRange val="1"/>
+                </c:ext>
+                <c:ext xmlns:c16="http://schemas.microsoft.com/office/drawing/2014/chart" uri="{C3380CC4-5D6E-409C-BE32-E72D297353CC}">
+                  <c16:uniqueId val="{0000001E-01AC-124A-97D3-E38E639AB827}"/>
+                </c:ext>
+              </c:extLst>
+            </c:dLbl>
+            <c:dLbl>
+              <c:idx val="2"/>
+              <c:tx>
+                <c:rich>
+                  <a:bodyPr/>
+                  <a:lstStyle/>
+                  <a:p>
+                    <a:fld id="{3BBE266D-BD3D-A24A-8AF2-1B5AA7B0AA8F}" type="CELLRANGE">
+                      <a:rPr lang="en-US"/>
+                      <a:pPr/>
+                      <a:t>[CELLRANGE]</a:t>
+                    </a:fld>
+                    <a:endParaRPr lang="en-US"/>
+                  </a:p>
+                </c:rich>
+              </c:tx>
+              <c:dLblPos val="ctr"/>
+              <c:showLegendKey val="0"/>
+              <c:showVal val="0"/>
+              <c:showCatName val="0"/>
+              <c:showSerName val="0"/>
+              <c:showPercent val="0"/>
+              <c:showBubbleSize val="0"/>
+              <c:separator>, </c:separator>
+              <c:extLst>
+                <c:ext xmlns:c15="http://schemas.microsoft.com/office/drawing/2012/chart" uri="{CE6537A1-D6FC-4f65-9D91-7224C49458BB}">
+                  <c15:dlblFieldTable/>
+                  <c15:xForSave val="1"/>
+                  <c15:showDataLabelsRange val="1"/>
+                </c:ext>
+                <c:ext xmlns:c16="http://schemas.microsoft.com/office/drawing/2014/chart" uri="{C3380CC4-5D6E-409C-BE32-E72D297353CC}">
+                  <c16:uniqueId val="{0000001F-01AC-124A-97D3-E38E639AB827}"/>
+                </c:ext>
+              </c:extLst>
+            </c:dLbl>
+            <c:dLbl>
+              <c:idx val="3"/>
+              <c:tx>
+                <c:rich>
+                  <a:bodyPr/>
+                  <a:lstStyle/>
+                  <a:p>
+                    <a:fld id="{915DCFE5-B054-4349-A423-68E40A7EC112}" type="CELLRANGE">
+                      <a:rPr lang="en-US"/>
+                      <a:pPr/>
+                      <a:t>[CELLRANGE]</a:t>
+                    </a:fld>
+                    <a:endParaRPr lang="en-US"/>
+                  </a:p>
+                </c:rich>
+              </c:tx>
+              <c:dLblPos val="ctr"/>
+              <c:showLegendKey val="0"/>
+              <c:showVal val="0"/>
+              <c:showCatName val="0"/>
+              <c:showSerName val="0"/>
+              <c:showPercent val="0"/>
+              <c:showBubbleSize val="0"/>
+              <c:separator>, </c:separator>
+              <c:extLst>
+                <c:ext xmlns:c15="http://schemas.microsoft.com/office/drawing/2012/chart" uri="{CE6537A1-D6FC-4f65-9D91-7224C49458BB}">
+                  <c15:dlblFieldTable/>
+                  <c15:xForSave val="1"/>
+                  <c15:showDataLabelsRange val="1"/>
+                </c:ext>
+                <c:ext xmlns:c16="http://schemas.microsoft.com/office/drawing/2014/chart" uri="{C3380CC4-5D6E-409C-BE32-E72D297353CC}">
+                  <c16:uniqueId val="{00000020-01AC-124A-97D3-E38E639AB827}"/>
+                </c:ext>
+              </c:extLst>
+            </c:dLbl>
+            <c:dLbl>
+              <c:idx val="4"/>
+              <c:tx>
+                <c:rich>
+                  <a:bodyPr/>
+                  <a:lstStyle/>
+                  <a:p>
+                    <a:fld id="{5986416B-FB35-C449-90E9-D36B0BA09889}" type="CELLRANGE">
+                      <a:rPr lang="en-US"/>
+                      <a:pPr/>
+                      <a:t>[CELLRANGE]</a:t>
+                    </a:fld>
+                    <a:endParaRPr lang="en-US"/>
+                  </a:p>
+                </c:rich>
+              </c:tx>
+              <c:dLblPos val="ctr"/>
+              <c:showLegendKey val="0"/>
+              <c:showVal val="0"/>
+              <c:showCatName val="0"/>
+              <c:showSerName val="0"/>
+              <c:showPercent val="0"/>
+              <c:showBubbleSize val="0"/>
+              <c:separator>, </c:separator>
+              <c:extLst>
+                <c:ext xmlns:c15="http://schemas.microsoft.com/office/drawing/2012/chart" uri="{CE6537A1-D6FC-4f65-9D91-7224C49458BB}">
+                  <c15:dlblFieldTable/>
+                  <c15:xForSave val="1"/>
+                  <c15:showDataLabelsRange val="1"/>
+                </c:ext>
+                <c:ext xmlns:c16="http://schemas.microsoft.com/office/drawing/2014/chart" uri="{C3380CC4-5D6E-409C-BE32-E72D297353CC}">
+                  <c16:uniqueId val="{00000021-01AC-124A-97D3-E38E639AB827}"/>
+                </c:ext>
+              </c:extLst>
+            </c:dLbl>
+            <c:dLbl>
+              <c:idx val="5"/>
+              <c:delete val="1"/>
+              <c:extLst>
+                <c:ext xmlns:c15="http://schemas.microsoft.com/office/drawing/2012/chart" uri="{CE6537A1-D6FC-4f65-9D91-7224C49458BB}"/>
+                <c:ext xmlns:c16="http://schemas.microsoft.com/office/drawing/2014/chart" uri="{C3380CC4-5D6E-409C-BE32-E72D297353CC}">
+                  <c16:uniqueId val="{00000022-01AC-124A-97D3-E38E639AB827}"/>
+                </c:ext>
+              </c:extLst>
+            </c:dLbl>
+            <c:spPr>
+              <a:noFill/>
+              <a:ln>
+                <a:noFill/>
+              </a:ln>
+              <a:effectLst/>
+            </c:spPr>
+            <c:txPr>
+              <a:bodyPr rot="0" spcFirstLastPara="1" vertOverflow="ellipsis" vert="horz" wrap="square" lIns="38100" tIns="19050" rIns="38100" bIns="19050" anchor="ctr" anchorCtr="1">
+                <a:spAutoFit/>
+              </a:bodyPr>
+              <a:lstStyle/>
+              <a:p>
+                <a:pPr>
+                  <a:defRPr sz="1400" b="1" i="0" u="none" strike="noStrike" kern="1200" baseline="0">
+                    <a:solidFill>
+                      <a:schemeClr val="tx1"/>
+                    </a:solidFill>
+                    <a:latin typeface="+mn-lt"/>
+                    <a:ea typeface="+mn-ea"/>
+                    <a:cs typeface="+mn-cs"/>
+                  </a:defRPr>
+                </a:pPr>
+                <a:endParaRPr lang="en-US"/>
+              </a:p>
+            </c:txPr>
+            <c:dLblPos val="ctr"/>
+            <c:showLegendKey val="0"/>
+            <c:showVal val="0"/>
+            <c:showCatName val="0"/>
+            <c:showSerName val="0"/>
+            <c:showPercent val="0"/>
+            <c:showBubbleSize val="0"/>
+            <c:separator>, </c:separator>
+            <c:showLeaderLines val="0"/>
+            <c:extLst>
+              <c:ext xmlns:c15="http://schemas.microsoft.com/office/drawing/2012/chart" uri="{CE6537A1-D6FC-4f65-9D91-7224C49458BB}">
+                <c15:showDataLabelsRange val="1"/>
+                <c15:showLeaderLines val="1"/>
+                <c15:leaderLines>
+                  <c:spPr>
+                    <a:ln w="9525" cap="flat" cmpd="sng" algn="ctr">
+                      <a:solidFill>
+                        <a:schemeClr val="tx1">
+                          <a:lumMod val="35000"/>
+                          <a:lumOff val="65000"/>
+                        </a:schemeClr>
+                      </a:solidFill>
+                      <a:round/>
+                    </a:ln>
+                    <a:effectLst/>
+                  </c:spPr>
+                </c15:leaderLines>
+              </c:ext>
+            </c:extLst>
+          </c:dLbls>
+          <c:cat>
+            <c:numRef>
+              <c:f>'Meet the categories - New'!$C$22:$H$22</c:f>
+              <c:numCache>
+                <c:formatCode>General</c:formatCode>
+                <c:ptCount val="6"/>
+                <c:pt idx="0">
+                  <c:v>1</c:v>
+                </c:pt>
+                <c:pt idx="1">
+                  <c:v>2</c:v>
+                </c:pt>
+                <c:pt idx="2">
+                  <c:v>3</c:v>
+                </c:pt>
+                <c:pt idx="3">
+                  <c:v>4</c:v>
+                </c:pt>
+                <c:pt idx="4">
+                  <c:v>5</c:v>
+                </c:pt>
+                <c:pt idx="5">
+                  <c:v>6</c:v>
+                </c:pt>
+              </c:numCache>
+            </c:numRef>
+          </c:cat>
+          <c:val>
+            <c:numRef>
+              <c:f>'Meet the categories - New'!$C$28:$H$28</c:f>
+              <c:numCache>
+                <c:formatCode>0</c:formatCode>
+                <c:ptCount val="6"/>
+                <c:pt idx="0">
+                  <c:v>137</c:v>
+                </c:pt>
+                <c:pt idx="1">
+                  <c:v>190.5</c:v>
+                </c:pt>
+                <c:pt idx="2">
+                  <c:v>199</c:v>
+                </c:pt>
+                <c:pt idx="3">
+                  <c:v>182</c:v>
+                </c:pt>
+                <c:pt idx="4">
+                  <c:v>57.4</c:v>
+                </c:pt>
+                <c:pt idx="5">
+                  <c:v>10.833333333333334</c:v>
+                </c:pt>
+              </c:numCache>
+            </c:numRef>
+          </c:val>
+          <c:extLst>
+            <c:ext xmlns:c15="http://schemas.microsoft.com/office/drawing/2012/chart" uri="{02D57815-91ED-43cb-92C2-25804820EDAC}">
+              <c15:datalabelsRange>
+                <c15:f>'Meet the categories - New'!$C$20:$H$20</c15:f>
+                <c15:dlblRangeCache>
+                  <c:ptCount val="6"/>
+                  <c:pt idx="0">
+                    <c:v>83%</c:v>
+                  </c:pt>
+                  <c:pt idx="1">
+                    <c:v>46%</c:v>
+                  </c:pt>
+                  <c:pt idx="2">
+                    <c:v>33%</c:v>
+                  </c:pt>
+                  <c:pt idx="3">
+                    <c:v>25%</c:v>
+                  </c:pt>
+                  <c:pt idx="4">
+                    <c:v>20%</c:v>
+                  </c:pt>
+                  <c:pt idx="5">
+                    <c:v>17%</c:v>
+                  </c:pt>
+                </c15:dlblRangeCache>
+              </c15:datalabelsRange>
+            </c:ext>
+            <c:ext xmlns:c16="http://schemas.microsoft.com/office/drawing/2014/chart" uri="{C3380CC4-5D6E-409C-BE32-E72D297353CC}">
+              <c16:uniqueId val="{00000023-01AC-124A-97D3-E38E639AB827}"/>
+            </c:ext>
+          </c:extLst>
+        </c:ser>
+        <c:dLbls>
+          <c:dLblPos val="ctr"/>
+          <c:showLegendKey val="0"/>
+          <c:showVal val="1"/>
+          <c:showCatName val="0"/>
+          <c:showSerName val="0"/>
+          <c:showPercent val="0"/>
+          <c:showBubbleSize val="0"/>
+        </c:dLbls>
+        <c:gapWidth val="150"/>
+        <c:overlap val="100"/>
+        <c:axId val="565554592"/>
+        <c:axId val="290083840"/>
+      </c:barChart>
+      <c:catAx>
+        <c:axId val="565554592"/>
+        <c:scaling>
+          <c:orientation val="minMax"/>
+        </c:scaling>
+        <c:delete val="0"/>
+        <c:axPos val="b"/>
         <c:numFmt formatCode="General" sourceLinked="1"/>
         <c:majorTickMark val="none"/>
         <c:minorTickMark val="none"/>
@@ -425,9 +1945,12 @@
           <a:lstStyle/>
           <a:p>
             <a:pPr>
-              <a:defRPr sz="3000" b="0" i="0" u="none" strike="noStrike" kern="1200" baseline="0">
+              <a:defRPr sz="1600" b="0" i="0" u="none" strike="noStrike" kern="1200" baseline="0">
                 <a:solidFill>
-                  <a:schemeClr val="tx1"/>
+                  <a:schemeClr val="tx1">
+                    <a:lumMod val="65000"/>
+                    <a:lumOff val="35000"/>
+                  </a:schemeClr>
                 </a:solidFill>
                 <a:latin typeface="+mn-lt"/>
                 <a:ea typeface="+mn-ea"/>
@@ -437,7 +1960,7 @@
             <a:endParaRPr lang="en-US"/>
           </a:p>
         </c:txPr>
-        <c:crossAx val="1339442863"/>
+        <c:crossAx val="290083840"/>
         <c:crosses val="autoZero"/>
         <c:auto val="1"/>
         <c:lblAlgn val="ctr"/>
@@ -445,7 +1968,7 @@
         <c:noMultiLvlLbl val="0"/>
       </c:catAx>
       <c:valAx>
-        <c:axId val="1339442863"/>
+        <c:axId val="290083840"/>
         <c:scaling>
           <c:orientation val="minMax"/>
         </c:scaling>
@@ -465,56 +1988,7 @@
             <a:effectLst/>
           </c:spPr>
         </c:majorGridlines>
-        <c:title>
-          <c:tx>
-            <c:rich>
-              <a:bodyPr rot="-5400000" spcFirstLastPara="1" vertOverflow="ellipsis" vert="horz" wrap="square" anchor="ctr" anchorCtr="1"/>
-              <a:lstStyle/>
-              <a:p>
-                <a:pPr>
-                  <a:defRPr sz="2500" b="0" i="0" u="none" strike="noStrike" kern="1200" baseline="0">
-                    <a:solidFill>
-                      <a:schemeClr val="tx1"/>
-                    </a:solidFill>
-                    <a:latin typeface="+mn-lt"/>
-                    <a:ea typeface="+mn-ea"/>
-                    <a:cs typeface="+mn-cs"/>
-                  </a:defRPr>
-                </a:pPr>
-                <a:r>
-                  <a:rPr lang="en-US" dirty="0"/>
-                  <a:t># Projects</a:t>
-                </a:r>
-              </a:p>
-            </c:rich>
-          </c:tx>
-          <c:overlay val="0"/>
-          <c:spPr>
-            <a:noFill/>
-            <a:ln>
-              <a:noFill/>
-            </a:ln>
-            <a:effectLst/>
-          </c:spPr>
-          <c:txPr>
-            <a:bodyPr rot="-5400000" spcFirstLastPara="1" vertOverflow="ellipsis" vert="horz" wrap="square" anchor="ctr" anchorCtr="1"/>
-            <a:lstStyle/>
-            <a:p>
-              <a:pPr>
-                <a:defRPr sz="2500" b="0" i="0" u="none" strike="noStrike" kern="1200" baseline="0">
-                  <a:solidFill>
-                    <a:schemeClr val="tx1"/>
-                  </a:solidFill>
-                  <a:latin typeface="+mn-lt"/>
-                  <a:ea typeface="+mn-ea"/>
-                  <a:cs typeface="+mn-cs"/>
-                </a:defRPr>
-              </a:pPr>
-              <a:endParaRPr lang="en-US"/>
-            </a:p>
-          </c:txPr>
-        </c:title>
-        <c:numFmt formatCode="General" sourceLinked="1"/>
+        <c:numFmt formatCode="0" sourceLinked="1"/>
         <c:majorTickMark val="none"/>
         <c:minorTickMark val="none"/>
         <c:tickLblPos val="nextTo"/>
@@ -530,9 +2004,12 @@
           <a:lstStyle/>
           <a:p>
             <a:pPr>
-              <a:defRPr sz="2500" b="0" i="0" u="none" strike="noStrike" kern="1200" baseline="0">
+              <a:defRPr sz="1600" b="0" i="0" u="none" strike="noStrike" kern="1200" baseline="0">
                 <a:solidFill>
-                  <a:schemeClr val="tx1"/>
+                  <a:schemeClr val="tx1">
+                    <a:lumMod val="65000"/>
+                    <a:lumOff val="35000"/>
+                  </a:schemeClr>
                 </a:solidFill>
                 <a:latin typeface="+mn-lt"/>
                 <a:ea typeface="+mn-ea"/>
@@ -542,7 +2019,7 @@
             <a:endParaRPr lang="en-US"/>
           </a:p>
         </c:txPr>
-        <c:crossAx val="1769513375"/>
+        <c:crossAx val="565554592"/>
         <c:crosses val="autoZero"/>
         <c:crossBetween val="between"/>
       </c:valAx>
@@ -559,10 +2036,24 @@
       </c:spPr>
     </c:plotArea>
     <c:legend>
-      <c:legendPos val="t"/>
+      <c:legendPos val="b"/>
+      <c:layout>
+        <c:manualLayout>
+          <c:xMode val="edge"/>
+          <c:yMode val="edge"/>
+          <c:x val="0"/>
+          <c:y val="1.9898627643117568E-2"/>
+          <c:w val="0.99529659722506603"/>
+          <c:h val="0.14371476464999677"/>
+        </c:manualLayout>
+      </c:layout>
       <c:overlay val="0"/>
       <c:spPr>
-        <a:noFill/>
+        <a:solidFill>
+          <a:schemeClr val="bg1">
+            <a:lumMod val="95000"/>
+          </a:schemeClr>
+        </a:solidFill>
         <a:ln>
           <a:noFill/>
         </a:ln>
@@ -573,9 +2064,12 @@
         <a:lstStyle/>
         <a:p>
           <a:pPr>
-            <a:defRPr sz="2500" b="0" i="0" u="none" strike="noStrike" kern="1200" baseline="0">
+            <a:defRPr sz="1800" b="0" i="0" u="none" strike="noStrike" kern="1200" baseline="0">
               <a:solidFill>
-                <a:schemeClr val="tx1"/>
+                <a:schemeClr val="tx1">
+                  <a:lumMod val="65000"/>
+                  <a:lumOff val="35000"/>
+                </a:schemeClr>
               </a:solidFill>
               <a:latin typeface="+mn-lt"/>
               <a:ea typeface="+mn-ea"/>
@@ -589,7 +2083,6 @@
     <c:plotVisOnly val="1"/>
     <c:dispBlanksAs val="gap"/>
     <c:showDLblsOverMax val="0"/>
-    <c:extLst/>
   </c:chart>
   <c:spPr>
     <a:noFill/>
@@ -603,16 +2096,12 @@
     <a:lstStyle/>
     <a:p>
       <a:pPr>
-        <a:defRPr sz="2500">
-          <a:solidFill>
-            <a:schemeClr val="tx1"/>
-          </a:solidFill>
-        </a:defRPr>
+        <a:defRPr/>
       </a:pPr>
       <a:endParaRPr lang="en-US"/>
     </a:p>
   </c:txPr>
-  <c:externalData r:id="rId4">
+  <c:externalData r:id="rId3">
     <c:autoUpdate val="0"/>
   </c:externalData>
 </c:chartSpace>
@@ -659,7 +2148,7 @@
 </file>
 
 <file path=ppt/charts/style1.xml><?xml version="1.0" encoding="utf-8"?>
-<cs:chartStyle xmlns:cs="http://schemas.microsoft.com/office/drawing/2012/chartStyle" xmlns:a="http://schemas.openxmlformats.org/drawingml/2006/main" id="201">
+<cs:chartStyle xmlns:cs="http://schemas.microsoft.com/office/drawing/2012/chartStyle" xmlns:a="http://schemas.openxmlformats.org/drawingml/2006/main" id="297">
   <cs:axisTitle>
     <cs:lnRef idx="0"/>
     <cs:fillRef idx="0"/>
@@ -863,22 +2352,23 @@
     <cs:fillRef idx="0"/>
     <cs:effectRef idx="0"/>
     <cs:fontRef idx="minor">
-      <a:schemeClr val="dk1"/>
+      <a:schemeClr val="tx1"/>
     </cs:fontRef>
     <cs:spPr>
       <a:solidFill>
         <a:schemeClr val="dk1">
-          <a:lumMod val="65000"/>
-          <a:lumOff val="35000"/>
+          <a:lumMod val="75000"/>
+          <a:lumOff val="25000"/>
         </a:schemeClr>
       </a:solidFill>
-      <a:ln w="9525">
+      <a:ln w="9525" cap="flat" cmpd="sng" algn="ctr">
         <a:solidFill>
           <a:schemeClr val="tx1">
             <a:lumMod val="65000"/>
             <a:lumOff val="35000"/>
           </a:schemeClr>
         </a:solidFill>
+        <a:round/>
       </a:ln>
     </cs:spPr>
   </cs:downBar>
@@ -983,8 +2473,8 @@
       <a:ln w="9525" cap="flat" cmpd="sng" algn="ctr">
         <a:solidFill>
           <a:schemeClr val="tx1">
-            <a:lumMod val="75000"/>
-            <a:lumOff val="25000"/>
+            <a:lumMod val="50000"/>
+            <a:lumOff val="50000"/>
           </a:schemeClr>
         </a:solidFill>
         <a:round/>
@@ -1116,19 +2606,20 @@
     <cs:fillRef idx="0"/>
     <cs:effectRef idx="0"/>
     <cs:fontRef idx="minor">
-      <a:schemeClr val="dk1"/>
+      <a:schemeClr val="tx1"/>
     </cs:fontRef>
     <cs:spPr>
       <a:solidFill>
         <a:schemeClr val="lt1"/>
       </a:solidFill>
-      <a:ln w="9525">
+      <a:ln w="9525" cap="flat" cmpd="sng" algn="ctr">
         <a:solidFill>
           <a:schemeClr val="tx1">
-            <a:lumMod val="15000"/>
-            <a:lumOff val="85000"/>
+            <a:lumMod val="65000"/>
+            <a:lumOff val="35000"/>
           </a:schemeClr>
         </a:solidFill>
+        <a:round/>
       </a:ln>
     </cs:spPr>
   </cs:upBar>
@@ -1180,7 +2671,13 @@
       </p:grpSpPr>
       <p:sp>
         <p:nvSpPr>
-          <p:cNvPr id="2" name="Title 1"/>
+          <p:cNvPr id="2" name="Title 1">
+            <a:extLst>
+              <a:ext uri="{FF2B5EF4-FFF2-40B4-BE49-F238E27FC236}">
+                <a16:creationId xmlns:a16="http://schemas.microsoft.com/office/drawing/2014/main" id="{F036C287-2B1C-9694-DE85-EE84ABBDB692}"/>
+              </a:ext>
+            </a:extLst>
+          </p:cNvPr>
           <p:cNvSpPr>
             <a:spLocks noGrp="1"/>
           </p:cNvSpPr>
@@ -1190,15 +2687,15 @@
         </p:nvSpPr>
         <p:spPr>
           <a:xfrm>
-            <a:off x="685800" y="1047539"/>
-            <a:ext cx="7772400" cy="2228427"/>
+            <a:off x="1524000" y="1122363"/>
+            <a:ext cx="9144000" cy="2387600"/>
           </a:xfrm>
         </p:spPr>
         <p:txBody>
           <a:bodyPr anchor="b"/>
           <a:lstStyle>
             <a:lvl1pPr algn="ctr">
-              <a:defRPr sz="5600"/>
+              <a:defRPr sz="6000"/>
             </a:lvl1pPr>
           </a:lstStyle>
           <a:p>
@@ -1206,13 +2703,18 @@
               <a:rPr lang="en-US"/>
               <a:t>Click to edit Master title style</a:t>
             </a:r>
-            <a:endParaRPr lang="en-US" dirty="0"/>
           </a:p>
         </p:txBody>
       </p:sp>
       <p:sp>
         <p:nvSpPr>
-          <p:cNvPr id="3" name="Subtitle 2"/>
+          <p:cNvPr id="3" name="Subtitle 2">
+            <a:extLst>
+              <a:ext uri="{FF2B5EF4-FFF2-40B4-BE49-F238E27FC236}">
+                <a16:creationId xmlns:a16="http://schemas.microsoft.com/office/drawing/2014/main" id="{EA3EED3C-D7C9-DBF6-2F94-2CAC4981CA50}"/>
+              </a:ext>
+            </a:extLst>
+          </p:cNvPr>
           <p:cNvSpPr>
             <a:spLocks noGrp="1"/>
           </p:cNvSpPr>
@@ -1222,8 +2724,8 @@
         </p:nvSpPr>
         <p:spPr>
           <a:xfrm>
-            <a:off x="1143000" y="3361902"/>
-            <a:ext cx="6858000" cy="1545378"/>
+            <a:off x="1524000" y="3602038"/>
+            <a:ext cx="9144000" cy="1655762"/>
           </a:xfrm>
         </p:spPr>
         <p:txBody>
@@ -1231,39 +2733,39 @@
           <a:lstStyle>
             <a:lvl1pPr marL="0" indent="0" algn="ctr">
               <a:buNone/>
-              <a:defRPr sz="2240"/>
+              <a:defRPr sz="2400"/>
             </a:lvl1pPr>
-            <a:lvl2pPr marL="426705" indent="0" algn="ctr">
+            <a:lvl2pPr marL="457200" indent="0" algn="ctr">
               <a:buNone/>
-              <a:defRPr sz="1867"/>
+              <a:defRPr sz="2000"/>
             </a:lvl2pPr>
-            <a:lvl3pPr marL="853410" indent="0" algn="ctr">
+            <a:lvl3pPr marL="914400" indent="0" algn="ctr">
               <a:buNone/>
-              <a:defRPr sz="1680"/>
+              <a:defRPr sz="1800"/>
             </a:lvl3pPr>
-            <a:lvl4pPr marL="1280114" indent="0" algn="ctr">
+            <a:lvl4pPr marL="1371600" indent="0" algn="ctr">
               <a:buNone/>
-              <a:defRPr sz="1493"/>
+              <a:defRPr sz="1600"/>
             </a:lvl4pPr>
-            <a:lvl5pPr marL="1706819" indent="0" algn="ctr">
+            <a:lvl5pPr marL="1828800" indent="0" algn="ctr">
               <a:buNone/>
-              <a:defRPr sz="1493"/>
+              <a:defRPr sz="1600"/>
             </a:lvl5pPr>
-            <a:lvl6pPr marL="2133524" indent="0" algn="ctr">
+            <a:lvl6pPr marL="2286000" indent="0" algn="ctr">
               <a:buNone/>
-              <a:defRPr sz="1493"/>
+              <a:defRPr sz="1600"/>
             </a:lvl6pPr>
-            <a:lvl7pPr marL="2560229" indent="0" algn="ctr">
+            <a:lvl7pPr marL="2743200" indent="0" algn="ctr">
               <a:buNone/>
-              <a:defRPr sz="1493"/>
+              <a:defRPr sz="1600"/>
             </a:lvl7pPr>
-            <a:lvl8pPr marL="2986933" indent="0" algn="ctr">
+            <a:lvl8pPr marL="3200400" indent="0" algn="ctr">
               <a:buNone/>
-              <a:defRPr sz="1493"/>
+              <a:defRPr sz="1600"/>
             </a:lvl8pPr>
-            <a:lvl9pPr marL="3413638" indent="0" algn="ctr">
+            <a:lvl9pPr marL="3657600" indent="0" algn="ctr">
               <a:buNone/>
-              <a:defRPr sz="1493"/>
+              <a:defRPr sz="1600"/>
             </a:lvl9pPr>
           </a:lstStyle>
           <a:p>
@@ -1271,13 +2773,18 @@
               <a:rPr lang="en-US"/>
               <a:t>Click to edit Master subtitle style</a:t>
             </a:r>
-            <a:endParaRPr lang="en-US" dirty="0"/>
           </a:p>
         </p:txBody>
       </p:sp>
       <p:sp>
         <p:nvSpPr>
-          <p:cNvPr id="4" name="Date Placeholder 3"/>
+          <p:cNvPr id="4" name="Date Placeholder 3">
+            <a:extLst>
+              <a:ext uri="{FF2B5EF4-FFF2-40B4-BE49-F238E27FC236}">
+                <a16:creationId xmlns:a16="http://schemas.microsoft.com/office/drawing/2014/main" id="{E43B3399-4676-065D-DFFA-31452DD30DF0}"/>
+              </a:ext>
+            </a:extLst>
+          </p:cNvPr>
           <p:cNvSpPr>
             <a:spLocks noGrp="1"/>
           </p:cNvSpPr>
@@ -1290,9 +2797,9 @@
           <a:bodyPr/>
           <a:lstStyle/>
           <a:p>
-            <a:fld id="{857C8E90-7EDD-4CDC-BF79-D3D421C99482}" type="datetimeFigureOut">
+            <a:fld id="{F2C74AF5-EC85-6A4B-9B51-351E2EFC8432}" type="datetimeFigureOut">
               <a:rPr lang="en-US" smtClean="0"/>
-              <a:t>1/31/2023</a:t>
+              <a:t>5/22/23</a:t>
             </a:fld>
             <a:endParaRPr lang="en-US"/>
           </a:p>
@@ -1300,7 +2807,13 @@
       </p:sp>
       <p:sp>
         <p:nvSpPr>
-          <p:cNvPr id="5" name="Footer Placeholder 4"/>
+          <p:cNvPr id="5" name="Footer Placeholder 4">
+            <a:extLst>
+              <a:ext uri="{FF2B5EF4-FFF2-40B4-BE49-F238E27FC236}">
+                <a16:creationId xmlns:a16="http://schemas.microsoft.com/office/drawing/2014/main" id="{F6CE2159-E87A-2344-54B8-7E8D0507DF7E}"/>
+              </a:ext>
+            </a:extLst>
+          </p:cNvPr>
           <p:cNvSpPr>
             <a:spLocks noGrp="1"/>
           </p:cNvSpPr>
@@ -1319,7 +2832,13 @@
       </p:sp>
       <p:sp>
         <p:nvSpPr>
-          <p:cNvPr id="6" name="Slide Number Placeholder 5"/>
+          <p:cNvPr id="6" name="Slide Number Placeholder 5">
+            <a:extLst>
+              <a:ext uri="{FF2B5EF4-FFF2-40B4-BE49-F238E27FC236}">
+                <a16:creationId xmlns:a16="http://schemas.microsoft.com/office/drawing/2014/main" id="{57FEEC00-948C-2F9C-C12A-931D5B820AF7}"/>
+              </a:ext>
+            </a:extLst>
+          </p:cNvPr>
           <p:cNvSpPr>
             <a:spLocks noGrp="1"/>
           </p:cNvSpPr>
@@ -1332,7 +2851,7 @@
           <a:bodyPr/>
           <a:lstStyle/>
           <a:p>
-            <a:fld id="{1763B5A4-9C0B-49B9-8BE5-C73D78151254}" type="slidenum">
+            <a:fld id="{FFBED26F-E78A-AB45-B18D-0945CB968D8B}" type="slidenum">
               <a:rPr lang="en-US" smtClean="0"/>
               <a:t>‹#›</a:t>
             </a:fld>
@@ -1343,7 +2862,7 @@
     </p:spTree>
     <p:extLst>
       <p:ext uri="{BB962C8B-B14F-4D97-AF65-F5344CB8AC3E}">
-        <p14:creationId xmlns:p14="http://schemas.microsoft.com/office/powerpoint/2010/main" val="481979608"/>
+        <p14:creationId xmlns:p14="http://schemas.microsoft.com/office/powerpoint/2010/main" val="3767228988"/>
       </p:ext>
     </p:extLst>
   </p:cSld>
@@ -1372,7 +2891,13 @@
       </p:grpSpPr>
       <p:sp>
         <p:nvSpPr>
-          <p:cNvPr id="2" name="Title 1"/>
+          <p:cNvPr id="2" name="Title 1">
+            <a:extLst>
+              <a:ext uri="{FF2B5EF4-FFF2-40B4-BE49-F238E27FC236}">
+                <a16:creationId xmlns:a16="http://schemas.microsoft.com/office/drawing/2014/main" id="{A311D86D-ABA1-C11D-3D6F-214164FF209B}"/>
+              </a:ext>
+            </a:extLst>
+          </p:cNvPr>
           <p:cNvSpPr>
             <a:spLocks noGrp="1"/>
           </p:cNvSpPr>
@@ -1389,13 +2914,18 @@
               <a:rPr lang="en-US"/>
               <a:t>Click to edit Master title style</a:t>
             </a:r>
-            <a:endParaRPr lang="en-US" dirty="0"/>
           </a:p>
         </p:txBody>
       </p:sp>
       <p:sp>
         <p:nvSpPr>
-          <p:cNvPr id="3" name="Vertical Text Placeholder 2"/>
+          <p:cNvPr id="3" name="Vertical Text Placeholder 2">
+            <a:extLst>
+              <a:ext uri="{FF2B5EF4-FFF2-40B4-BE49-F238E27FC236}">
+                <a16:creationId xmlns:a16="http://schemas.microsoft.com/office/drawing/2014/main" id="{39080D41-23F3-EC38-2BCE-C1CDCE064412}"/>
+              </a:ext>
+            </a:extLst>
+          </p:cNvPr>
           <p:cNvSpPr>
             <a:spLocks noGrp="1"/>
           </p:cNvSpPr>
@@ -1411,7 +2941,7 @@
             <a:pPr lvl="0"/>
             <a:r>
               <a:rPr lang="en-US"/>
-              <a:t>Edit Master text styles</a:t>
+              <a:t>Click to edit Master text styles</a:t>
             </a:r>
           </a:p>
           <a:p>
@@ -1441,13 +2971,18 @@
               <a:rPr lang="en-US"/>
               <a:t>Fifth level</a:t>
             </a:r>
-            <a:endParaRPr lang="en-US" dirty="0"/>
           </a:p>
         </p:txBody>
       </p:sp>
       <p:sp>
         <p:nvSpPr>
-          <p:cNvPr id="4" name="Date Placeholder 3"/>
+          <p:cNvPr id="4" name="Date Placeholder 3">
+            <a:extLst>
+              <a:ext uri="{FF2B5EF4-FFF2-40B4-BE49-F238E27FC236}">
+                <a16:creationId xmlns:a16="http://schemas.microsoft.com/office/drawing/2014/main" id="{F53D926C-F71C-BF3C-7943-5C3072326B6B}"/>
+              </a:ext>
+            </a:extLst>
+          </p:cNvPr>
           <p:cNvSpPr>
             <a:spLocks noGrp="1"/>
           </p:cNvSpPr>
@@ -1460,9 +2995,9 @@
           <a:bodyPr/>
           <a:lstStyle/>
           <a:p>
-            <a:fld id="{857C8E90-7EDD-4CDC-BF79-D3D421C99482}" type="datetimeFigureOut">
+            <a:fld id="{F2C74AF5-EC85-6A4B-9B51-351E2EFC8432}" type="datetimeFigureOut">
               <a:rPr lang="en-US" smtClean="0"/>
-              <a:t>1/31/2023</a:t>
+              <a:t>5/22/23</a:t>
             </a:fld>
             <a:endParaRPr lang="en-US"/>
           </a:p>
@@ -1470,7 +3005,13 @@
       </p:sp>
       <p:sp>
         <p:nvSpPr>
-          <p:cNvPr id="5" name="Footer Placeholder 4"/>
+          <p:cNvPr id="5" name="Footer Placeholder 4">
+            <a:extLst>
+              <a:ext uri="{FF2B5EF4-FFF2-40B4-BE49-F238E27FC236}">
+                <a16:creationId xmlns:a16="http://schemas.microsoft.com/office/drawing/2014/main" id="{74AD6325-62E9-6B24-70D7-C69855749A1B}"/>
+              </a:ext>
+            </a:extLst>
+          </p:cNvPr>
           <p:cNvSpPr>
             <a:spLocks noGrp="1"/>
           </p:cNvSpPr>
@@ -1489,7 +3030,13 @@
       </p:sp>
       <p:sp>
         <p:nvSpPr>
-          <p:cNvPr id="6" name="Slide Number Placeholder 5"/>
+          <p:cNvPr id="6" name="Slide Number Placeholder 5">
+            <a:extLst>
+              <a:ext uri="{FF2B5EF4-FFF2-40B4-BE49-F238E27FC236}">
+                <a16:creationId xmlns:a16="http://schemas.microsoft.com/office/drawing/2014/main" id="{E5DA00F1-FD4F-29C5-9C24-245F6B9F651D}"/>
+              </a:ext>
+            </a:extLst>
+          </p:cNvPr>
           <p:cNvSpPr>
             <a:spLocks noGrp="1"/>
           </p:cNvSpPr>
@@ -1502,7 +3049,7 @@
           <a:bodyPr/>
           <a:lstStyle/>
           <a:p>
-            <a:fld id="{1763B5A4-9C0B-49B9-8BE5-C73D78151254}" type="slidenum">
+            <a:fld id="{FFBED26F-E78A-AB45-B18D-0945CB968D8B}" type="slidenum">
               <a:rPr lang="en-US" smtClean="0"/>
               <a:t>‹#›</a:t>
             </a:fld>
@@ -1513,7 +3060,7 @@
     </p:spTree>
     <p:extLst>
       <p:ext uri="{BB962C8B-B14F-4D97-AF65-F5344CB8AC3E}">
-        <p14:creationId xmlns:p14="http://schemas.microsoft.com/office/powerpoint/2010/main" val="4175060594"/>
+        <p14:creationId xmlns:p14="http://schemas.microsoft.com/office/powerpoint/2010/main" val="1866563709"/>
       </p:ext>
     </p:extLst>
   </p:cSld>
@@ -1542,7 +3089,13 @@
       </p:grpSpPr>
       <p:sp>
         <p:nvSpPr>
-          <p:cNvPr id="2" name="Vertical Title 1"/>
+          <p:cNvPr id="2" name="Vertical Title 1">
+            <a:extLst>
+              <a:ext uri="{FF2B5EF4-FFF2-40B4-BE49-F238E27FC236}">
+                <a16:creationId xmlns:a16="http://schemas.microsoft.com/office/drawing/2014/main" id="{2727B60D-1A33-F110-2C06-8FA5237B1251}"/>
+              </a:ext>
+            </a:extLst>
+          </p:cNvPr>
           <p:cNvSpPr>
             <a:spLocks noGrp="1"/>
           </p:cNvSpPr>
@@ -1552,8 +3105,8 @@
         </p:nvSpPr>
         <p:spPr>
           <a:xfrm>
-            <a:off x="6543676" y="340783"/>
-            <a:ext cx="1971675" cy="5424382"/>
+            <a:off x="8724900" y="365125"/>
+            <a:ext cx="2628900" cy="5811838"/>
           </a:xfrm>
         </p:spPr>
         <p:txBody>
@@ -1564,13 +3117,18 @@
               <a:rPr lang="en-US"/>
               <a:t>Click to edit Master title style</a:t>
             </a:r>
-            <a:endParaRPr lang="en-US" dirty="0"/>
           </a:p>
         </p:txBody>
       </p:sp>
       <p:sp>
         <p:nvSpPr>
-          <p:cNvPr id="3" name="Vertical Text Placeholder 2"/>
+          <p:cNvPr id="3" name="Vertical Text Placeholder 2">
+            <a:extLst>
+              <a:ext uri="{FF2B5EF4-FFF2-40B4-BE49-F238E27FC236}">
+                <a16:creationId xmlns:a16="http://schemas.microsoft.com/office/drawing/2014/main" id="{F87F3389-CEFE-4E47-36A8-5CBE2FB121E2}"/>
+              </a:ext>
+            </a:extLst>
+          </p:cNvPr>
           <p:cNvSpPr>
             <a:spLocks noGrp="1"/>
           </p:cNvSpPr>
@@ -1580,8 +3138,8 @@
         </p:nvSpPr>
         <p:spPr>
           <a:xfrm>
-            <a:off x="628651" y="340783"/>
-            <a:ext cx="5800725" cy="5424382"/>
+            <a:off x="838200" y="365125"/>
+            <a:ext cx="7734300" cy="5811838"/>
           </a:xfrm>
         </p:spPr>
         <p:txBody>
@@ -1591,7 +3149,7 @@
             <a:pPr lvl="0"/>
             <a:r>
               <a:rPr lang="en-US"/>
-              <a:t>Edit Master text styles</a:t>
+              <a:t>Click to edit Master text styles</a:t>
             </a:r>
           </a:p>
           <a:p>
@@ -1621,13 +3179,18 @@
               <a:rPr lang="en-US"/>
               <a:t>Fifth level</a:t>
             </a:r>
-            <a:endParaRPr lang="en-US" dirty="0"/>
           </a:p>
         </p:txBody>
       </p:sp>
       <p:sp>
         <p:nvSpPr>
-          <p:cNvPr id="4" name="Date Placeholder 3"/>
+          <p:cNvPr id="4" name="Date Placeholder 3">
+            <a:extLst>
+              <a:ext uri="{FF2B5EF4-FFF2-40B4-BE49-F238E27FC236}">
+                <a16:creationId xmlns:a16="http://schemas.microsoft.com/office/drawing/2014/main" id="{F195FE5B-EC60-5032-57FF-64440922F6ED}"/>
+              </a:ext>
+            </a:extLst>
+          </p:cNvPr>
           <p:cNvSpPr>
             <a:spLocks noGrp="1"/>
           </p:cNvSpPr>
@@ -1640,9 +3203,9 @@
           <a:bodyPr/>
           <a:lstStyle/>
           <a:p>
-            <a:fld id="{857C8E90-7EDD-4CDC-BF79-D3D421C99482}" type="datetimeFigureOut">
+            <a:fld id="{F2C74AF5-EC85-6A4B-9B51-351E2EFC8432}" type="datetimeFigureOut">
               <a:rPr lang="en-US" smtClean="0"/>
-              <a:t>1/31/2023</a:t>
+              <a:t>5/22/23</a:t>
             </a:fld>
             <a:endParaRPr lang="en-US"/>
           </a:p>
@@ -1650,7 +3213,13 @@
       </p:sp>
       <p:sp>
         <p:nvSpPr>
-          <p:cNvPr id="5" name="Footer Placeholder 4"/>
+          <p:cNvPr id="5" name="Footer Placeholder 4">
+            <a:extLst>
+              <a:ext uri="{FF2B5EF4-FFF2-40B4-BE49-F238E27FC236}">
+                <a16:creationId xmlns:a16="http://schemas.microsoft.com/office/drawing/2014/main" id="{62686152-23DB-D9B2-F13F-2720F4440D3F}"/>
+              </a:ext>
+            </a:extLst>
+          </p:cNvPr>
           <p:cNvSpPr>
             <a:spLocks noGrp="1"/>
           </p:cNvSpPr>
@@ -1669,7 +3238,13 @@
       </p:sp>
       <p:sp>
         <p:nvSpPr>
-          <p:cNvPr id="6" name="Slide Number Placeholder 5"/>
+          <p:cNvPr id="6" name="Slide Number Placeholder 5">
+            <a:extLst>
+              <a:ext uri="{FF2B5EF4-FFF2-40B4-BE49-F238E27FC236}">
+                <a16:creationId xmlns:a16="http://schemas.microsoft.com/office/drawing/2014/main" id="{D1FEABD6-E528-A5D8-78FC-EE3EE46F845A}"/>
+              </a:ext>
+            </a:extLst>
+          </p:cNvPr>
           <p:cNvSpPr>
             <a:spLocks noGrp="1"/>
           </p:cNvSpPr>
@@ -1682,7 +3257,7 @@
           <a:bodyPr/>
           <a:lstStyle/>
           <a:p>
-            <a:fld id="{1763B5A4-9C0B-49B9-8BE5-C73D78151254}" type="slidenum">
+            <a:fld id="{FFBED26F-E78A-AB45-B18D-0945CB968D8B}" type="slidenum">
               <a:rPr lang="en-US" smtClean="0"/>
               <a:t>‹#›</a:t>
             </a:fld>
@@ -1693,7 +3268,7 @@
     </p:spTree>
     <p:extLst>
       <p:ext uri="{BB962C8B-B14F-4D97-AF65-F5344CB8AC3E}">
-        <p14:creationId xmlns:p14="http://schemas.microsoft.com/office/powerpoint/2010/main" val="1474288072"/>
+        <p14:creationId xmlns:p14="http://schemas.microsoft.com/office/powerpoint/2010/main" val="361601502"/>
       </p:ext>
     </p:extLst>
   </p:cSld>
@@ -1722,7 +3297,13 @@
       </p:grpSpPr>
       <p:sp>
         <p:nvSpPr>
-          <p:cNvPr id="2" name="Title 1"/>
+          <p:cNvPr id="2" name="Title 1">
+            <a:extLst>
+              <a:ext uri="{FF2B5EF4-FFF2-40B4-BE49-F238E27FC236}">
+                <a16:creationId xmlns:a16="http://schemas.microsoft.com/office/drawing/2014/main" id="{5B592AD3-D139-704E-4269-BF8176684226}"/>
+              </a:ext>
+            </a:extLst>
+          </p:cNvPr>
           <p:cNvSpPr>
             <a:spLocks noGrp="1"/>
           </p:cNvSpPr>
@@ -1739,13 +3320,18 @@
               <a:rPr lang="en-US"/>
               <a:t>Click to edit Master title style</a:t>
             </a:r>
-            <a:endParaRPr lang="en-US" dirty="0"/>
           </a:p>
         </p:txBody>
       </p:sp>
       <p:sp>
         <p:nvSpPr>
-          <p:cNvPr id="3" name="Content Placeholder 2"/>
+          <p:cNvPr id="3" name="Content Placeholder 2">
+            <a:extLst>
+              <a:ext uri="{FF2B5EF4-FFF2-40B4-BE49-F238E27FC236}">
+                <a16:creationId xmlns:a16="http://schemas.microsoft.com/office/drawing/2014/main" id="{24DE8566-9F68-D643-A7B6-06D57C9FB192}"/>
+              </a:ext>
+            </a:extLst>
+          </p:cNvPr>
           <p:cNvSpPr>
             <a:spLocks noGrp="1"/>
           </p:cNvSpPr>
@@ -1761,7 +3347,7 @@
             <a:pPr lvl="0"/>
             <a:r>
               <a:rPr lang="en-US"/>
-              <a:t>Edit Master text styles</a:t>
+              <a:t>Click to edit Master text styles</a:t>
             </a:r>
           </a:p>
           <a:p>
@@ -1791,13 +3377,18 @@
               <a:rPr lang="en-US"/>
               <a:t>Fifth level</a:t>
             </a:r>
-            <a:endParaRPr lang="en-US" dirty="0"/>
           </a:p>
         </p:txBody>
       </p:sp>
       <p:sp>
         <p:nvSpPr>
-          <p:cNvPr id="4" name="Date Placeholder 3"/>
+          <p:cNvPr id="4" name="Date Placeholder 3">
+            <a:extLst>
+              <a:ext uri="{FF2B5EF4-FFF2-40B4-BE49-F238E27FC236}">
+                <a16:creationId xmlns:a16="http://schemas.microsoft.com/office/drawing/2014/main" id="{E4D7C845-ABC5-E4B9-414F-1695D77719C9}"/>
+              </a:ext>
+            </a:extLst>
+          </p:cNvPr>
           <p:cNvSpPr>
             <a:spLocks noGrp="1"/>
           </p:cNvSpPr>
@@ -1810,9 +3401,9 @@
           <a:bodyPr/>
           <a:lstStyle/>
           <a:p>
-            <a:fld id="{857C8E90-7EDD-4CDC-BF79-D3D421C99482}" type="datetimeFigureOut">
+            <a:fld id="{F2C74AF5-EC85-6A4B-9B51-351E2EFC8432}" type="datetimeFigureOut">
               <a:rPr lang="en-US" smtClean="0"/>
-              <a:t>1/31/2023</a:t>
+              <a:t>5/22/23</a:t>
             </a:fld>
             <a:endParaRPr lang="en-US"/>
           </a:p>
@@ -1820,7 +3411,13 @@
       </p:sp>
       <p:sp>
         <p:nvSpPr>
-          <p:cNvPr id="5" name="Footer Placeholder 4"/>
+          <p:cNvPr id="5" name="Footer Placeholder 4">
+            <a:extLst>
+              <a:ext uri="{FF2B5EF4-FFF2-40B4-BE49-F238E27FC236}">
+                <a16:creationId xmlns:a16="http://schemas.microsoft.com/office/drawing/2014/main" id="{0FE83DBA-EE19-0A9C-4B95-E7E494EABC09}"/>
+              </a:ext>
+            </a:extLst>
+          </p:cNvPr>
           <p:cNvSpPr>
             <a:spLocks noGrp="1"/>
           </p:cNvSpPr>
@@ -1839,7 +3436,13 @@
       </p:sp>
       <p:sp>
         <p:nvSpPr>
-          <p:cNvPr id="6" name="Slide Number Placeholder 5"/>
+          <p:cNvPr id="6" name="Slide Number Placeholder 5">
+            <a:extLst>
+              <a:ext uri="{FF2B5EF4-FFF2-40B4-BE49-F238E27FC236}">
+                <a16:creationId xmlns:a16="http://schemas.microsoft.com/office/drawing/2014/main" id="{11AE1DE1-014E-8B63-79ED-2B2DD19DDE39}"/>
+              </a:ext>
+            </a:extLst>
+          </p:cNvPr>
           <p:cNvSpPr>
             <a:spLocks noGrp="1"/>
           </p:cNvSpPr>
@@ -1852,7 +3455,7 @@
           <a:bodyPr/>
           <a:lstStyle/>
           <a:p>
-            <a:fld id="{1763B5A4-9C0B-49B9-8BE5-C73D78151254}" type="slidenum">
+            <a:fld id="{FFBED26F-E78A-AB45-B18D-0945CB968D8B}" type="slidenum">
               <a:rPr lang="en-US" smtClean="0"/>
               <a:t>‹#›</a:t>
             </a:fld>
@@ -1863,7 +3466,7 @@
     </p:spTree>
     <p:extLst>
       <p:ext uri="{BB962C8B-B14F-4D97-AF65-F5344CB8AC3E}">
-        <p14:creationId xmlns:p14="http://schemas.microsoft.com/office/powerpoint/2010/main" val="1652904573"/>
+        <p14:creationId xmlns:p14="http://schemas.microsoft.com/office/powerpoint/2010/main" val="3850721656"/>
       </p:ext>
     </p:extLst>
   </p:cSld>
@@ -1892,7 +3495,13 @@
       </p:grpSpPr>
       <p:sp>
         <p:nvSpPr>
-          <p:cNvPr id="2" name="Title 1"/>
+          <p:cNvPr id="2" name="Title 1">
+            <a:extLst>
+              <a:ext uri="{FF2B5EF4-FFF2-40B4-BE49-F238E27FC236}">
+                <a16:creationId xmlns:a16="http://schemas.microsoft.com/office/drawing/2014/main" id="{A3904209-C40B-D740-C0D9-09636B8B2F1D}"/>
+              </a:ext>
+            </a:extLst>
+          </p:cNvPr>
           <p:cNvSpPr>
             <a:spLocks noGrp="1"/>
           </p:cNvSpPr>
@@ -1902,15 +3511,15 @@
         </p:nvSpPr>
         <p:spPr>
           <a:xfrm>
-            <a:off x="623888" y="1595757"/>
-            <a:ext cx="7886700" cy="2662555"/>
+            <a:off x="831850" y="1709738"/>
+            <a:ext cx="10515600" cy="2852737"/>
           </a:xfrm>
         </p:spPr>
         <p:txBody>
           <a:bodyPr anchor="b"/>
           <a:lstStyle>
             <a:lvl1pPr>
-              <a:defRPr sz="5600"/>
+              <a:defRPr sz="6000"/>
             </a:lvl1pPr>
           </a:lstStyle>
           <a:p>
@@ -1918,13 +3527,18 @@
               <a:rPr lang="en-US"/>
               <a:t>Click to edit Master title style</a:t>
             </a:r>
-            <a:endParaRPr lang="en-US" dirty="0"/>
           </a:p>
         </p:txBody>
       </p:sp>
       <p:sp>
         <p:nvSpPr>
-          <p:cNvPr id="3" name="Text Placeholder 2"/>
+          <p:cNvPr id="3" name="Text Placeholder 2">
+            <a:extLst>
+              <a:ext uri="{FF2B5EF4-FFF2-40B4-BE49-F238E27FC236}">
+                <a16:creationId xmlns:a16="http://schemas.microsoft.com/office/drawing/2014/main" id="{817468D5-D8CB-257B-EAE8-566629C4E543}"/>
+              </a:ext>
+            </a:extLst>
+          </p:cNvPr>
           <p:cNvSpPr>
             <a:spLocks noGrp="1"/>
           </p:cNvSpPr>
@@ -1934,8 +3548,8 @@
         </p:nvSpPr>
         <p:spPr>
           <a:xfrm>
-            <a:off x="623888" y="4283500"/>
-            <a:ext cx="7886700" cy="1400175"/>
+            <a:off x="831850" y="4589463"/>
+            <a:ext cx="10515600" cy="1500187"/>
           </a:xfrm>
         </p:spPr>
         <p:txBody>
@@ -1943,15 +3557,17 @@
           <a:lstStyle>
             <a:lvl1pPr marL="0" indent="0">
               <a:buNone/>
-              <a:defRPr sz="2240">
+              <a:defRPr sz="2400">
                 <a:solidFill>
-                  <a:schemeClr val="tx1"/>
+                  <a:schemeClr val="tx1">
+                    <a:tint val="75000"/>
+                  </a:schemeClr>
                 </a:solidFill>
               </a:defRPr>
             </a:lvl1pPr>
-            <a:lvl2pPr marL="426705" indent="0">
+            <a:lvl2pPr marL="457200" indent="0">
               <a:buNone/>
-              <a:defRPr sz="1867">
+              <a:defRPr sz="2000">
                 <a:solidFill>
                   <a:schemeClr val="tx1">
                     <a:tint val="75000"/>
@@ -1959,9 +3575,9 @@
                 </a:solidFill>
               </a:defRPr>
             </a:lvl2pPr>
-            <a:lvl3pPr marL="853410" indent="0">
+            <a:lvl3pPr marL="914400" indent="0">
               <a:buNone/>
-              <a:defRPr sz="1680">
+              <a:defRPr sz="1800">
                 <a:solidFill>
                   <a:schemeClr val="tx1">
                     <a:tint val="75000"/>
@@ -1969,9 +3585,9 @@
                 </a:solidFill>
               </a:defRPr>
             </a:lvl3pPr>
-            <a:lvl4pPr marL="1280114" indent="0">
+            <a:lvl4pPr marL="1371600" indent="0">
               <a:buNone/>
-              <a:defRPr sz="1493">
+              <a:defRPr sz="1600">
                 <a:solidFill>
                   <a:schemeClr val="tx1">
                     <a:tint val="75000"/>
@@ -1979,9 +3595,9 @@
                 </a:solidFill>
               </a:defRPr>
             </a:lvl4pPr>
-            <a:lvl5pPr marL="1706819" indent="0">
+            <a:lvl5pPr marL="1828800" indent="0">
               <a:buNone/>
-              <a:defRPr sz="1493">
+              <a:defRPr sz="1600">
                 <a:solidFill>
                   <a:schemeClr val="tx1">
                     <a:tint val="75000"/>
@@ -1989,9 +3605,9 @@
                 </a:solidFill>
               </a:defRPr>
             </a:lvl5pPr>
-            <a:lvl6pPr marL="2133524" indent="0">
+            <a:lvl6pPr marL="2286000" indent="0">
               <a:buNone/>
-              <a:defRPr sz="1493">
+              <a:defRPr sz="1600">
                 <a:solidFill>
                   <a:schemeClr val="tx1">
                     <a:tint val="75000"/>
@@ -1999,9 +3615,9 @@
                 </a:solidFill>
               </a:defRPr>
             </a:lvl6pPr>
-            <a:lvl7pPr marL="2560229" indent="0">
+            <a:lvl7pPr marL="2743200" indent="0">
               <a:buNone/>
-              <a:defRPr sz="1493">
+              <a:defRPr sz="1600">
                 <a:solidFill>
                   <a:schemeClr val="tx1">
                     <a:tint val="75000"/>
@@ -2009,9 +3625,9 @@
                 </a:solidFill>
               </a:defRPr>
             </a:lvl7pPr>
-            <a:lvl8pPr marL="2986933" indent="0">
+            <a:lvl8pPr marL="3200400" indent="0">
               <a:buNone/>
-              <a:defRPr sz="1493">
+              <a:defRPr sz="1600">
                 <a:solidFill>
                   <a:schemeClr val="tx1">
                     <a:tint val="75000"/>
@@ -2019,9 +3635,9 @@
                 </a:solidFill>
               </a:defRPr>
             </a:lvl8pPr>
-            <a:lvl9pPr marL="3413638" indent="0">
+            <a:lvl9pPr marL="3657600" indent="0">
               <a:buNone/>
-              <a:defRPr sz="1493">
+              <a:defRPr sz="1600">
                 <a:solidFill>
                   <a:schemeClr val="tx1">
                     <a:tint val="75000"/>
@@ -2034,14 +3650,20 @@
             <a:pPr lvl="0"/>
             <a:r>
               <a:rPr lang="en-US"/>
-              <a:t>Edit Master text styles</a:t>
+              <a:t>Click to edit Master text styles</a:t>
             </a:r>
           </a:p>
         </p:txBody>
       </p:sp>
       <p:sp>
         <p:nvSpPr>
-          <p:cNvPr id="4" name="Date Placeholder 3"/>
+          <p:cNvPr id="4" name="Date Placeholder 3">
+            <a:extLst>
+              <a:ext uri="{FF2B5EF4-FFF2-40B4-BE49-F238E27FC236}">
+                <a16:creationId xmlns:a16="http://schemas.microsoft.com/office/drawing/2014/main" id="{693476EB-D761-3293-DAD1-B8F6E0E2968A}"/>
+              </a:ext>
+            </a:extLst>
+          </p:cNvPr>
           <p:cNvSpPr>
             <a:spLocks noGrp="1"/>
           </p:cNvSpPr>
@@ -2054,9 +3676,9 @@
           <a:bodyPr/>
           <a:lstStyle/>
           <a:p>
-            <a:fld id="{857C8E90-7EDD-4CDC-BF79-D3D421C99482}" type="datetimeFigureOut">
+            <a:fld id="{F2C74AF5-EC85-6A4B-9B51-351E2EFC8432}" type="datetimeFigureOut">
               <a:rPr lang="en-US" smtClean="0"/>
-              <a:t>1/31/2023</a:t>
+              <a:t>5/22/23</a:t>
             </a:fld>
             <a:endParaRPr lang="en-US"/>
           </a:p>
@@ -2064,7 +3686,13 @@
       </p:sp>
       <p:sp>
         <p:nvSpPr>
-          <p:cNvPr id="5" name="Footer Placeholder 4"/>
+          <p:cNvPr id="5" name="Footer Placeholder 4">
+            <a:extLst>
+              <a:ext uri="{FF2B5EF4-FFF2-40B4-BE49-F238E27FC236}">
+                <a16:creationId xmlns:a16="http://schemas.microsoft.com/office/drawing/2014/main" id="{0DB279FD-76B5-71BB-C194-63CE976E79BC}"/>
+              </a:ext>
+            </a:extLst>
+          </p:cNvPr>
           <p:cNvSpPr>
             <a:spLocks noGrp="1"/>
           </p:cNvSpPr>
@@ -2083,7 +3711,13 @@
       </p:sp>
       <p:sp>
         <p:nvSpPr>
-          <p:cNvPr id="6" name="Slide Number Placeholder 5"/>
+          <p:cNvPr id="6" name="Slide Number Placeholder 5">
+            <a:extLst>
+              <a:ext uri="{FF2B5EF4-FFF2-40B4-BE49-F238E27FC236}">
+                <a16:creationId xmlns:a16="http://schemas.microsoft.com/office/drawing/2014/main" id="{83EDAB38-3B16-F670-FA3C-4BB2DFF43B2C}"/>
+              </a:ext>
+            </a:extLst>
+          </p:cNvPr>
           <p:cNvSpPr>
             <a:spLocks noGrp="1"/>
           </p:cNvSpPr>
@@ -2096,7 +3730,7 @@
           <a:bodyPr/>
           <a:lstStyle/>
           <a:p>
-            <a:fld id="{1763B5A4-9C0B-49B9-8BE5-C73D78151254}" type="slidenum">
+            <a:fld id="{FFBED26F-E78A-AB45-B18D-0945CB968D8B}" type="slidenum">
               <a:rPr lang="en-US" smtClean="0"/>
               <a:t>‹#›</a:t>
             </a:fld>
@@ -2107,7 +3741,7 @@
     </p:spTree>
     <p:extLst>
       <p:ext uri="{BB962C8B-B14F-4D97-AF65-F5344CB8AC3E}">
-        <p14:creationId xmlns:p14="http://schemas.microsoft.com/office/powerpoint/2010/main" val="2492324851"/>
+        <p14:creationId xmlns:p14="http://schemas.microsoft.com/office/powerpoint/2010/main" val="753430140"/>
       </p:ext>
     </p:extLst>
   </p:cSld>
@@ -2136,7 +3770,13 @@
       </p:grpSpPr>
       <p:sp>
         <p:nvSpPr>
-          <p:cNvPr id="2" name="Title 1"/>
+          <p:cNvPr id="2" name="Title 1">
+            <a:extLst>
+              <a:ext uri="{FF2B5EF4-FFF2-40B4-BE49-F238E27FC236}">
+                <a16:creationId xmlns:a16="http://schemas.microsoft.com/office/drawing/2014/main" id="{C31A4017-0508-BAFC-83E0-4556361FEDDF}"/>
+              </a:ext>
+            </a:extLst>
+          </p:cNvPr>
           <p:cNvSpPr>
             <a:spLocks noGrp="1"/>
           </p:cNvSpPr>
@@ -2153,13 +3793,18 @@
               <a:rPr lang="en-US"/>
               <a:t>Click to edit Master title style</a:t>
             </a:r>
-            <a:endParaRPr lang="en-US" dirty="0"/>
           </a:p>
         </p:txBody>
       </p:sp>
       <p:sp>
         <p:nvSpPr>
-          <p:cNvPr id="3" name="Content Placeholder 2"/>
+          <p:cNvPr id="3" name="Content Placeholder 2">
+            <a:extLst>
+              <a:ext uri="{FF2B5EF4-FFF2-40B4-BE49-F238E27FC236}">
+                <a16:creationId xmlns:a16="http://schemas.microsoft.com/office/drawing/2014/main" id="{98E396B5-9910-18CF-3A50-CBFCC576A3EF}"/>
+              </a:ext>
+            </a:extLst>
+          </p:cNvPr>
           <p:cNvSpPr>
             <a:spLocks noGrp="1"/>
           </p:cNvSpPr>
@@ -2169,8 +3814,8 @@
         </p:nvSpPr>
         <p:spPr>
           <a:xfrm>
-            <a:off x="628650" y="1703917"/>
-            <a:ext cx="3886200" cy="4061249"/>
+            <a:off x="838200" y="1825625"/>
+            <a:ext cx="5181600" cy="4351338"/>
           </a:xfrm>
         </p:spPr>
         <p:txBody>
@@ -2180,7 +3825,7 @@
             <a:pPr lvl="0"/>
             <a:r>
               <a:rPr lang="en-US"/>
-              <a:t>Edit Master text styles</a:t>
+              <a:t>Click to edit Master text styles</a:t>
             </a:r>
           </a:p>
           <a:p>
@@ -2210,13 +3855,18 @@
               <a:rPr lang="en-US"/>
               <a:t>Fifth level</a:t>
             </a:r>
-            <a:endParaRPr lang="en-US" dirty="0"/>
           </a:p>
         </p:txBody>
       </p:sp>
       <p:sp>
         <p:nvSpPr>
-          <p:cNvPr id="4" name="Content Placeholder 3"/>
+          <p:cNvPr id="4" name="Content Placeholder 3">
+            <a:extLst>
+              <a:ext uri="{FF2B5EF4-FFF2-40B4-BE49-F238E27FC236}">
+                <a16:creationId xmlns:a16="http://schemas.microsoft.com/office/drawing/2014/main" id="{8FD36EC9-3E63-7C87-B82C-5A415D414751}"/>
+              </a:ext>
+            </a:extLst>
+          </p:cNvPr>
           <p:cNvSpPr>
             <a:spLocks noGrp="1"/>
           </p:cNvSpPr>
@@ -2226,8 +3876,8 @@
         </p:nvSpPr>
         <p:spPr>
           <a:xfrm>
-            <a:off x="4629150" y="1703917"/>
-            <a:ext cx="3886200" cy="4061249"/>
+            <a:off x="6172200" y="1825625"/>
+            <a:ext cx="5181600" cy="4351338"/>
           </a:xfrm>
         </p:spPr>
         <p:txBody>
@@ -2237,7 +3887,7 @@
             <a:pPr lvl="0"/>
             <a:r>
               <a:rPr lang="en-US"/>
-              <a:t>Edit Master text styles</a:t>
+              <a:t>Click to edit Master text styles</a:t>
             </a:r>
           </a:p>
           <a:p>
@@ -2267,13 +3917,18 @@
               <a:rPr lang="en-US"/>
               <a:t>Fifth level</a:t>
             </a:r>
-            <a:endParaRPr lang="en-US" dirty="0"/>
           </a:p>
         </p:txBody>
       </p:sp>
       <p:sp>
         <p:nvSpPr>
-          <p:cNvPr id="5" name="Date Placeholder 4"/>
+          <p:cNvPr id="5" name="Date Placeholder 4">
+            <a:extLst>
+              <a:ext uri="{FF2B5EF4-FFF2-40B4-BE49-F238E27FC236}">
+                <a16:creationId xmlns:a16="http://schemas.microsoft.com/office/drawing/2014/main" id="{54EAA3FF-0E0D-7AE7-3D27-6FBB5301306B}"/>
+              </a:ext>
+            </a:extLst>
+          </p:cNvPr>
           <p:cNvSpPr>
             <a:spLocks noGrp="1"/>
           </p:cNvSpPr>
@@ -2286,9 +3941,9 @@
           <a:bodyPr/>
           <a:lstStyle/>
           <a:p>
-            <a:fld id="{857C8E90-7EDD-4CDC-BF79-D3D421C99482}" type="datetimeFigureOut">
+            <a:fld id="{F2C74AF5-EC85-6A4B-9B51-351E2EFC8432}" type="datetimeFigureOut">
               <a:rPr lang="en-US" smtClean="0"/>
-              <a:t>1/31/2023</a:t>
+              <a:t>5/22/23</a:t>
             </a:fld>
             <a:endParaRPr lang="en-US"/>
           </a:p>
@@ -2296,7 +3951,13 @@
       </p:sp>
       <p:sp>
         <p:nvSpPr>
-          <p:cNvPr id="6" name="Footer Placeholder 5"/>
+          <p:cNvPr id="6" name="Footer Placeholder 5">
+            <a:extLst>
+              <a:ext uri="{FF2B5EF4-FFF2-40B4-BE49-F238E27FC236}">
+                <a16:creationId xmlns:a16="http://schemas.microsoft.com/office/drawing/2014/main" id="{1D1A0F09-0525-9658-E045-0A5910F1C560}"/>
+              </a:ext>
+            </a:extLst>
+          </p:cNvPr>
           <p:cNvSpPr>
             <a:spLocks noGrp="1"/>
           </p:cNvSpPr>
@@ -2315,7 +3976,13 @@
       </p:sp>
       <p:sp>
         <p:nvSpPr>
-          <p:cNvPr id="7" name="Slide Number Placeholder 6"/>
+          <p:cNvPr id="7" name="Slide Number Placeholder 6">
+            <a:extLst>
+              <a:ext uri="{FF2B5EF4-FFF2-40B4-BE49-F238E27FC236}">
+                <a16:creationId xmlns:a16="http://schemas.microsoft.com/office/drawing/2014/main" id="{3733D95A-4A9B-BB9B-A592-21A3841399AA}"/>
+              </a:ext>
+            </a:extLst>
+          </p:cNvPr>
           <p:cNvSpPr>
             <a:spLocks noGrp="1"/>
           </p:cNvSpPr>
@@ -2328,7 +3995,7 @@
           <a:bodyPr/>
           <a:lstStyle/>
           <a:p>
-            <a:fld id="{1763B5A4-9C0B-49B9-8BE5-C73D78151254}" type="slidenum">
+            <a:fld id="{FFBED26F-E78A-AB45-B18D-0945CB968D8B}" type="slidenum">
               <a:rPr lang="en-US" smtClean="0"/>
               <a:t>‹#›</a:t>
             </a:fld>
@@ -2339,7 +4006,7 @@
     </p:spTree>
     <p:extLst>
       <p:ext uri="{BB962C8B-B14F-4D97-AF65-F5344CB8AC3E}">
-        <p14:creationId xmlns:p14="http://schemas.microsoft.com/office/powerpoint/2010/main" val="1210941169"/>
+        <p14:creationId xmlns:p14="http://schemas.microsoft.com/office/powerpoint/2010/main" val="1368252410"/>
       </p:ext>
     </p:extLst>
   </p:cSld>
@@ -2368,7 +4035,13 @@
       </p:grpSpPr>
       <p:sp>
         <p:nvSpPr>
-          <p:cNvPr id="2" name="Title 1"/>
+          <p:cNvPr id="2" name="Title 1">
+            <a:extLst>
+              <a:ext uri="{FF2B5EF4-FFF2-40B4-BE49-F238E27FC236}">
+                <a16:creationId xmlns:a16="http://schemas.microsoft.com/office/drawing/2014/main" id="{6A1C95D7-15A0-54C3-901D-8B6359241BB9}"/>
+              </a:ext>
+            </a:extLst>
+          </p:cNvPr>
           <p:cNvSpPr>
             <a:spLocks noGrp="1"/>
           </p:cNvSpPr>
@@ -2378,8 +4051,8 @@
         </p:nvSpPr>
         <p:spPr>
           <a:xfrm>
-            <a:off x="629841" y="340785"/>
-            <a:ext cx="7886700" cy="1237192"/>
+            <a:off x="839788" y="365125"/>
+            <a:ext cx="10515600" cy="1325563"/>
           </a:xfrm>
         </p:spPr>
         <p:txBody>
@@ -2390,13 +4063,18 @@
               <a:rPr lang="en-US"/>
               <a:t>Click to edit Master title style</a:t>
             </a:r>
-            <a:endParaRPr lang="en-US" dirty="0"/>
           </a:p>
         </p:txBody>
       </p:sp>
       <p:sp>
         <p:nvSpPr>
-          <p:cNvPr id="3" name="Text Placeholder 2"/>
+          <p:cNvPr id="3" name="Text Placeholder 2">
+            <a:extLst>
+              <a:ext uri="{FF2B5EF4-FFF2-40B4-BE49-F238E27FC236}">
+                <a16:creationId xmlns:a16="http://schemas.microsoft.com/office/drawing/2014/main" id="{080A6CD8-D296-3389-7DD8-3B4F80FF59BA}"/>
+              </a:ext>
+            </a:extLst>
+          </p:cNvPr>
           <p:cNvSpPr>
             <a:spLocks noGrp="1"/>
           </p:cNvSpPr>
@@ -2406,8 +4084,8 @@
         </p:nvSpPr>
         <p:spPr>
           <a:xfrm>
-            <a:off x="629842" y="1569085"/>
-            <a:ext cx="3868340" cy="768985"/>
+            <a:off x="839788" y="1681163"/>
+            <a:ext cx="5157787" cy="823912"/>
           </a:xfrm>
         </p:spPr>
         <p:txBody>
@@ -2415,53 +4093,59 @@
           <a:lstStyle>
             <a:lvl1pPr marL="0" indent="0">
               <a:buNone/>
-              <a:defRPr sz="2240" b="1"/>
+              <a:defRPr sz="2400" b="1"/>
             </a:lvl1pPr>
-            <a:lvl2pPr marL="426705" indent="0">
+            <a:lvl2pPr marL="457200" indent="0">
               <a:buNone/>
-              <a:defRPr sz="1867" b="1"/>
+              <a:defRPr sz="2000" b="1"/>
             </a:lvl2pPr>
-            <a:lvl3pPr marL="853410" indent="0">
+            <a:lvl3pPr marL="914400" indent="0">
               <a:buNone/>
-              <a:defRPr sz="1680" b="1"/>
+              <a:defRPr sz="1800" b="1"/>
             </a:lvl3pPr>
-            <a:lvl4pPr marL="1280114" indent="0">
+            <a:lvl4pPr marL="1371600" indent="0">
               <a:buNone/>
-              <a:defRPr sz="1493" b="1"/>
+              <a:defRPr sz="1600" b="1"/>
             </a:lvl4pPr>
-            <a:lvl5pPr marL="1706819" indent="0">
+            <a:lvl5pPr marL="1828800" indent="0">
               <a:buNone/>
-              <a:defRPr sz="1493" b="1"/>
+              <a:defRPr sz="1600" b="1"/>
             </a:lvl5pPr>
-            <a:lvl6pPr marL="2133524" indent="0">
+            <a:lvl6pPr marL="2286000" indent="0">
               <a:buNone/>
-              <a:defRPr sz="1493" b="1"/>
+              <a:defRPr sz="1600" b="1"/>
             </a:lvl6pPr>
-            <a:lvl7pPr marL="2560229" indent="0">
+            <a:lvl7pPr marL="2743200" indent="0">
               <a:buNone/>
-              <a:defRPr sz="1493" b="1"/>
+              <a:defRPr sz="1600" b="1"/>
             </a:lvl7pPr>
-            <a:lvl8pPr marL="2986933" indent="0">
+            <a:lvl8pPr marL="3200400" indent="0">
               <a:buNone/>
-              <a:defRPr sz="1493" b="1"/>
+              <a:defRPr sz="1600" b="1"/>
             </a:lvl8pPr>
-            <a:lvl9pPr marL="3413638" indent="0">
+            <a:lvl9pPr marL="3657600" indent="0">
               <a:buNone/>
-              <a:defRPr sz="1493" b="1"/>
+              <a:defRPr sz="1600" b="1"/>
             </a:lvl9pPr>
           </a:lstStyle>
           <a:p>
             <a:pPr lvl="0"/>
             <a:r>
               <a:rPr lang="en-US"/>
-              <a:t>Edit Master text styles</a:t>
+              <a:t>Click to edit Master text styles</a:t>
             </a:r>
           </a:p>
         </p:txBody>
       </p:sp>
       <p:sp>
         <p:nvSpPr>
-          <p:cNvPr id="4" name="Content Placeholder 3"/>
+          <p:cNvPr id="4" name="Content Placeholder 3">
+            <a:extLst>
+              <a:ext uri="{FF2B5EF4-FFF2-40B4-BE49-F238E27FC236}">
+                <a16:creationId xmlns:a16="http://schemas.microsoft.com/office/drawing/2014/main" id="{16AB40F4-C3E7-8621-7C29-524D44DE3D3E}"/>
+              </a:ext>
+            </a:extLst>
+          </p:cNvPr>
           <p:cNvSpPr>
             <a:spLocks noGrp="1"/>
           </p:cNvSpPr>
@@ -2471,8 +4155,8 @@
         </p:nvSpPr>
         <p:spPr>
           <a:xfrm>
-            <a:off x="629842" y="2338070"/>
-            <a:ext cx="3868340" cy="3438949"/>
+            <a:off x="839788" y="2505075"/>
+            <a:ext cx="5157787" cy="3684588"/>
           </a:xfrm>
         </p:spPr>
         <p:txBody>
@@ -2482,7 +4166,7 @@
             <a:pPr lvl="0"/>
             <a:r>
               <a:rPr lang="en-US"/>
-              <a:t>Edit Master text styles</a:t>
+              <a:t>Click to edit Master text styles</a:t>
             </a:r>
           </a:p>
           <a:p>
@@ -2512,13 +4196,18 @@
               <a:rPr lang="en-US"/>
               <a:t>Fifth level</a:t>
             </a:r>
-            <a:endParaRPr lang="en-US" dirty="0"/>
           </a:p>
         </p:txBody>
       </p:sp>
       <p:sp>
         <p:nvSpPr>
-          <p:cNvPr id="5" name="Text Placeholder 4"/>
+          <p:cNvPr id="5" name="Text Placeholder 4">
+            <a:extLst>
+              <a:ext uri="{FF2B5EF4-FFF2-40B4-BE49-F238E27FC236}">
+                <a16:creationId xmlns:a16="http://schemas.microsoft.com/office/drawing/2014/main" id="{404863E3-E3D6-43DA-40A9-9DAE4C43CE39}"/>
+              </a:ext>
+            </a:extLst>
+          </p:cNvPr>
           <p:cNvSpPr>
             <a:spLocks noGrp="1"/>
           </p:cNvSpPr>
@@ -2528,8 +4217,8 @@
         </p:nvSpPr>
         <p:spPr>
           <a:xfrm>
-            <a:off x="4629151" y="1569085"/>
-            <a:ext cx="3887391" cy="768985"/>
+            <a:off x="6172200" y="1681163"/>
+            <a:ext cx="5183188" cy="823912"/>
           </a:xfrm>
         </p:spPr>
         <p:txBody>
@@ -2537,53 +4226,59 @@
           <a:lstStyle>
             <a:lvl1pPr marL="0" indent="0">
               <a:buNone/>
-              <a:defRPr sz="2240" b="1"/>
+              <a:defRPr sz="2400" b="1"/>
             </a:lvl1pPr>
-            <a:lvl2pPr marL="426705" indent="0">
+            <a:lvl2pPr marL="457200" indent="0">
               <a:buNone/>
-              <a:defRPr sz="1867" b="1"/>
+              <a:defRPr sz="2000" b="1"/>
             </a:lvl2pPr>
-            <a:lvl3pPr marL="853410" indent="0">
+            <a:lvl3pPr marL="914400" indent="0">
               <a:buNone/>
-              <a:defRPr sz="1680" b="1"/>
+              <a:defRPr sz="1800" b="1"/>
             </a:lvl3pPr>
-            <a:lvl4pPr marL="1280114" indent="0">
+            <a:lvl4pPr marL="1371600" indent="0">
               <a:buNone/>
-              <a:defRPr sz="1493" b="1"/>
+              <a:defRPr sz="1600" b="1"/>
             </a:lvl4pPr>
-            <a:lvl5pPr marL="1706819" indent="0">
+            <a:lvl5pPr marL="1828800" indent="0">
               <a:buNone/>
-              <a:defRPr sz="1493" b="1"/>
+              <a:defRPr sz="1600" b="1"/>
             </a:lvl5pPr>
-            <a:lvl6pPr marL="2133524" indent="0">
+            <a:lvl6pPr marL="2286000" indent="0">
               <a:buNone/>
-              <a:defRPr sz="1493" b="1"/>
+              <a:defRPr sz="1600" b="1"/>
             </a:lvl6pPr>
-            <a:lvl7pPr marL="2560229" indent="0">
+            <a:lvl7pPr marL="2743200" indent="0">
               <a:buNone/>
-              <a:defRPr sz="1493" b="1"/>
+              <a:defRPr sz="1600" b="1"/>
             </a:lvl7pPr>
-            <a:lvl8pPr marL="2986933" indent="0">
+            <a:lvl8pPr marL="3200400" indent="0">
               <a:buNone/>
-              <a:defRPr sz="1493" b="1"/>
+              <a:defRPr sz="1600" b="1"/>
             </a:lvl8pPr>
-            <a:lvl9pPr marL="3413638" indent="0">
+            <a:lvl9pPr marL="3657600" indent="0">
               <a:buNone/>
-              <a:defRPr sz="1493" b="1"/>
+              <a:defRPr sz="1600" b="1"/>
             </a:lvl9pPr>
           </a:lstStyle>
           <a:p>
             <a:pPr lvl="0"/>
             <a:r>
               <a:rPr lang="en-US"/>
-              <a:t>Edit Master text styles</a:t>
+              <a:t>Click to edit Master text styles</a:t>
             </a:r>
           </a:p>
         </p:txBody>
       </p:sp>
       <p:sp>
         <p:nvSpPr>
-          <p:cNvPr id="6" name="Content Placeholder 5"/>
+          <p:cNvPr id="6" name="Content Placeholder 5">
+            <a:extLst>
+              <a:ext uri="{FF2B5EF4-FFF2-40B4-BE49-F238E27FC236}">
+                <a16:creationId xmlns:a16="http://schemas.microsoft.com/office/drawing/2014/main" id="{F675FCBA-08CE-E999-9EC8-D944632F532D}"/>
+              </a:ext>
+            </a:extLst>
+          </p:cNvPr>
           <p:cNvSpPr>
             <a:spLocks noGrp="1"/>
           </p:cNvSpPr>
@@ -2593,8 +4288,8 @@
         </p:nvSpPr>
         <p:spPr>
           <a:xfrm>
-            <a:off x="4629151" y="2338070"/>
-            <a:ext cx="3887391" cy="3438949"/>
+            <a:off x="6172200" y="2505075"/>
+            <a:ext cx="5183188" cy="3684588"/>
           </a:xfrm>
         </p:spPr>
         <p:txBody>
@@ -2604,7 +4299,7 @@
             <a:pPr lvl="0"/>
             <a:r>
               <a:rPr lang="en-US"/>
-              <a:t>Edit Master text styles</a:t>
+              <a:t>Click to edit Master text styles</a:t>
             </a:r>
           </a:p>
           <a:p>
@@ -2634,13 +4329,18 @@
               <a:rPr lang="en-US"/>
               <a:t>Fifth level</a:t>
             </a:r>
-            <a:endParaRPr lang="en-US" dirty="0"/>
           </a:p>
         </p:txBody>
       </p:sp>
       <p:sp>
         <p:nvSpPr>
-          <p:cNvPr id="7" name="Date Placeholder 6"/>
+          <p:cNvPr id="7" name="Date Placeholder 6">
+            <a:extLst>
+              <a:ext uri="{FF2B5EF4-FFF2-40B4-BE49-F238E27FC236}">
+                <a16:creationId xmlns:a16="http://schemas.microsoft.com/office/drawing/2014/main" id="{06526850-C542-6E1C-51BB-3DCE7BEFFF0C}"/>
+              </a:ext>
+            </a:extLst>
+          </p:cNvPr>
           <p:cNvSpPr>
             <a:spLocks noGrp="1"/>
           </p:cNvSpPr>
@@ -2653,9 +4353,9 @@
           <a:bodyPr/>
           <a:lstStyle/>
           <a:p>
-            <a:fld id="{857C8E90-7EDD-4CDC-BF79-D3D421C99482}" type="datetimeFigureOut">
+            <a:fld id="{F2C74AF5-EC85-6A4B-9B51-351E2EFC8432}" type="datetimeFigureOut">
               <a:rPr lang="en-US" smtClean="0"/>
-              <a:t>1/31/2023</a:t>
+              <a:t>5/22/23</a:t>
             </a:fld>
             <a:endParaRPr lang="en-US"/>
           </a:p>
@@ -2663,7 +4363,13 @@
       </p:sp>
       <p:sp>
         <p:nvSpPr>
-          <p:cNvPr id="8" name="Footer Placeholder 7"/>
+          <p:cNvPr id="8" name="Footer Placeholder 7">
+            <a:extLst>
+              <a:ext uri="{FF2B5EF4-FFF2-40B4-BE49-F238E27FC236}">
+                <a16:creationId xmlns:a16="http://schemas.microsoft.com/office/drawing/2014/main" id="{F992F359-D61C-ED39-1237-5F40EE05BA69}"/>
+              </a:ext>
+            </a:extLst>
+          </p:cNvPr>
           <p:cNvSpPr>
             <a:spLocks noGrp="1"/>
           </p:cNvSpPr>
@@ -2682,7 +4388,13 @@
       </p:sp>
       <p:sp>
         <p:nvSpPr>
-          <p:cNvPr id="9" name="Slide Number Placeholder 8"/>
+          <p:cNvPr id="9" name="Slide Number Placeholder 8">
+            <a:extLst>
+              <a:ext uri="{FF2B5EF4-FFF2-40B4-BE49-F238E27FC236}">
+                <a16:creationId xmlns:a16="http://schemas.microsoft.com/office/drawing/2014/main" id="{1F0721DF-4A61-CDDC-FB55-38E541BF0180}"/>
+              </a:ext>
+            </a:extLst>
+          </p:cNvPr>
           <p:cNvSpPr>
             <a:spLocks noGrp="1"/>
           </p:cNvSpPr>
@@ -2695,7 +4407,7 @@
           <a:bodyPr/>
           <a:lstStyle/>
           <a:p>
-            <a:fld id="{1763B5A4-9C0B-49B9-8BE5-C73D78151254}" type="slidenum">
+            <a:fld id="{FFBED26F-E78A-AB45-B18D-0945CB968D8B}" type="slidenum">
               <a:rPr lang="en-US" smtClean="0"/>
               <a:t>‹#›</a:t>
             </a:fld>
@@ -2706,7 +4418,7 @@
     </p:spTree>
     <p:extLst>
       <p:ext uri="{BB962C8B-B14F-4D97-AF65-F5344CB8AC3E}">
-        <p14:creationId xmlns:p14="http://schemas.microsoft.com/office/powerpoint/2010/main" val="1675148544"/>
+        <p14:creationId xmlns:p14="http://schemas.microsoft.com/office/powerpoint/2010/main" val="1341232406"/>
       </p:ext>
     </p:extLst>
   </p:cSld>
@@ -2735,7 +4447,13 @@
       </p:grpSpPr>
       <p:sp>
         <p:nvSpPr>
-          <p:cNvPr id="2" name="Title 1"/>
+          <p:cNvPr id="2" name="Title 1">
+            <a:extLst>
+              <a:ext uri="{FF2B5EF4-FFF2-40B4-BE49-F238E27FC236}">
+                <a16:creationId xmlns:a16="http://schemas.microsoft.com/office/drawing/2014/main" id="{A57B5C22-3885-6D70-DA1F-98ED30FC3E4B}"/>
+              </a:ext>
+            </a:extLst>
+          </p:cNvPr>
           <p:cNvSpPr>
             <a:spLocks noGrp="1"/>
           </p:cNvSpPr>
@@ -2752,13 +4470,18 @@
               <a:rPr lang="en-US"/>
               <a:t>Click to edit Master title style</a:t>
             </a:r>
-            <a:endParaRPr lang="en-US" dirty="0"/>
           </a:p>
         </p:txBody>
       </p:sp>
       <p:sp>
         <p:nvSpPr>
-          <p:cNvPr id="3" name="Date Placeholder 2"/>
+          <p:cNvPr id="3" name="Date Placeholder 2">
+            <a:extLst>
+              <a:ext uri="{FF2B5EF4-FFF2-40B4-BE49-F238E27FC236}">
+                <a16:creationId xmlns:a16="http://schemas.microsoft.com/office/drawing/2014/main" id="{718E1336-2810-5D16-40F1-620E2640E472}"/>
+              </a:ext>
+            </a:extLst>
+          </p:cNvPr>
           <p:cNvSpPr>
             <a:spLocks noGrp="1"/>
           </p:cNvSpPr>
@@ -2771,9 +4494,9 @@
           <a:bodyPr/>
           <a:lstStyle/>
           <a:p>
-            <a:fld id="{857C8E90-7EDD-4CDC-BF79-D3D421C99482}" type="datetimeFigureOut">
+            <a:fld id="{F2C74AF5-EC85-6A4B-9B51-351E2EFC8432}" type="datetimeFigureOut">
               <a:rPr lang="en-US" smtClean="0"/>
-              <a:t>1/31/2023</a:t>
+              <a:t>5/22/23</a:t>
             </a:fld>
             <a:endParaRPr lang="en-US"/>
           </a:p>
@@ -2781,7 +4504,13 @@
       </p:sp>
       <p:sp>
         <p:nvSpPr>
-          <p:cNvPr id="4" name="Footer Placeholder 3"/>
+          <p:cNvPr id="4" name="Footer Placeholder 3">
+            <a:extLst>
+              <a:ext uri="{FF2B5EF4-FFF2-40B4-BE49-F238E27FC236}">
+                <a16:creationId xmlns:a16="http://schemas.microsoft.com/office/drawing/2014/main" id="{A935CADF-B81B-0939-5883-090FA4F2F7F2}"/>
+              </a:ext>
+            </a:extLst>
+          </p:cNvPr>
           <p:cNvSpPr>
             <a:spLocks noGrp="1"/>
           </p:cNvSpPr>
@@ -2800,7 +4529,13 @@
       </p:sp>
       <p:sp>
         <p:nvSpPr>
-          <p:cNvPr id="5" name="Slide Number Placeholder 4"/>
+          <p:cNvPr id="5" name="Slide Number Placeholder 4">
+            <a:extLst>
+              <a:ext uri="{FF2B5EF4-FFF2-40B4-BE49-F238E27FC236}">
+                <a16:creationId xmlns:a16="http://schemas.microsoft.com/office/drawing/2014/main" id="{B63E76C7-01F8-0723-3FC1-B09318E6C2FE}"/>
+              </a:ext>
+            </a:extLst>
+          </p:cNvPr>
           <p:cNvSpPr>
             <a:spLocks noGrp="1"/>
           </p:cNvSpPr>
@@ -2813,7 +4548,7 @@
           <a:bodyPr/>
           <a:lstStyle/>
           <a:p>
-            <a:fld id="{1763B5A4-9C0B-49B9-8BE5-C73D78151254}" type="slidenum">
+            <a:fld id="{FFBED26F-E78A-AB45-B18D-0945CB968D8B}" type="slidenum">
               <a:rPr lang="en-US" smtClean="0"/>
               <a:t>‹#›</a:t>
             </a:fld>
@@ -2824,7 +4559,7 @@
     </p:spTree>
     <p:extLst>
       <p:ext uri="{BB962C8B-B14F-4D97-AF65-F5344CB8AC3E}">
-        <p14:creationId xmlns:p14="http://schemas.microsoft.com/office/powerpoint/2010/main" val="1441578381"/>
+        <p14:creationId xmlns:p14="http://schemas.microsoft.com/office/powerpoint/2010/main" val="2920654021"/>
       </p:ext>
     </p:extLst>
   </p:cSld>
@@ -2853,7 +4588,13 @@
       </p:grpSpPr>
       <p:sp>
         <p:nvSpPr>
-          <p:cNvPr id="2" name="Date Placeholder 1"/>
+          <p:cNvPr id="2" name="Date Placeholder 1">
+            <a:extLst>
+              <a:ext uri="{FF2B5EF4-FFF2-40B4-BE49-F238E27FC236}">
+                <a16:creationId xmlns:a16="http://schemas.microsoft.com/office/drawing/2014/main" id="{D16D3AE7-9646-E9DC-C11C-59190C6EBFB1}"/>
+              </a:ext>
+            </a:extLst>
+          </p:cNvPr>
           <p:cNvSpPr>
             <a:spLocks noGrp="1"/>
           </p:cNvSpPr>
@@ -2866,9 +4607,9 @@
           <a:bodyPr/>
           <a:lstStyle/>
           <a:p>
-            <a:fld id="{857C8E90-7EDD-4CDC-BF79-D3D421C99482}" type="datetimeFigureOut">
+            <a:fld id="{F2C74AF5-EC85-6A4B-9B51-351E2EFC8432}" type="datetimeFigureOut">
               <a:rPr lang="en-US" smtClean="0"/>
-              <a:t>1/31/2023</a:t>
+              <a:t>5/22/23</a:t>
             </a:fld>
             <a:endParaRPr lang="en-US"/>
           </a:p>
@@ -2876,7 +4617,13 @@
       </p:sp>
       <p:sp>
         <p:nvSpPr>
-          <p:cNvPr id="3" name="Footer Placeholder 2"/>
+          <p:cNvPr id="3" name="Footer Placeholder 2">
+            <a:extLst>
+              <a:ext uri="{FF2B5EF4-FFF2-40B4-BE49-F238E27FC236}">
+                <a16:creationId xmlns:a16="http://schemas.microsoft.com/office/drawing/2014/main" id="{B7A849C1-21BF-8E88-6F11-E13E1E8BAE0B}"/>
+              </a:ext>
+            </a:extLst>
+          </p:cNvPr>
           <p:cNvSpPr>
             <a:spLocks noGrp="1"/>
           </p:cNvSpPr>
@@ -2895,7 +4642,13 @@
       </p:sp>
       <p:sp>
         <p:nvSpPr>
-          <p:cNvPr id="4" name="Slide Number Placeholder 3"/>
+          <p:cNvPr id="4" name="Slide Number Placeholder 3">
+            <a:extLst>
+              <a:ext uri="{FF2B5EF4-FFF2-40B4-BE49-F238E27FC236}">
+                <a16:creationId xmlns:a16="http://schemas.microsoft.com/office/drawing/2014/main" id="{B36DE292-57CE-EE23-C15E-1B7240E57D5A}"/>
+              </a:ext>
+            </a:extLst>
+          </p:cNvPr>
           <p:cNvSpPr>
             <a:spLocks noGrp="1"/>
           </p:cNvSpPr>
@@ -2908,7 +4661,7 @@
           <a:bodyPr/>
           <a:lstStyle/>
           <a:p>
-            <a:fld id="{1763B5A4-9C0B-49B9-8BE5-C73D78151254}" type="slidenum">
+            <a:fld id="{FFBED26F-E78A-AB45-B18D-0945CB968D8B}" type="slidenum">
               <a:rPr lang="en-US" smtClean="0"/>
               <a:t>‹#›</a:t>
             </a:fld>
@@ -2919,7 +4672,7 @@
     </p:spTree>
     <p:extLst>
       <p:ext uri="{BB962C8B-B14F-4D97-AF65-F5344CB8AC3E}">
-        <p14:creationId xmlns:p14="http://schemas.microsoft.com/office/powerpoint/2010/main" val="3700407595"/>
+        <p14:creationId xmlns:p14="http://schemas.microsoft.com/office/powerpoint/2010/main" val="2849592365"/>
       </p:ext>
     </p:extLst>
   </p:cSld>
@@ -2948,7 +4701,13 @@
       </p:grpSpPr>
       <p:sp>
         <p:nvSpPr>
-          <p:cNvPr id="2" name="Title 1"/>
+          <p:cNvPr id="2" name="Title 1">
+            <a:extLst>
+              <a:ext uri="{FF2B5EF4-FFF2-40B4-BE49-F238E27FC236}">
+                <a16:creationId xmlns:a16="http://schemas.microsoft.com/office/drawing/2014/main" id="{A8859C92-0580-CD20-A74F-AC5BC0B8FF29}"/>
+              </a:ext>
+            </a:extLst>
+          </p:cNvPr>
           <p:cNvSpPr>
             <a:spLocks noGrp="1"/>
           </p:cNvSpPr>
@@ -2958,15 +4717,15 @@
         </p:nvSpPr>
         <p:spPr>
           <a:xfrm>
-            <a:off x="629841" y="426720"/>
-            <a:ext cx="2949178" cy="1493520"/>
+            <a:off x="839788" y="457200"/>
+            <a:ext cx="3932237" cy="1600200"/>
           </a:xfrm>
         </p:spPr>
         <p:txBody>
           <a:bodyPr anchor="b"/>
           <a:lstStyle>
             <a:lvl1pPr>
-              <a:defRPr sz="2987"/>
+              <a:defRPr sz="3200"/>
             </a:lvl1pPr>
           </a:lstStyle>
           <a:p>
@@ -2974,13 +4733,18 @@
               <a:rPr lang="en-US"/>
               <a:t>Click to edit Master title style</a:t>
             </a:r>
-            <a:endParaRPr lang="en-US" dirty="0"/>
           </a:p>
         </p:txBody>
       </p:sp>
       <p:sp>
         <p:nvSpPr>
-          <p:cNvPr id="3" name="Content Placeholder 2"/>
+          <p:cNvPr id="3" name="Content Placeholder 2">
+            <a:extLst>
+              <a:ext uri="{FF2B5EF4-FFF2-40B4-BE49-F238E27FC236}">
+                <a16:creationId xmlns:a16="http://schemas.microsoft.com/office/drawing/2014/main" id="{B2793848-B620-4BD3-ED8B-C33837D8D927}"/>
+              </a:ext>
+            </a:extLst>
+          </p:cNvPr>
           <p:cNvSpPr>
             <a:spLocks noGrp="1"/>
           </p:cNvSpPr>
@@ -2990,46 +4754,46 @@
         </p:nvSpPr>
         <p:spPr>
           <a:xfrm>
-            <a:off x="3887391" y="921598"/>
-            <a:ext cx="4629150" cy="4548717"/>
+            <a:off x="5183188" y="987425"/>
+            <a:ext cx="6172200" cy="4873625"/>
           </a:xfrm>
         </p:spPr>
         <p:txBody>
           <a:bodyPr/>
           <a:lstStyle>
             <a:lvl1pPr>
-              <a:defRPr sz="2987"/>
+              <a:defRPr sz="3200"/>
             </a:lvl1pPr>
             <a:lvl2pPr>
-              <a:defRPr sz="2613"/>
+              <a:defRPr sz="2800"/>
             </a:lvl2pPr>
             <a:lvl3pPr>
-              <a:defRPr sz="2240"/>
+              <a:defRPr sz="2400"/>
             </a:lvl3pPr>
             <a:lvl4pPr>
-              <a:defRPr sz="1867"/>
+              <a:defRPr sz="2000"/>
             </a:lvl4pPr>
             <a:lvl5pPr>
-              <a:defRPr sz="1867"/>
+              <a:defRPr sz="2000"/>
             </a:lvl5pPr>
             <a:lvl6pPr>
-              <a:defRPr sz="1867"/>
+              <a:defRPr sz="2000"/>
             </a:lvl6pPr>
             <a:lvl7pPr>
-              <a:defRPr sz="1867"/>
+              <a:defRPr sz="2000"/>
             </a:lvl7pPr>
             <a:lvl8pPr>
-              <a:defRPr sz="1867"/>
+              <a:defRPr sz="2000"/>
             </a:lvl8pPr>
             <a:lvl9pPr>
-              <a:defRPr sz="1867"/>
+              <a:defRPr sz="2000"/>
             </a:lvl9pPr>
           </a:lstStyle>
           <a:p>
             <a:pPr lvl="0"/>
             <a:r>
               <a:rPr lang="en-US"/>
-              <a:t>Edit Master text styles</a:t>
+              <a:t>Click to edit Master text styles</a:t>
             </a:r>
           </a:p>
           <a:p>
@@ -3059,13 +4823,18 @@
               <a:rPr lang="en-US"/>
               <a:t>Fifth level</a:t>
             </a:r>
-            <a:endParaRPr lang="en-US" dirty="0"/>
           </a:p>
         </p:txBody>
       </p:sp>
       <p:sp>
         <p:nvSpPr>
-          <p:cNvPr id="4" name="Text Placeholder 3"/>
+          <p:cNvPr id="4" name="Text Placeholder 3">
+            <a:extLst>
+              <a:ext uri="{FF2B5EF4-FFF2-40B4-BE49-F238E27FC236}">
+                <a16:creationId xmlns:a16="http://schemas.microsoft.com/office/drawing/2014/main" id="{E7167934-36B8-2AA7-BC62-9A1D2A742991}"/>
+              </a:ext>
+            </a:extLst>
+          </p:cNvPr>
           <p:cNvSpPr>
             <a:spLocks noGrp="1"/>
           </p:cNvSpPr>
@@ -3075,8 +4844,8 @@
         </p:nvSpPr>
         <p:spPr>
           <a:xfrm>
-            <a:off x="629841" y="1920240"/>
-            <a:ext cx="2949178" cy="3557482"/>
+            <a:off x="839788" y="2057400"/>
+            <a:ext cx="3932237" cy="3811588"/>
           </a:xfrm>
         </p:spPr>
         <p:txBody>
@@ -3084,53 +4853,59 @@
           <a:lstStyle>
             <a:lvl1pPr marL="0" indent="0">
               <a:buNone/>
-              <a:defRPr sz="1493"/>
+              <a:defRPr sz="1600"/>
             </a:lvl1pPr>
-            <a:lvl2pPr marL="426705" indent="0">
+            <a:lvl2pPr marL="457200" indent="0">
               <a:buNone/>
-              <a:defRPr sz="1307"/>
+              <a:defRPr sz="1400"/>
             </a:lvl2pPr>
-            <a:lvl3pPr marL="853410" indent="0">
+            <a:lvl3pPr marL="914400" indent="0">
               <a:buNone/>
-              <a:defRPr sz="1120"/>
+              <a:defRPr sz="1200"/>
             </a:lvl3pPr>
-            <a:lvl4pPr marL="1280114" indent="0">
+            <a:lvl4pPr marL="1371600" indent="0">
               <a:buNone/>
-              <a:defRPr sz="933"/>
+              <a:defRPr sz="1000"/>
             </a:lvl4pPr>
-            <a:lvl5pPr marL="1706819" indent="0">
+            <a:lvl5pPr marL="1828800" indent="0">
               <a:buNone/>
-              <a:defRPr sz="933"/>
+              <a:defRPr sz="1000"/>
             </a:lvl5pPr>
-            <a:lvl6pPr marL="2133524" indent="0">
+            <a:lvl6pPr marL="2286000" indent="0">
               <a:buNone/>
-              <a:defRPr sz="933"/>
+              <a:defRPr sz="1000"/>
             </a:lvl6pPr>
-            <a:lvl7pPr marL="2560229" indent="0">
+            <a:lvl7pPr marL="2743200" indent="0">
               <a:buNone/>
-              <a:defRPr sz="933"/>
+              <a:defRPr sz="1000"/>
             </a:lvl7pPr>
-            <a:lvl8pPr marL="2986933" indent="0">
+            <a:lvl8pPr marL="3200400" indent="0">
               <a:buNone/>
-              <a:defRPr sz="933"/>
+              <a:defRPr sz="1000"/>
             </a:lvl8pPr>
-            <a:lvl9pPr marL="3413638" indent="0">
+            <a:lvl9pPr marL="3657600" indent="0">
               <a:buNone/>
-              <a:defRPr sz="933"/>
+              <a:defRPr sz="1000"/>
             </a:lvl9pPr>
           </a:lstStyle>
           <a:p>
             <a:pPr lvl="0"/>
             <a:r>
               <a:rPr lang="en-US"/>
-              <a:t>Edit Master text styles</a:t>
+              <a:t>Click to edit Master text styles</a:t>
             </a:r>
           </a:p>
         </p:txBody>
       </p:sp>
       <p:sp>
         <p:nvSpPr>
-          <p:cNvPr id="5" name="Date Placeholder 4"/>
+          <p:cNvPr id="5" name="Date Placeholder 4">
+            <a:extLst>
+              <a:ext uri="{FF2B5EF4-FFF2-40B4-BE49-F238E27FC236}">
+                <a16:creationId xmlns:a16="http://schemas.microsoft.com/office/drawing/2014/main" id="{6B5E8575-9ED6-0B06-04ED-75AF6B208AFE}"/>
+              </a:ext>
+            </a:extLst>
+          </p:cNvPr>
           <p:cNvSpPr>
             <a:spLocks noGrp="1"/>
           </p:cNvSpPr>
@@ -3143,9 +4918,9 @@
           <a:bodyPr/>
           <a:lstStyle/>
           <a:p>
-            <a:fld id="{857C8E90-7EDD-4CDC-BF79-D3D421C99482}" type="datetimeFigureOut">
+            <a:fld id="{F2C74AF5-EC85-6A4B-9B51-351E2EFC8432}" type="datetimeFigureOut">
               <a:rPr lang="en-US" smtClean="0"/>
-              <a:t>1/31/2023</a:t>
+              <a:t>5/22/23</a:t>
             </a:fld>
             <a:endParaRPr lang="en-US"/>
           </a:p>
@@ -3153,7 +4928,13 @@
       </p:sp>
       <p:sp>
         <p:nvSpPr>
-          <p:cNvPr id="6" name="Footer Placeholder 5"/>
+          <p:cNvPr id="6" name="Footer Placeholder 5">
+            <a:extLst>
+              <a:ext uri="{FF2B5EF4-FFF2-40B4-BE49-F238E27FC236}">
+                <a16:creationId xmlns:a16="http://schemas.microsoft.com/office/drawing/2014/main" id="{4BA80EEF-8171-A5A1-F88C-D84E3D79C35A}"/>
+              </a:ext>
+            </a:extLst>
+          </p:cNvPr>
           <p:cNvSpPr>
             <a:spLocks noGrp="1"/>
           </p:cNvSpPr>
@@ -3172,7 +4953,13 @@
       </p:sp>
       <p:sp>
         <p:nvSpPr>
-          <p:cNvPr id="7" name="Slide Number Placeholder 6"/>
+          <p:cNvPr id="7" name="Slide Number Placeholder 6">
+            <a:extLst>
+              <a:ext uri="{FF2B5EF4-FFF2-40B4-BE49-F238E27FC236}">
+                <a16:creationId xmlns:a16="http://schemas.microsoft.com/office/drawing/2014/main" id="{FFD66E2C-2D55-A0CD-02B4-85BB8B4F7DEB}"/>
+              </a:ext>
+            </a:extLst>
+          </p:cNvPr>
           <p:cNvSpPr>
             <a:spLocks noGrp="1"/>
           </p:cNvSpPr>
@@ -3185,7 +4972,7 @@
           <a:bodyPr/>
           <a:lstStyle/>
           <a:p>
-            <a:fld id="{1763B5A4-9C0B-49B9-8BE5-C73D78151254}" type="slidenum">
+            <a:fld id="{FFBED26F-E78A-AB45-B18D-0945CB968D8B}" type="slidenum">
               <a:rPr lang="en-US" smtClean="0"/>
               <a:t>‹#›</a:t>
             </a:fld>
@@ -3196,7 +4983,7 @@
     </p:spTree>
     <p:extLst>
       <p:ext uri="{BB962C8B-B14F-4D97-AF65-F5344CB8AC3E}">
-        <p14:creationId xmlns:p14="http://schemas.microsoft.com/office/powerpoint/2010/main" val="708430448"/>
+        <p14:creationId xmlns:p14="http://schemas.microsoft.com/office/powerpoint/2010/main" val="2016374661"/>
       </p:ext>
     </p:extLst>
   </p:cSld>
@@ -3225,7 +5012,13 @@
       </p:grpSpPr>
       <p:sp>
         <p:nvSpPr>
-          <p:cNvPr id="2" name="Title 1"/>
+          <p:cNvPr id="2" name="Title 1">
+            <a:extLst>
+              <a:ext uri="{FF2B5EF4-FFF2-40B4-BE49-F238E27FC236}">
+                <a16:creationId xmlns:a16="http://schemas.microsoft.com/office/drawing/2014/main" id="{C1077631-599E-6A3D-6200-5B6A106055C3}"/>
+              </a:ext>
+            </a:extLst>
+          </p:cNvPr>
           <p:cNvSpPr>
             <a:spLocks noGrp="1"/>
           </p:cNvSpPr>
@@ -3235,15 +5028,15 @@
         </p:nvSpPr>
         <p:spPr>
           <a:xfrm>
-            <a:off x="629841" y="426720"/>
-            <a:ext cx="2949178" cy="1493520"/>
+            <a:off x="839788" y="457200"/>
+            <a:ext cx="3932237" cy="1600200"/>
           </a:xfrm>
         </p:spPr>
         <p:txBody>
           <a:bodyPr anchor="b"/>
           <a:lstStyle>
             <a:lvl1pPr>
-              <a:defRPr sz="2987"/>
+              <a:defRPr sz="3200"/>
             </a:lvl1pPr>
           </a:lstStyle>
           <a:p>
@@ -3251,15 +5044,20 @@
               <a:rPr lang="en-US"/>
               <a:t>Click to edit Master title style</a:t>
             </a:r>
-            <a:endParaRPr lang="en-US" dirty="0"/>
           </a:p>
         </p:txBody>
       </p:sp>
       <p:sp>
         <p:nvSpPr>
-          <p:cNvPr id="3" name="Picture Placeholder 2"/>
+          <p:cNvPr id="3" name="Picture Placeholder 2">
+            <a:extLst>
+              <a:ext uri="{FF2B5EF4-FFF2-40B4-BE49-F238E27FC236}">
+                <a16:creationId xmlns:a16="http://schemas.microsoft.com/office/drawing/2014/main" id="{3ADC32A0-A179-8272-3ADA-E94B49B620D4}"/>
+              </a:ext>
+            </a:extLst>
+          </p:cNvPr>
           <p:cNvSpPr>
-            <a:spLocks noGrp="1" noChangeAspect="1"/>
+            <a:spLocks noGrp="1"/>
           </p:cNvSpPr>
           <p:nvPr>
             <p:ph type="pic" idx="1"/>
@@ -3267,73 +5065,8 @@
         </p:nvSpPr>
         <p:spPr>
           <a:xfrm>
-            <a:off x="3887391" y="921598"/>
-            <a:ext cx="4629150" cy="4548717"/>
-          </a:xfrm>
-        </p:spPr>
-        <p:txBody>
-          <a:bodyPr anchor="t"/>
-          <a:lstStyle>
-            <a:lvl1pPr marL="0" indent="0">
-              <a:buNone/>
-              <a:defRPr sz="2987"/>
-            </a:lvl1pPr>
-            <a:lvl2pPr marL="426705" indent="0">
-              <a:buNone/>
-              <a:defRPr sz="2613"/>
-            </a:lvl2pPr>
-            <a:lvl3pPr marL="853410" indent="0">
-              <a:buNone/>
-              <a:defRPr sz="2240"/>
-            </a:lvl3pPr>
-            <a:lvl4pPr marL="1280114" indent="0">
-              <a:buNone/>
-              <a:defRPr sz="1867"/>
-            </a:lvl4pPr>
-            <a:lvl5pPr marL="1706819" indent="0">
-              <a:buNone/>
-              <a:defRPr sz="1867"/>
-            </a:lvl5pPr>
-            <a:lvl6pPr marL="2133524" indent="0">
-              <a:buNone/>
-              <a:defRPr sz="1867"/>
-            </a:lvl6pPr>
-            <a:lvl7pPr marL="2560229" indent="0">
-              <a:buNone/>
-              <a:defRPr sz="1867"/>
-            </a:lvl7pPr>
-            <a:lvl8pPr marL="2986933" indent="0">
-              <a:buNone/>
-              <a:defRPr sz="1867"/>
-            </a:lvl8pPr>
-            <a:lvl9pPr marL="3413638" indent="0">
-              <a:buNone/>
-              <a:defRPr sz="1867"/>
-            </a:lvl9pPr>
-          </a:lstStyle>
-          <a:p>
-            <a:r>
-              <a:rPr lang="en-US"/>
-              <a:t>Click icon to add picture</a:t>
-            </a:r>
-            <a:endParaRPr lang="en-US" dirty="0"/>
-          </a:p>
-        </p:txBody>
-      </p:sp>
-      <p:sp>
-        <p:nvSpPr>
-          <p:cNvPr id="4" name="Text Placeholder 3"/>
-          <p:cNvSpPr>
-            <a:spLocks noGrp="1"/>
-          </p:cNvSpPr>
-          <p:nvPr>
-            <p:ph type="body" sz="half" idx="2"/>
-          </p:nvPr>
-        </p:nvSpPr>
-        <p:spPr>
-          <a:xfrm>
-            <a:off x="629841" y="1920240"/>
-            <a:ext cx="2949178" cy="3557482"/>
+            <a:off x="5183188" y="987425"/>
+            <a:ext cx="6172200" cy="4873625"/>
           </a:xfrm>
         </p:spPr>
         <p:txBody>
@@ -3341,53 +5074,126 @@
           <a:lstStyle>
             <a:lvl1pPr marL="0" indent="0">
               <a:buNone/>
-              <a:defRPr sz="1493"/>
+              <a:defRPr sz="3200"/>
             </a:lvl1pPr>
-            <a:lvl2pPr marL="426705" indent="0">
+            <a:lvl2pPr marL="457200" indent="0">
               <a:buNone/>
-              <a:defRPr sz="1307"/>
+              <a:defRPr sz="2800"/>
             </a:lvl2pPr>
-            <a:lvl3pPr marL="853410" indent="0">
+            <a:lvl3pPr marL="914400" indent="0">
               <a:buNone/>
-              <a:defRPr sz="1120"/>
+              <a:defRPr sz="2400"/>
             </a:lvl3pPr>
-            <a:lvl4pPr marL="1280114" indent="0">
+            <a:lvl4pPr marL="1371600" indent="0">
               <a:buNone/>
-              <a:defRPr sz="933"/>
+              <a:defRPr sz="2000"/>
             </a:lvl4pPr>
-            <a:lvl5pPr marL="1706819" indent="0">
+            <a:lvl5pPr marL="1828800" indent="0">
               <a:buNone/>
-              <a:defRPr sz="933"/>
+              <a:defRPr sz="2000"/>
             </a:lvl5pPr>
-            <a:lvl6pPr marL="2133524" indent="0">
+            <a:lvl6pPr marL="2286000" indent="0">
               <a:buNone/>
-              <a:defRPr sz="933"/>
+              <a:defRPr sz="2000"/>
             </a:lvl6pPr>
-            <a:lvl7pPr marL="2560229" indent="0">
+            <a:lvl7pPr marL="2743200" indent="0">
               <a:buNone/>
-              <a:defRPr sz="933"/>
+              <a:defRPr sz="2000"/>
             </a:lvl7pPr>
-            <a:lvl8pPr marL="2986933" indent="0">
+            <a:lvl8pPr marL="3200400" indent="0">
               <a:buNone/>
-              <a:defRPr sz="933"/>
+              <a:defRPr sz="2000"/>
             </a:lvl8pPr>
-            <a:lvl9pPr marL="3413638" indent="0">
+            <a:lvl9pPr marL="3657600" indent="0">
               <a:buNone/>
-              <a:defRPr sz="933"/>
+              <a:defRPr sz="2000"/>
             </a:lvl9pPr>
           </a:lstStyle>
           <a:p>
-            <a:pPr lvl="0"/>
-            <a:r>
-              <a:rPr lang="en-US"/>
-              <a:t>Edit Master text styles</a:t>
-            </a:r>
+            <a:endParaRPr lang="en-US"/>
           </a:p>
         </p:txBody>
       </p:sp>
       <p:sp>
         <p:nvSpPr>
-          <p:cNvPr id="5" name="Date Placeholder 4"/>
+          <p:cNvPr id="4" name="Text Placeholder 3">
+            <a:extLst>
+              <a:ext uri="{FF2B5EF4-FFF2-40B4-BE49-F238E27FC236}">
+                <a16:creationId xmlns:a16="http://schemas.microsoft.com/office/drawing/2014/main" id="{4C387AE6-0645-1708-1A4E-0E4EF84E5993}"/>
+              </a:ext>
+            </a:extLst>
+          </p:cNvPr>
+          <p:cNvSpPr>
+            <a:spLocks noGrp="1"/>
+          </p:cNvSpPr>
+          <p:nvPr>
+            <p:ph type="body" sz="half" idx="2"/>
+          </p:nvPr>
+        </p:nvSpPr>
+        <p:spPr>
+          <a:xfrm>
+            <a:off x="839788" y="2057400"/>
+            <a:ext cx="3932237" cy="3811588"/>
+          </a:xfrm>
+        </p:spPr>
+        <p:txBody>
+          <a:bodyPr/>
+          <a:lstStyle>
+            <a:lvl1pPr marL="0" indent="0">
+              <a:buNone/>
+              <a:defRPr sz="1600"/>
+            </a:lvl1pPr>
+            <a:lvl2pPr marL="457200" indent="0">
+              <a:buNone/>
+              <a:defRPr sz="1400"/>
+            </a:lvl2pPr>
+            <a:lvl3pPr marL="914400" indent="0">
+              <a:buNone/>
+              <a:defRPr sz="1200"/>
+            </a:lvl3pPr>
+            <a:lvl4pPr marL="1371600" indent="0">
+              <a:buNone/>
+              <a:defRPr sz="1000"/>
+            </a:lvl4pPr>
+            <a:lvl5pPr marL="1828800" indent="0">
+              <a:buNone/>
+              <a:defRPr sz="1000"/>
+            </a:lvl5pPr>
+            <a:lvl6pPr marL="2286000" indent="0">
+              <a:buNone/>
+              <a:defRPr sz="1000"/>
+            </a:lvl6pPr>
+            <a:lvl7pPr marL="2743200" indent="0">
+              <a:buNone/>
+              <a:defRPr sz="1000"/>
+            </a:lvl7pPr>
+            <a:lvl8pPr marL="3200400" indent="0">
+              <a:buNone/>
+              <a:defRPr sz="1000"/>
+            </a:lvl8pPr>
+            <a:lvl9pPr marL="3657600" indent="0">
+              <a:buNone/>
+              <a:defRPr sz="1000"/>
+            </a:lvl9pPr>
+          </a:lstStyle>
+          <a:p>
+            <a:pPr lvl="0"/>
+            <a:r>
+              <a:rPr lang="en-US"/>
+              <a:t>Click to edit Master text styles</a:t>
+            </a:r>
+          </a:p>
+        </p:txBody>
+      </p:sp>
+      <p:sp>
+        <p:nvSpPr>
+          <p:cNvPr id="5" name="Date Placeholder 4">
+            <a:extLst>
+              <a:ext uri="{FF2B5EF4-FFF2-40B4-BE49-F238E27FC236}">
+                <a16:creationId xmlns:a16="http://schemas.microsoft.com/office/drawing/2014/main" id="{9F0C825E-AB1D-1348-111B-F41E1B118E1A}"/>
+              </a:ext>
+            </a:extLst>
+          </p:cNvPr>
           <p:cNvSpPr>
             <a:spLocks noGrp="1"/>
           </p:cNvSpPr>
@@ -3400,9 +5206,9 @@
           <a:bodyPr/>
           <a:lstStyle/>
           <a:p>
-            <a:fld id="{857C8E90-7EDD-4CDC-BF79-D3D421C99482}" type="datetimeFigureOut">
+            <a:fld id="{F2C74AF5-EC85-6A4B-9B51-351E2EFC8432}" type="datetimeFigureOut">
               <a:rPr lang="en-US" smtClean="0"/>
-              <a:t>1/31/2023</a:t>
+              <a:t>5/22/23</a:t>
             </a:fld>
             <a:endParaRPr lang="en-US"/>
           </a:p>
@@ -3410,7 +5216,13 @@
       </p:sp>
       <p:sp>
         <p:nvSpPr>
-          <p:cNvPr id="6" name="Footer Placeholder 5"/>
+          <p:cNvPr id="6" name="Footer Placeholder 5">
+            <a:extLst>
+              <a:ext uri="{FF2B5EF4-FFF2-40B4-BE49-F238E27FC236}">
+                <a16:creationId xmlns:a16="http://schemas.microsoft.com/office/drawing/2014/main" id="{5752C7DC-BA6F-CAA6-16BD-F2FFA1E04DC5}"/>
+              </a:ext>
+            </a:extLst>
+          </p:cNvPr>
           <p:cNvSpPr>
             <a:spLocks noGrp="1"/>
           </p:cNvSpPr>
@@ -3429,7 +5241,13 @@
       </p:sp>
       <p:sp>
         <p:nvSpPr>
-          <p:cNvPr id="7" name="Slide Number Placeholder 6"/>
+          <p:cNvPr id="7" name="Slide Number Placeholder 6">
+            <a:extLst>
+              <a:ext uri="{FF2B5EF4-FFF2-40B4-BE49-F238E27FC236}">
+                <a16:creationId xmlns:a16="http://schemas.microsoft.com/office/drawing/2014/main" id="{2552118D-948A-3A36-85FD-E0A93C3B4299}"/>
+              </a:ext>
+            </a:extLst>
+          </p:cNvPr>
           <p:cNvSpPr>
             <a:spLocks noGrp="1"/>
           </p:cNvSpPr>
@@ -3442,7 +5260,7 @@
           <a:bodyPr/>
           <a:lstStyle/>
           <a:p>
-            <a:fld id="{1763B5A4-9C0B-49B9-8BE5-C73D78151254}" type="slidenum">
+            <a:fld id="{FFBED26F-E78A-AB45-B18D-0945CB968D8B}" type="slidenum">
               <a:rPr lang="en-US" smtClean="0"/>
               <a:t>‹#›</a:t>
             </a:fld>
@@ -3453,7 +5271,7 @@
     </p:spTree>
     <p:extLst>
       <p:ext uri="{BB962C8B-B14F-4D97-AF65-F5344CB8AC3E}">
-        <p14:creationId xmlns:p14="http://schemas.microsoft.com/office/powerpoint/2010/main" val="471429839"/>
+        <p14:creationId xmlns:p14="http://schemas.microsoft.com/office/powerpoint/2010/main" val="808723230"/>
       </p:ext>
     </p:extLst>
   </p:cSld>
@@ -3487,7 +5305,13 @@
       </p:grpSpPr>
       <p:sp>
         <p:nvSpPr>
-          <p:cNvPr id="2" name="Title Placeholder 1"/>
+          <p:cNvPr id="2" name="Title Placeholder 1">
+            <a:extLst>
+              <a:ext uri="{FF2B5EF4-FFF2-40B4-BE49-F238E27FC236}">
+                <a16:creationId xmlns:a16="http://schemas.microsoft.com/office/drawing/2014/main" id="{0FD81647-C2DB-6B0A-D17A-FEE181F533BF}"/>
+              </a:ext>
+            </a:extLst>
+          </p:cNvPr>
           <p:cNvSpPr>
             <a:spLocks noGrp="1"/>
           </p:cNvSpPr>
@@ -3497,8 +5321,8 @@
         </p:nvSpPr>
         <p:spPr>
           <a:xfrm>
-            <a:off x="628650" y="340785"/>
-            <a:ext cx="7886700" cy="1237192"/>
+            <a:off x="838200" y="365125"/>
+            <a:ext cx="10515600" cy="1325563"/>
           </a:xfrm>
           <a:prstGeom prst="rect">
             <a:avLst/>
@@ -3514,13 +5338,18 @@
               <a:rPr lang="en-US"/>
               <a:t>Click to edit Master title style</a:t>
             </a:r>
-            <a:endParaRPr lang="en-US" dirty="0"/>
           </a:p>
         </p:txBody>
       </p:sp>
       <p:sp>
         <p:nvSpPr>
-          <p:cNvPr id="3" name="Text Placeholder 2"/>
+          <p:cNvPr id="3" name="Text Placeholder 2">
+            <a:extLst>
+              <a:ext uri="{FF2B5EF4-FFF2-40B4-BE49-F238E27FC236}">
+                <a16:creationId xmlns:a16="http://schemas.microsoft.com/office/drawing/2014/main" id="{0894214B-4097-9B1C-EB8D-AD35C458CB3B}"/>
+              </a:ext>
+            </a:extLst>
+          </p:cNvPr>
           <p:cNvSpPr>
             <a:spLocks noGrp="1"/>
           </p:cNvSpPr>
@@ -3530,8 +5359,8 @@
         </p:nvSpPr>
         <p:spPr>
           <a:xfrm>
-            <a:off x="628650" y="1703917"/>
-            <a:ext cx="7886700" cy="4061249"/>
+            <a:off x="838200" y="1825625"/>
+            <a:ext cx="10515600" cy="4351338"/>
           </a:xfrm>
           <a:prstGeom prst="rect">
             <a:avLst/>
@@ -3546,7 +5375,7 @@
             <a:pPr lvl="0"/>
             <a:r>
               <a:rPr lang="en-US"/>
-              <a:t>Edit Master text styles</a:t>
+              <a:t>Click to edit Master text styles</a:t>
             </a:r>
           </a:p>
           <a:p>
@@ -3576,13 +5405,18 @@
               <a:rPr lang="en-US"/>
               <a:t>Fifth level</a:t>
             </a:r>
-            <a:endParaRPr lang="en-US" dirty="0"/>
           </a:p>
         </p:txBody>
       </p:sp>
       <p:sp>
         <p:nvSpPr>
-          <p:cNvPr id="4" name="Date Placeholder 3"/>
+          <p:cNvPr id="4" name="Date Placeholder 3">
+            <a:extLst>
+              <a:ext uri="{FF2B5EF4-FFF2-40B4-BE49-F238E27FC236}">
+                <a16:creationId xmlns:a16="http://schemas.microsoft.com/office/drawing/2014/main" id="{A3AC69CA-4834-63C5-D3AA-968E53300ED7}"/>
+              </a:ext>
+            </a:extLst>
+          </p:cNvPr>
           <p:cNvSpPr>
             <a:spLocks noGrp="1"/>
           </p:cNvSpPr>
@@ -3592,8 +5426,8 @@
         </p:nvSpPr>
         <p:spPr>
           <a:xfrm>
-            <a:off x="628650" y="5932595"/>
-            <a:ext cx="2057400" cy="340783"/>
+            <a:off x="838200" y="6356350"/>
+            <a:ext cx="2743200" cy="365125"/>
           </a:xfrm>
           <a:prstGeom prst="rect">
             <a:avLst/>
@@ -3603,7 +5437,7 @@
           <a:bodyPr vert="horz" lIns="91440" tIns="45720" rIns="91440" bIns="45720" rtlCol="0" anchor="ctr"/>
           <a:lstStyle>
             <a:lvl1pPr algn="l">
-              <a:defRPr sz="1120">
+              <a:defRPr sz="1200">
                 <a:solidFill>
                   <a:schemeClr val="tx1">
                     <a:tint val="75000"/>
@@ -3613,9 +5447,9 @@
             </a:lvl1pPr>
           </a:lstStyle>
           <a:p>
-            <a:fld id="{857C8E90-7EDD-4CDC-BF79-D3D421C99482}" type="datetimeFigureOut">
+            <a:fld id="{F2C74AF5-EC85-6A4B-9B51-351E2EFC8432}" type="datetimeFigureOut">
               <a:rPr lang="en-US" smtClean="0"/>
-              <a:t>1/31/2023</a:t>
+              <a:t>5/22/23</a:t>
             </a:fld>
             <a:endParaRPr lang="en-US"/>
           </a:p>
@@ -3623,7 +5457,13 @@
       </p:sp>
       <p:sp>
         <p:nvSpPr>
-          <p:cNvPr id="5" name="Footer Placeholder 4"/>
+          <p:cNvPr id="5" name="Footer Placeholder 4">
+            <a:extLst>
+              <a:ext uri="{FF2B5EF4-FFF2-40B4-BE49-F238E27FC236}">
+                <a16:creationId xmlns:a16="http://schemas.microsoft.com/office/drawing/2014/main" id="{CB924700-D7FF-CC0B-A166-A495D9A020C7}"/>
+              </a:ext>
+            </a:extLst>
+          </p:cNvPr>
           <p:cNvSpPr>
             <a:spLocks noGrp="1"/>
           </p:cNvSpPr>
@@ -3633,8 +5473,8 @@
         </p:nvSpPr>
         <p:spPr>
           <a:xfrm>
-            <a:off x="3028950" y="5932595"/>
-            <a:ext cx="3086100" cy="340783"/>
+            <a:off x="4038600" y="6356350"/>
+            <a:ext cx="4114800" cy="365125"/>
           </a:xfrm>
           <a:prstGeom prst="rect">
             <a:avLst/>
@@ -3644,7 +5484,7 @@
           <a:bodyPr vert="horz" lIns="91440" tIns="45720" rIns="91440" bIns="45720" rtlCol="0" anchor="ctr"/>
           <a:lstStyle>
             <a:lvl1pPr algn="ctr">
-              <a:defRPr sz="1120">
+              <a:defRPr sz="1200">
                 <a:solidFill>
                   <a:schemeClr val="tx1">
                     <a:tint val="75000"/>
@@ -3660,7 +5500,13 @@
       </p:sp>
       <p:sp>
         <p:nvSpPr>
-          <p:cNvPr id="6" name="Slide Number Placeholder 5"/>
+          <p:cNvPr id="6" name="Slide Number Placeholder 5">
+            <a:extLst>
+              <a:ext uri="{FF2B5EF4-FFF2-40B4-BE49-F238E27FC236}">
+                <a16:creationId xmlns:a16="http://schemas.microsoft.com/office/drawing/2014/main" id="{5700F724-3D02-91F5-078B-83F6C264E3E6}"/>
+              </a:ext>
+            </a:extLst>
+          </p:cNvPr>
           <p:cNvSpPr>
             <a:spLocks noGrp="1"/>
           </p:cNvSpPr>
@@ -3670,8 +5516,8 @@
         </p:nvSpPr>
         <p:spPr>
           <a:xfrm>
-            <a:off x="6457950" y="5932595"/>
-            <a:ext cx="2057400" cy="340783"/>
+            <a:off x="8610600" y="6356350"/>
+            <a:ext cx="2743200" cy="365125"/>
           </a:xfrm>
           <a:prstGeom prst="rect">
             <a:avLst/>
@@ -3681,7 +5527,7 @@
           <a:bodyPr vert="horz" lIns="91440" tIns="45720" rIns="91440" bIns="45720" rtlCol="0" anchor="ctr"/>
           <a:lstStyle>
             <a:lvl1pPr algn="r">
-              <a:defRPr sz="1120">
+              <a:defRPr sz="1200">
                 <a:solidFill>
                   <a:schemeClr val="tx1">
                     <a:tint val="75000"/>
@@ -3691,7 +5537,7 @@
             </a:lvl1pPr>
           </a:lstStyle>
           <a:p>
-            <a:fld id="{1763B5A4-9C0B-49B9-8BE5-C73D78151254}" type="slidenum">
+            <a:fld id="{FFBED26F-E78A-AB45-B18D-0945CB968D8B}" type="slidenum">
               <a:rPr lang="en-US" smtClean="0"/>
               <a:t>‹#›</a:t>
             </a:fld>
@@ -3702,27 +5548,27 @@
     </p:spTree>
     <p:extLst>
       <p:ext uri="{BB962C8B-B14F-4D97-AF65-F5344CB8AC3E}">
-        <p14:creationId xmlns:p14="http://schemas.microsoft.com/office/powerpoint/2010/main" val="3324177394"/>
+        <p14:creationId xmlns:p14="http://schemas.microsoft.com/office/powerpoint/2010/main" val="351074462"/>
       </p:ext>
     </p:extLst>
   </p:cSld>
   <p:clrMap bg1="lt1" tx1="dk1" bg2="lt2" tx2="dk2" accent1="accent1" accent2="accent2" accent3="accent3" accent4="accent4" accent5="accent5" accent6="accent6" hlink="hlink" folHlink="folHlink"/>
   <p:sldLayoutIdLst>
-    <p:sldLayoutId id="2147483685" r:id="rId1"/>
-    <p:sldLayoutId id="2147483686" r:id="rId2"/>
-    <p:sldLayoutId id="2147483687" r:id="rId3"/>
-    <p:sldLayoutId id="2147483688" r:id="rId4"/>
-    <p:sldLayoutId id="2147483689" r:id="rId5"/>
-    <p:sldLayoutId id="2147483690" r:id="rId6"/>
-    <p:sldLayoutId id="2147483691" r:id="rId7"/>
-    <p:sldLayoutId id="2147483692" r:id="rId8"/>
-    <p:sldLayoutId id="2147483693" r:id="rId9"/>
-    <p:sldLayoutId id="2147483694" r:id="rId10"/>
-    <p:sldLayoutId id="2147483695" r:id="rId11"/>
+    <p:sldLayoutId id="2147483649" r:id="rId1"/>
+    <p:sldLayoutId id="2147483650" r:id="rId2"/>
+    <p:sldLayoutId id="2147483651" r:id="rId3"/>
+    <p:sldLayoutId id="2147483652" r:id="rId4"/>
+    <p:sldLayoutId id="2147483653" r:id="rId5"/>
+    <p:sldLayoutId id="2147483654" r:id="rId6"/>
+    <p:sldLayoutId id="2147483655" r:id="rId7"/>
+    <p:sldLayoutId id="2147483656" r:id="rId8"/>
+    <p:sldLayoutId id="2147483657" r:id="rId9"/>
+    <p:sldLayoutId id="2147483658" r:id="rId10"/>
+    <p:sldLayoutId id="2147483659" r:id="rId11"/>
   </p:sldLayoutIdLst>
   <p:txStyles>
     <p:titleStyle>
-      <a:lvl1pPr algn="l" defTabSz="853410" rtl="0" eaLnBrk="1" latinLnBrk="0" hangingPunct="1">
+      <a:lvl1pPr algn="l" defTabSz="914400" rtl="0" eaLnBrk="1" latinLnBrk="0" hangingPunct="1">
         <a:lnSpc>
           <a:spcPct val="90000"/>
         </a:lnSpc>
@@ -3730,7 +5576,7 @@
           <a:spcPct val="0"/>
         </a:spcBef>
         <a:buNone/>
-        <a:defRPr sz="4107" kern="1200">
+        <a:defRPr sz="4400" kern="1200">
           <a:solidFill>
             <a:schemeClr val="tx1"/>
           </a:solidFill>
@@ -3741,16 +5587,16 @@
       </a:lvl1pPr>
     </p:titleStyle>
     <p:bodyStyle>
-      <a:lvl1pPr marL="213352" indent="-213352" algn="l" defTabSz="853410" rtl="0" eaLnBrk="1" latinLnBrk="0" hangingPunct="1">
+      <a:lvl1pPr marL="228600" indent="-228600" algn="l" defTabSz="914400" rtl="0" eaLnBrk="1" latinLnBrk="0" hangingPunct="1">
         <a:lnSpc>
           <a:spcPct val="90000"/>
         </a:lnSpc>
         <a:spcBef>
-          <a:spcPts val="933"/>
+          <a:spcPts val="1000"/>
         </a:spcBef>
         <a:buFont typeface="Arial" panose="020B0604020202020204" pitchFamily="34" charset="0"/>
         <a:buChar char="•"/>
-        <a:defRPr sz="2613" kern="1200">
+        <a:defRPr sz="2800" kern="1200">
           <a:solidFill>
             <a:schemeClr val="tx1"/>
           </a:solidFill>
@@ -3759,16 +5605,16 @@
           <a:cs typeface="+mn-cs"/>
         </a:defRPr>
       </a:lvl1pPr>
-      <a:lvl2pPr marL="640057" indent="-213352" algn="l" defTabSz="853410" rtl="0" eaLnBrk="1" latinLnBrk="0" hangingPunct="1">
+      <a:lvl2pPr marL="685800" indent="-228600" algn="l" defTabSz="914400" rtl="0" eaLnBrk="1" latinLnBrk="0" hangingPunct="1">
         <a:lnSpc>
           <a:spcPct val="90000"/>
         </a:lnSpc>
         <a:spcBef>
-          <a:spcPts val="467"/>
+          <a:spcPts val="500"/>
         </a:spcBef>
         <a:buFont typeface="Arial" panose="020B0604020202020204" pitchFamily="34" charset="0"/>
         <a:buChar char="•"/>
-        <a:defRPr sz="2240" kern="1200">
+        <a:defRPr sz="2400" kern="1200">
           <a:solidFill>
             <a:schemeClr val="tx1"/>
           </a:solidFill>
@@ -3777,16 +5623,16 @@
           <a:cs typeface="+mn-cs"/>
         </a:defRPr>
       </a:lvl2pPr>
-      <a:lvl3pPr marL="1066762" indent="-213352" algn="l" defTabSz="853410" rtl="0" eaLnBrk="1" latinLnBrk="0" hangingPunct="1">
+      <a:lvl3pPr marL="1143000" indent="-228600" algn="l" defTabSz="914400" rtl="0" eaLnBrk="1" latinLnBrk="0" hangingPunct="1">
         <a:lnSpc>
           <a:spcPct val="90000"/>
         </a:lnSpc>
         <a:spcBef>
-          <a:spcPts val="467"/>
+          <a:spcPts val="500"/>
         </a:spcBef>
         <a:buFont typeface="Arial" panose="020B0604020202020204" pitchFamily="34" charset="0"/>
         <a:buChar char="•"/>
-        <a:defRPr sz="1867" kern="1200">
+        <a:defRPr sz="2000" kern="1200">
           <a:solidFill>
             <a:schemeClr val="tx1"/>
           </a:solidFill>
@@ -3795,16 +5641,16 @@
           <a:cs typeface="+mn-cs"/>
         </a:defRPr>
       </a:lvl3pPr>
-      <a:lvl4pPr marL="1493467" indent="-213352" algn="l" defTabSz="853410" rtl="0" eaLnBrk="1" latinLnBrk="0" hangingPunct="1">
+      <a:lvl4pPr marL="1600200" indent="-228600" algn="l" defTabSz="914400" rtl="0" eaLnBrk="1" latinLnBrk="0" hangingPunct="1">
         <a:lnSpc>
           <a:spcPct val="90000"/>
         </a:lnSpc>
         <a:spcBef>
-          <a:spcPts val="467"/>
+          <a:spcPts val="500"/>
         </a:spcBef>
         <a:buFont typeface="Arial" panose="020B0604020202020204" pitchFamily="34" charset="0"/>
         <a:buChar char="•"/>
-        <a:defRPr sz="1680" kern="1200">
+        <a:defRPr sz="1800" kern="1200">
           <a:solidFill>
             <a:schemeClr val="tx1"/>
           </a:solidFill>
@@ -3813,16 +5659,16 @@
           <a:cs typeface="+mn-cs"/>
         </a:defRPr>
       </a:lvl4pPr>
-      <a:lvl5pPr marL="1920171" indent="-213352" algn="l" defTabSz="853410" rtl="0" eaLnBrk="1" latinLnBrk="0" hangingPunct="1">
+      <a:lvl5pPr marL="2057400" indent="-228600" algn="l" defTabSz="914400" rtl="0" eaLnBrk="1" latinLnBrk="0" hangingPunct="1">
         <a:lnSpc>
           <a:spcPct val="90000"/>
         </a:lnSpc>
         <a:spcBef>
-          <a:spcPts val="467"/>
+          <a:spcPts val="500"/>
         </a:spcBef>
         <a:buFont typeface="Arial" panose="020B0604020202020204" pitchFamily="34" charset="0"/>
         <a:buChar char="•"/>
-        <a:defRPr sz="1680" kern="1200">
+        <a:defRPr sz="1800" kern="1200">
           <a:solidFill>
             <a:schemeClr val="tx1"/>
           </a:solidFill>
@@ -3831,16 +5677,16 @@
           <a:cs typeface="+mn-cs"/>
         </a:defRPr>
       </a:lvl5pPr>
-      <a:lvl6pPr marL="2346876" indent="-213352" algn="l" defTabSz="853410" rtl="0" eaLnBrk="1" latinLnBrk="0" hangingPunct="1">
+      <a:lvl6pPr marL="2514600" indent="-228600" algn="l" defTabSz="914400" rtl="0" eaLnBrk="1" latinLnBrk="0" hangingPunct="1">
         <a:lnSpc>
           <a:spcPct val="90000"/>
         </a:lnSpc>
         <a:spcBef>
-          <a:spcPts val="467"/>
+          <a:spcPts val="500"/>
         </a:spcBef>
         <a:buFont typeface="Arial" panose="020B0604020202020204" pitchFamily="34" charset="0"/>
         <a:buChar char="•"/>
-        <a:defRPr sz="1680" kern="1200">
+        <a:defRPr sz="1800" kern="1200">
           <a:solidFill>
             <a:schemeClr val="tx1"/>
           </a:solidFill>
@@ -3849,16 +5695,16 @@
           <a:cs typeface="+mn-cs"/>
         </a:defRPr>
       </a:lvl6pPr>
-      <a:lvl7pPr marL="2773581" indent="-213352" algn="l" defTabSz="853410" rtl="0" eaLnBrk="1" latinLnBrk="0" hangingPunct="1">
+      <a:lvl7pPr marL="2971800" indent="-228600" algn="l" defTabSz="914400" rtl="0" eaLnBrk="1" latinLnBrk="0" hangingPunct="1">
         <a:lnSpc>
           <a:spcPct val="90000"/>
         </a:lnSpc>
         <a:spcBef>
-          <a:spcPts val="467"/>
+          <a:spcPts val="500"/>
         </a:spcBef>
         <a:buFont typeface="Arial" panose="020B0604020202020204" pitchFamily="34" charset="0"/>
         <a:buChar char="•"/>
-        <a:defRPr sz="1680" kern="1200">
+        <a:defRPr sz="1800" kern="1200">
           <a:solidFill>
             <a:schemeClr val="tx1"/>
           </a:solidFill>
@@ -3867,16 +5713,16 @@
           <a:cs typeface="+mn-cs"/>
         </a:defRPr>
       </a:lvl7pPr>
-      <a:lvl8pPr marL="3200286" indent="-213352" algn="l" defTabSz="853410" rtl="0" eaLnBrk="1" latinLnBrk="0" hangingPunct="1">
+      <a:lvl8pPr marL="3429000" indent="-228600" algn="l" defTabSz="914400" rtl="0" eaLnBrk="1" latinLnBrk="0" hangingPunct="1">
         <a:lnSpc>
           <a:spcPct val="90000"/>
         </a:lnSpc>
         <a:spcBef>
-          <a:spcPts val="467"/>
+          <a:spcPts val="500"/>
         </a:spcBef>
         <a:buFont typeface="Arial" panose="020B0604020202020204" pitchFamily="34" charset="0"/>
         <a:buChar char="•"/>
-        <a:defRPr sz="1680" kern="1200">
+        <a:defRPr sz="1800" kern="1200">
           <a:solidFill>
             <a:schemeClr val="tx1"/>
           </a:solidFill>
@@ -3885,16 +5731,16 @@
           <a:cs typeface="+mn-cs"/>
         </a:defRPr>
       </a:lvl8pPr>
-      <a:lvl9pPr marL="3626990" indent="-213352" algn="l" defTabSz="853410" rtl="0" eaLnBrk="1" latinLnBrk="0" hangingPunct="1">
+      <a:lvl9pPr marL="3886200" indent="-228600" algn="l" defTabSz="914400" rtl="0" eaLnBrk="1" latinLnBrk="0" hangingPunct="1">
         <a:lnSpc>
           <a:spcPct val="90000"/>
         </a:lnSpc>
         <a:spcBef>
-          <a:spcPts val="467"/>
+          <a:spcPts val="500"/>
         </a:spcBef>
         <a:buFont typeface="Arial" panose="020B0604020202020204" pitchFamily="34" charset="0"/>
         <a:buChar char="•"/>
-        <a:defRPr sz="1680" kern="1200">
+        <a:defRPr sz="1800" kern="1200">
           <a:solidFill>
             <a:schemeClr val="tx1"/>
           </a:solidFill>
@@ -3908,8 +5754,8 @@
       <a:defPPr>
         <a:defRPr lang="en-US"/>
       </a:defPPr>
-      <a:lvl1pPr marL="0" algn="l" defTabSz="853410" rtl="0" eaLnBrk="1" latinLnBrk="0" hangingPunct="1">
-        <a:defRPr sz="1680" kern="1200">
+      <a:lvl1pPr marL="0" algn="l" defTabSz="914400" rtl="0" eaLnBrk="1" latinLnBrk="0" hangingPunct="1">
+        <a:defRPr sz="1800" kern="1200">
           <a:solidFill>
             <a:schemeClr val="tx1"/>
           </a:solidFill>
@@ -3918,8 +5764,8 @@
           <a:cs typeface="+mn-cs"/>
         </a:defRPr>
       </a:lvl1pPr>
-      <a:lvl2pPr marL="426705" algn="l" defTabSz="853410" rtl="0" eaLnBrk="1" latinLnBrk="0" hangingPunct="1">
-        <a:defRPr sz="1680" kern="1200">
+      <a:lvl2pPr marL="457200" algn="l" defTabSz="914400" rtl="0" eaLnBrk="1" latinLnBrk="0" hangingPunct="1">
+        <a:defRPr sz="1800" kern="1200">
           <a:solidFill>
             <a:schemeClr val="tx1"/>
           </a:solidFill>
@@ -3928,8 +5774,8 @@
           <a:cs typeface="+mn-cs"/>
         </a:defRPr>
       </a:lvl2pPr>
-      <a:lvl3pPr marL="853410" algn="l" defTabSz="853410" rtl="0" eaLnBrk="1" latinLnBrk="0" hangingPunct="1">
-        <a:defRPr sz="1680" kern="1200">
+      <a:lvl3pPr marL="914400" algn="l" defTabSz="914400" rtl="0" eaLnBrk="1" latinLnBrk="0" hangingPunct="1">
+        <a:defRPr sz="1800" kern="1200">
           <a:solidFill>
             <a:schemeClr val="tx1"/>
           </a:solidFill>
@@ -3938,8 +5784,8 @@
           <a:cs typeface="+mn-cs"/>
         </a:defRPr>
       </a:lvl3pPr>
-      <a:lvl4pPr marL="1280114" algn="l" defTabSz="853410" rtl="0" eaLnBrk="1" latinLnBrk="0" hangingPunct="1">
-        <a:defRPr sz="1680" kern="1200">
+      <a:lvl4pPr marL="1371600" algn="l" defTabSz="914400" rtl="0" eaLnBrk="1" latinLnBrk="0" hangingPunct="1">
+        <a:defRPr sz="1800" kern="1200">
           <a:solidFill>
             <a:schemeClr val="tx1"/>
           </a:solidFill>
@@ -3948,8 +5794,8 @@
           <a:cs typeface="+mn-cs"/>
         </a:defRPr>
       </a:lvl4pPr>
-      <a:lvl5pPr marL="1706819" algn="l" defTabSz="853410" rtl="0" eaLnBrk="1" latinLnBrk="0" hangingPunct="1">
-        <a:defRPr sz="1680" kern="1200">
+      <a:lvl5pPr marL="1828800" algn="l" defTabSz="914400" rtl="0" eaLnBrk="1" latinLnBrk="0" hangingPunct="1">
+        <a:defRPr sz="1800" kern="1200">
           <a:solidFill>
             <a:schemeClr val="tx1"/>
           </a:solidFill>
@@ -3958,8 +5804,8 @@
           <a:cs typeface="+mn-cs"/>
         </a:defRPr>
       </a:lvl5pPr>
-      <a:lvl6pPr marL="2133524" algn="l" defTabSz="853410" rtl="0" eaLnBrk="1" latinLnBrk="0" hangingPunct="1">
-        <a:defRPr sz="1680" kern="1200">
+      <a:lvl6pPr marL="2286000" algn="l" defTabSz="914400" rtl="0" eaLnBrk="1" latinLnBrk="0" hangingPunct="1">
+        <a:defRPr sz="1800" kern="1200">
           <a:solidFill>
             <a:schemeClr val="tx1"/>
           </a:solidFill>
@@ -3968,8 +5814,8 @@
           <a:cs typeface="+mn-cs"/>
         </a:defRPr>
       </a:lvl6pPr>
-      <a:lvl7pPr marL="2560229" algn="l" defTabSz="853410" rtl="0" eaLnBrk="1" latinLnBrk="0" hangingPunct="1">
-        <a:defRPr sz="1680" kern="1200">
+      <a:lvl7pPr marL="2743200" algn="l" defTabSz="914400" rtl="0" eaLnBrk="1" latinLnBrk="0" hangingPunct="1">
+        <a:defRPr sz="1800" kern="1200">
           <a:solidFill>
             <a:schemeClr val="tx1"/>
           </a:solidFill>
@@ -3978,8 +5824,8 @@
           <a:cs typeface="+mn-cs"/>
         </a:defRPr>
       </a:lvl7pPr>
-      <a:lvl8pPr marL="2986933" algn="l" defTabSz="853410" rtl="0" eaLnBrk="1" latinLnBrk="0" hangingPunct="1">
-        <a:defRPr sz="1680" kern="1200">
+      <a:lvl8pPr marL="3200400" algn="l" defTabSz="914400" rtl="0" eaLnBrk="1" latinLnBrk="0" hangingPunct="1">
+        <a:defRPr sz="1800" kern="1200">
           <a:solidFill>
             <a:schemeClr val="tx1"/>
           </a:solidFill>
@@ -3988,8 +5834,8 @@
           <a:cs typeface="+mn-cs"/>
         </a:defRPr>
       </a:lvl8pPr>
-      <a:lvl9pPr marL="3413638" algn="l" defTabSz="853410" rtl="0" eaLnBrk="1" latinLnBrk="0" hangingPunct="1">
-        <a:defRPr sz="1680" kern="1200">
+      <a:lvl9pPr marL="3657600" algn="l" defTabSz="914400" rtl="0" eaLnBrk="1" latinLnBrk="0" hangingPunct="1">
+        <a:defRPr sz="1800" kern="1200">
           <a:solidFill>
             <a:schemeClr val="tx1"/>
           </a:solidFill>
@@ -4022,10 +5868,10 @@
       </p:grpSpPr>
       <p:graphicFrame>
         <p:nvGraphicFramePr>
-          <p:cNvPr id="6" name="Chart 5">
-            <a:extLst>
-              <a:ext uri="{FF2B5EF4-FFF2-40B4-BE49-F238E27FC236}">
-                <a16:creationId xmlns:a16="http://schemas.microsoft.com/office/drawing/2014/main" id="{E2768674-80C8-4959-B164-45938DAA579F}"/>
+          <p:cNvPr id="5" name="Chart 4">
+            <a:extLst>
+              <a:ext uri="{FF2B5EF4-FFF2-40B4-BE49-F238E27FC236}">
+                <a16:creationId xmlns:a16="http://schemas.microsoft.com/office/drawing/2014/main" id="{601CDE51-E7DB-AA1F-6310-3648D5AD7525}"/>
               </a:ext>
             </a:extLst>
           </p:cNvPr>
@@ -4035,14 +5881,14 @@
           <p:nvPr>
             <p:extLst>
               <p:ext uri="{D42A27DB-BD31-4B8C-83A1-F6EECF244321}">
-                <p14:modId xmlns:p14="http://schemas.microsoft.com/office/powerpoint/2010/main" val="3658237936"/>
+                <p14:modId xmlns:p14="http://schemas.microsoft.com/office/powerpoint/2010/main" val="1243986789"/>
               </p:ext>
             </p:extLst>
           </p:nvPr>
         </p:nvGraphicFramePr>
         <p:xfrm>
-          <a:off x="0" y="0"/>
-          <a:ext cx="9144000" cy="6400799"/>
+          <a:off x="640591" y="650115"/>
+          <a:ext cx="10404128" cy="5966442"/>
         </p:xfrm>
         <a:graphic>
           <a:graphicData uri="http://schemas.openxmlformats.org/drawingml/2006/chart">
@@ -4053,7 +5899,7 @@
     </p:spTree>
     <p:extLst>
       <p:ext uri="{BB962C8B-B14F-4D97-AF65-F5344CB8AC3E}">
-        <p14:creationId xmlns:p14="http://schemas.microsoft.com/office/powerpoint/2010/main" val="821997235"/>
+        <p14:creationId xmlns:p14="http://schemas.microsoft.com/office/powerpoint/2010/main" val="1236329388"/>
       </p:ext>
     </p:extLst>
   </p:cSld>
@@ -4066,7 +5912,7 @@
 <file path=ppt/theme/theme1.xml><?xml version="1.0" encoding="utf-8"?>
 <a:theme xmlns:a="http://schemas.openxmlformats.org/drawingml/2006/main" name="Office Theme">
   <a:themeElements>
-    <a:clrScheme name="Office Theme">
+    <a:clrScheme name="Office">
       <a:dk1>
         <a:sysClr val="windowText" lastClr="000000"/>
       </a:dk1>
@@ -4104,7 +5950,7 @@
         <a:srgbClr val="954F72"/>
       </a:folHlink>
     </a:clrScheme>
-    <a:fontScheme name="Office Theme">
+    <a:fontScheme name="Office">
       <a:majorFont>
         <a:latin typeface="Calibri Light" panose="020F0302020204030204"/>
         <a:ea typeface=""/>
@@ -4139,6 +5985,23 @@
         <a:font script="Viet" typeface="Times New Roman"/>
         <a:font script="Uigh" typeface="Microsoft Uighur"/>
         <a:font script="Geor" typeface="Sylfaen"/>
+        <a:font script="Armn" typeface="Arial"/>
+        <a:font script="Bugi" typeface="Leelawadee UI"/>
+        <a:font script="Bopo" typeface="Microsoft JhengHei"/>
+        <a:font script="Java" typeface="Javanese Text"/>
+        <a:font script="Lisu" typeface="Segoe UI"/>
+        <a:font script="Mymr" typeface="Myanmar Text"/>
+        <a:font script="Nkoo" typeface="Ebrima"/>
+        <a:font script="Olck" typeface="Nirmala UI"/>
+        <a:font script="Osma" typeface="Ebrima"/>
+        <a:font script="Phag" typeface="Phagspa"/>
+        <a:font script="Syrn" typeface="Estrangelo Edessa"/>
+        <a:font script="Syrj" typeface="Estrangelo Edessa"/>
+        <a:font script="Syre" typeface="Estrangelo Edessa"/>
+        <a:font script="Sora" typeface="Nirmala UI"/>
+        <a:font script="Tale" typeface="Microsoft Tai Le"/>
+        <a:font script="Talu" typeface="Microsoft New Tai Lue"/>
+        <a:font script="Tfng" typeface="Ebrima"/>
       </a:majorFont>
       <a:minorFont>
         <a:latin typeface="Calibri" panose="020F0502020204030204"/>
@@ -4174,9 +6037,26 @@
         <a:font script="Viet" typeface="Arial"/>
         <a:font script="Uigh" typeface="Microsoft Uighur"/>
         <a:font script="Geor" typeface="Sylfaen"/>
+        <a:font script="Armn" typeface="Arial"/>
+        <a:font script="Bugi" typeface="Leelawadee UI"/>
+        <a:font script="Bopo" typeface="Microsoft JhengHei"/>
+        <a:font script="Java" typeface="Javanese Text"/>
+        <a:font script="Lisu" typeface="Segoe UI"/>
+        <a:font script="Mymr" typeface="Myanmar Text"/>
+        <a:font script="Nkoo" typeface="Ebrima"/>
+        <a:font script="Olck" typeface="Nirmala UI"/>
+        <a:font script="Osma" typeface="Ebrima"/>
+        <a:font script="Phag" typeface="Phagspa"/>
+        <a:font script="Syrn" typeface="Estrangelo Edessa"/>
+        <a:font script="Syrj" typeface="Estrangelo Edessa"/>
+        <a:font script="Syre" typeface="Estrangelo Edessa"/>
+        <a:font script="Sora" typeface="Nirmala UI"/>
+        <a:font script="Tale" typeface="Microsoft Tai Le"/>
+        <a:font script="Talu" typeface="Microsoft New Tai Lue"/>
+        <a:font script="Tfng" typeface="Ebrima"/>
       </a:minorFont>
     </a:fontScheme>
-    <a:fmtScheme name="Office Theme">
+    <a:fmtScheme name="Office">
       <a:fillStyleLst>
         <a:solidFill>
           <a:schemeClr val="phClr"/>
@@ -4322,256 +6202,4 @@
     </a:ext>
   </a:extLst>
 </a:theme>
-</file>
-
-<file path=ppt/theme/themeOverride1.xml><?xml version="1.0" encoding="utf-8"?>
-<a:themeOverride xmlns:a="http://schemas.openxmlformats.org/drawingml/2006/main">
-  <a:clrScheme name="Office Theme">
-    <a:dk1>
-      <a:sysClr val="windowText" lastClr="000000"/>
-    </a:dk1>
-    <a:lt1>
-      <a:sysClr val="window" lastClr="FFFFFF"/>
-    </a:lt1>
-    <a:dk2>
-      <a:srgbClr val="44546A"/>
-    </a:dk2>
-    <a:lt2>
-      <a:srgbClr val="E7E6E6"/>
-    </a:lt2>
-    <a:accent1>
-      <a:srgbClr val="4472C4"/>
-    </a:accent1>
-    <a:accent2>
-      <a:srgbClr val="ED7D31"/>
-    </a:accent2>
-    <a:accent3>
-      <a:srgbClr val="A5A5A5"/>
-    </a:accent3>
-    <a:accent4>
-      <a:srgbClr val="FFC000"/>
-    </a:accent4>
-    <a:accent5>
-      <a:srgbClr val="5B9BD5"/>
-    </a:accent5>
-    <a:accent6>
-      <a:srgbClr val="70AD47"/>
-    </a:accent6>
-    <a:hlink>
-      <a:srgbClr val="0563C1"/>
-    </a:hlink>
-    <a:folHlink>
-      <a:srgbClr val="954F72"/>
-    </a:folHlink>
-  </a:clrScheme>
-  <a:fontScheme name="Office Theme">
-    <a:majorFont>
-      <a:latin typeface="Calibri Light" panose="020F0302020204030204"/>
-      <a:ea typeface=""/>
-      <a:cs typeface=""/>
-      <a:font script="Jpan" typeface="游ゴシック Light"/>
-      <a:font script="Hang" typeface="맑은 고딕"/>
-      <a:font script="Hans" typeface="等线 Light"/>
-      <a:font script="Hant" typeface="新細明體"/>
-      <a:font script="Arab" typeface="Times New Roman"/>
-      <a:font script="Hebr" typeface="Times New Roman"/>
-      <a:font script="Thai" typeface="Angsana New"/>
-      <a:font script="Ethi" typeface="Nyala"/>
-      <a:font script="Beng" typeface="Vrinda"/>
-      <a:font script="Gujr" typeface="Shruti"/>
-      <a:font script="Khmr" typeface="MoolBoran"/>
-      <a:font script="Knda" typeface="Tunga"/>
-      <a:font script="Guru" typeface="Raavi"/>
-      <a:font script="Cans" typeface="Euphemia"/>
-      <a:font script="Cher" typeface="Plantagenet Cherokee"/>
-      <a:font script="Yiii" typeface="Microsoft Yi Baiti"/>
-      <a:font script="Tibt" typeface="Microsoft Himalaya"/>
-      <a:font script="Thaa" typeface="MV Boli"/>
-      <a:font script="Deva" typeface="Mangal"/>
-      <a:font script="Telu" typeface="Gautami"/>
-      <a:font script="Taml" typeface="Latha"/>
-      <a:font script="Syrc" typeface="Estrangelo Edessa"/>
-      <a:font script="Orya" typeface="Kalinga"/>
-      <a:font script="Mlym" typeface="Kartika"/>
-      <a:font script="Laoo" typeface="DokChampa"/>
-      <a:font script="Sinh" typeface="Iskoola Pota"/>
-      <a:font script="Mong" typeface="Mongolian Baiti"/>
-      <a:font script="Viet" typeface="Times New Roman"/>
-      <a:font script="Uigh" typeface="Microsoft Uighur"/>
-      <a:font script="Geor" typeface="Sylfaen"/>
-    </a:majorFont>
-    <a:minorFont>
-      <a:latin typeface="Calibri" panose="020F0502020204030204"/>
-      <a:ea typeface=""/>
-      <a:cs typeface=""/>
-      <a:font script="Jpan" typeface="游ゴシック"/>
-      <a:font script="Hang" typeface="맑은 고딕"/>
-      <a:font script="Hans" typeface="等线"/>
-      <a:font script="Hant" typeface="新細明體"/>
-      <a:font script="Arab" typeface="Arial"/>
-      <a:font script="Hebr" typeface="Arial"/>
-      <a:font script="Thai" typeface="Cordia New"/>
-      <a:font script="Ethi" typeface="Nyala"/>
-      <a:font script="Beng" typeface="Vrinda"/>
-      <a:font script="Gujr" typeface="Shruti"/>
-      <a:font script="Khmr" typeface="DaunPenh"/>
-      <a:font script="Knda" typeface="Tunga"/>
-      <a:font script="Guru" typeface="Raavi"/>
-      <a:font script="Cans" typeface="Euphemia"/>
-      <a:font script="Cher" typeface="Plantagenet Cherokee"/>
-      <a:font script="Yiii" typeface="Microsoft Yi Baiti"/>
-      <a:font script="Tibt" typeface="Microsoft Himalaya"/>
-      <a:font script="Thaa" typeface="MV Boli"/>
-      <a:font script="Deva" typeface="Mangal"/>
-      <a:font script="Telu" typeface="Gautami"/>
-      <a:font script="Taml" typeface="Latha"/>
-      <a:font script="Syrc" typeface="Estrangelo Edessa"/>
-      <a:font script="Orya" typeface="Kalinga"/>
-      <a:font script="Mlym" typeface="Kartika"/>
-      <a:font script="Laoo" typeface="DokChampa"/>
-      <a:font script="Sinh" typeface="Iskoola Pota"/>
-      <a:font script="Mong" typeface="Mongolian Baiti"/>
-      <a:font script="Viet" typeface="Arial"/>
-      <a:font script="Uigh" typeface="Microsoft Uighur"/>
-      <a:font script="Geor" typeface="Sylfaen"/>
-    </a:minorFont>
-  </a:fontScheme>
-  <a:fmtScheme name="Office Theme">
-    <a:fillStyleLst>
-      <a:solidFill>
-        <a:schemeClr val="phClr"/>
-      </a:solidFill>
-      <a:gradFill rotWithShape="1">
-        <a:gsLst>
-          <a:gs pos="0">
-            <a:schemeClr val="phClr">
-              <a:lumMod val="110000"/>
-              <a:satMod val="105000"/>
-              <a:tint val="67000"/>
-            </a:schemeClr>
-          </a:gs>
-          <a:gs pos="50000">
-            <a:schemeClr val="phClr">
-              <a:lumMod val="105000"/>
-              <a:satMod val="103000"/>
-              <a:tint val="73000"/>
-            </a:schemeClr>
-          </a:gs>
-          <a:gs pos="100000">
-            <a:schemeClr val="phClr">
-              <a:lumMod val="105000"/>
-              <a:satMod val="109000"/>
-              <a:tint val="81000"/>
-            </a:schemeClr>
-          </a:gs>
-        </a:gsLst>
-        <a:lin ang="5400000" scaled="0"/>
-      </a:gradFill>
-      <a:gradFill rotWithShape="1">
-        <a:gsLst>
-          <a:gs pos="0">
-            <a:schemeClr val="phClr">
-              <a:satMod val="103000"/>
-              <a:lumMod val="102000"/>
-              <a:tint val="94000"/>
-            </a:schemeClr>
-          </a:gs>
-          <a:gs pos="50000">
-            <a:schemeClr val="phClr">
-              <a:satMod val="110000"/>
-              <a:lumMod val="100000"/>
-              <a:shade val="100000"/>
-            </a:schemeClr>
-          </a:gs>
-          <a:gs pos="100000">
-            <a:schemeClr val="phClr">
-              <a:lumMod val="99000"/>
-              <a:satMod val="120000"/>
-              <a:shade val="78000"/>
-            </a:schemeClr>
-          </a:gs>
-        </a:gsLst>
-        <a:lin ang="5400000" scaled="0"/>
-      </a:gradFill>
-    </a:fillStyleLst>
-    <a:lnStyleLst>
-      <a:ln w="6350" cap="flat" cmpd="sng" algn="ctr">
-        <a:solidFill>
-          <a:schemeClr val="phClr"/>
-        </a:solidFill>
-        <a:prstDash val="solid"/>
-        <a:miter lim="800000"/>
-      </a:ln>
-      <a:ln w="12700" cap="flat" cmpd="sng" algn="ctr">
-        <a:solidFill>
-          <a:schemeClr val="phClr"/>
-        </a:solidFill>
-        <a:prstDash val="solid"/>
-        <a:miter lim="800000"/>
-      </a:ln>
-      <a:ln w="19050" cap="flat" cmpd="sng" algn="ctr">
-        <a:solidFill>
-          <a:schemeClr val="phClr"/>
-        </a:solidFill>
-        <a:prstDash val="solid"/>
-        <a:miter lim="800000"/>
-      </a:ln>
-    </a:lnStyleLst>
-    <a:effectStyleLst>
-      <a:effectStyle>
-        <a:effectLst/>
-      </a:effectStyle>
-      <a:effectStyle>
-        <a:effectLst/>
-      </a:effectStyle>
-      <a:effectStyle>
-        <a:effectLst>
-          <a:outerShdw blurRad="57150" dist="19050" dir="5400000" algn="ctr" rotWithShape="0">
-            <a:srgbClr val="000000">
-              <a:alpha val="63000"/>
-            </a:srgbClr>
-          </a:outerShdw>
-        </a:effectLst>
-      </a:effectStyle>
-    </a:effectStyleLst>
-    <a:bgFillStyleLst>
-      <a:solidFill>
-        <a:schemeClr val="phClr"/>
-      </a:solidFill>
-      <a:solidFill>
-        <a:schemeClr val="phClr">
-          <a:tint val="95000"/>
-          <a:satMod val="170000"/>
-        </a:schemeClr>
-      </a:solidFill>
-      <a:gradFill rotWithShape="1">
-        <a:gsLst>
-          <a:gs pos="0">
-            <a:schemeClr val="phClr">
-              <a:tint val="93000"/>
-              <a:satMod val="150000"/>
-              <a:shade val="98000"/>
-              <a:lumMod val="102000"/>
-            </a:schemeClr>
-          </a:gs>
-          <a:gs pos="50000">
-            <a:schemeClr val="phClr">
-              <a:tint val="98000"/>
-              <a:satMod val="130000"/>
-              <a:shade val="90000"/>
-              <a:lumMod val="103000"/>
-            </a:schemeClr>
-          </a:gs>
-          <a:gs pos="100000">
-            <a:schemeClr val="phClr">
-              <a:shade val="63000"/>
-              <a:satMod val="120000"/>
-            </a:schemeClr>
-          </a:gs>
-        </a:gsLst>
-        <a:lin ang="5400000" scaled="0"/>
-      </a:gradFill>
-    </a:bgFillStyleLst>
-  </a:fmtScheme>
-</a:themeOverride>
 </file>